--- a/Python-Programming-Week02.pptx
+++ b/Python-Programming-Week02.pptx
@@ -5,7 +5,7 @@
     <p:sldMasterId id="2147483659" r:id="rId1"/>
   </p:sldMasterIdLst>
   <p:notesMasterIdLst>
-    <p:notesMasterId r:id="rId22"/>
+    <p:notesMasterId r:id="rId30"/>
   </p:notesMasterIdLst>
   <p:sldIdLst>
     <p:sldId id="336" r:id="rId2"/>
@@ -24,20 +24,49 @@
     <p:sldId id="334" r:id="rId15"/>
     <p:sldId id="335" r:id="rId16"/>
     <p:sldId id="325" r:id="rId17"/>
-    <p:sldId id="331" r:id="rId18"/>
-    <p:sldId id="326" r:id="rId19"/>
-    <p:sldId id="329" r:id="rId20"/>
-    <p:sldId id="327" r:id="rId21"/>
+    <p:sldId id="326" r:id="rId18"/>
+    <p:sldId id="337" r:id="rId19"/>
+    <p:sldId id="345" r:id="rId20"/>
+    <p:sldId id="346" r:id="rId21"/>
+    <p:sldId id="347" r:id="rId22"/>
+    <p:sldId id="327" r:id="rId23"/>
+    <p:sldId id="338" r:id="rId24"/>
+    <p:sldId id="339" r:id="rId25"/>
+    <p:sldId id="348" r:id="rId26"/>
+    <p:sldId id="349" r:id="rId27"/>
+    <p:sldId id="350" r:id="rId28"/>
+    <p:sldId id="351" r:id="rId29"/>
   </p:sldIdLst>
   <p:sldSz cx="9144000" cy="5143500" type="screen16x9"/>
   <p:notesSz cx="6858000" cy="9144000"/>
   <p:embeddedFontLst>
     <p:embeddedFont>
       <p:font typeface="Roboto" panose="020B0604020202020204" charset="0"/>
-      <p:regular r:id="rId23"/>
-      <p:bold r:id="rId24"/>
-      <p:italic r:id="rId25"/>
-      <p:boldItalic r:id="rId26"/>
+      <p:regular r:id="rId31"/>
+      <p:bold r:id="rId32"/>
+      <p:italic r:id="rId33"/>
+      <p:boldItalic r:id="rId34"/>
+    </p:embeddedFont>
+    <p:embeddedFont>
+      <p:font typeface="Verdana" panose="020B0604030504040204" pitchFamily="34" charset="0"/>
+      <p:regular r:id="rId35"/>
+      <p:bold r:id="rId36"/>
+      <p:italic r:id="rId37"/>
+      <p:boldItalic r:id="rId38"/>
+    </p:embeddedFont>
+    <p:embeddedFont>
+      <p:font typeface="Segoe UI" panose="020B0502040204020203" pitchFamily="34" charset="0"/>
+      <p:regular r:id="rId39"/>
+      <p:bold r:id="rId40"/>
+      <p:italic r:id="rId41"/>
+      <p:boldItalic r:id="rId42"/>
+    </p:embeddedFont>
+    <p:embeddedFont>
+      <p:font typeface="Consolas" panose="020B0609020204030204" pitchFamily="49" charset="0"/>
+      <p:regular r:id="rId43"/>
+      <p:bold r:id="rId44"/>
+      <p:italic r:id="rId45"/>
+      <p:boldItalic r:id="rId46"/>
     </p:embeddedFont>
   </p:embeddedFontLst>
   <p:defaultTextStyle>
@@ -1772,6 +1801,11 @@
         </p:txBody>
       </p:sp>
     </p:spTree>
+    <p:extLst>
+      <p:ext uri="{BB962C8B-B14F-4D97-AF65-F5344CB8AC3E}">
+        <p14:creationId xmlns:p14="http://schemas.microsoft.com/office/powerpoint/2010/main" val="972175799"/>
+      </p:ext>
+    </p:extLst>
   </p:cSld>
   <p:clrMapOvr>
     <a:masterClrMapping/>
@@ -1876,6 +1910,11 @@
         </p:txBody>
       </p:sp>
     </p:spTree>
+    <p:extLst>
+      <p:ext uri="{BB962C8B-B14F-4D97-AF65-F5344CB8AC3E}">
+        <p14:creationId xmlns:p14="http://schemas.microsoft.com/office/powerpoint/2010/main" val="2282157963"/>
+      </p:ext>
+    </p:extLst>
   </p:cSld>
   <p:clrMapOvr>
     <a:masterClrMapping/>
@@ -2084,6 +2123,878 @@
         </p:txBody>
       </p:sp>
     </p:spTree>
+    <p:extLst>
+      <p:ext uri="{BB962C8B-B14F-4D97-AF65-F5344CB8AC3E}">
+        <p14:creationId xmlns:p14="http://schemas.microsoft.com/office/powerpoint/2010/main" val="3314921396"/>
+      </p:ext>
+    </p:extLst>
+  </p:cSld>
+  <p:clrMapOvr>
+    <a:masterClrMapping/>
+  </p:clrMapOvr>
+</p:notes>
+</file>
+
+<file path=ppt/notesSlides/notesSlide21.xml><?xml version="1.0" encoding="utf-8"?>
+<p:notes xmlns:a="http://schemas.openxmlformats.org/drawingml/2006/main" xmlns:r="http://schemas.openxmlformats.org/officeDocument/2006/relationships" xmlns:p="http://schemas.openxmlformats.org/presentationml/2006/main" showMasterSp="0" showMasterPhAnim="0">
+  <p:cSld>
+    <p:spTree>
+      <p:nvGrpSpPr>
+        <p:cNvPr id="1" name="Shape 99"/>
+        <p:cNvGrpSpPr/>
+        <p:nvPr/>
+      </p:nvGrpSpPr>
+      <p:grpSpPr>
+        <a:xfrm>
+          <a:off x="0" y="0"/>
+          <a:ext cx="0" cy="0"/>
+          <a:chOff x="0" y="0"/>
+          <a:chExt cx="0" cy="0"/>
+        </a:xfrm>
+      </p:grpSpPr>
+      <p:sp>
+        <p:nvSpPr>
+          <p:cNvPr id="100" name="Google Shape;100;g2ddc889944f_0_0:notes"/>
+          <p:cNvSpPr>
+            <a:spLocks noGrp="1" noRot="1" noChangeAspect="1"/>
+          </p:cNvSpPr>
+          <p:nvPr>
+            <p:ph type="sldImg" idx="2"/>
+          </p:nvPr>
+        </p:nvSpPr>
+        <p:spPr>
+          <a:xfrm>
+            <a:off x="381000" y="685800"/>
+            <a:ext cx="6096000" cy="3429000"/>
+          </a:xfrm>
+          <a:custGeom>
+            <a:avLst/>
+            <a:gdLst/>
+            <a:ahLst/>
+            <a:cxnLst/>
+            <a:rect l="l" t="t" r="r" b="b"/>
+            <a:pathLst>
+              <a:path w="120000" h="120000" extrusionOk="0">
+                <a:moveTo>
+                  <a:pt x="0" y="0"/>
+                </a:moveTo>
+                <a:lnTo>
+                  <a:pt x="120000" y="0"/>
+                </a:lnTo>
+                <a:lnTo>
+                  <a:pt x="120000" y="120000"/>
+                </a:lnTo>
+                <a:lnTo>
+                  <a:pt x="0" y="120000"/>
+                </a:lnTo>
+                <a:close/>
+              </a:path>
+            </a:pathLst>
+          </a:custGeom>
+        </p:spPr>
+      </p:sp>
+      <p:sp>
+        <p:nvSpPr>
+          <p:cNvPr id="101" name="Google Shape;101;g2ddc889944f_0_0:notes"/>
+          <p:cNvSpPr txBox="1">
+            <a:spLocks noGrp="1"/>
+          </p:cNvSpPr>
+          <p:nvPr>
+            <p:ph type="body" idx="1"/>
+          </p:nvPr>
+        </p:nvSpPr>
+        <p:spPr>
+          <a:xfrm>
+            <a:off x="685800" y="4343400"/>
+            <a:ext cx="5486400" cy="4114800"/>
+          </a:xfrm>
+          <a:prstGeom prst="rect">
+            <a:avLst/>
+          </a:prstGeom>
+        </p:spPr>
+        <p:txBody>
+          <a:bodyPr spcFirstLastPara="1" wrap="square" lIns="91425" tIns="91425" rIns="91425" bIns="91425" anchor="t" anchorCtr="0">
+            <a:noAutofit/>
+          </a:bodyPr>
+          <a:lstStyle/>
+          <a:p>
+            <a:pPr marL="0" lvl="0" indent="0" algn="l" rtl="0">
+              <a:spcBef>
+                <a:spcPts val="0"/>
+              </a:spcBef>
+              <a:spcAft>
+                <a:spcPts val="0"/>
+              </a:spcAft>
+              <a:buNone/>
+            </a:pPr>
+            <a:endParaRPr/>
+          </a:p>
+        </p:txBody>
+      </p:sp>
+    </p:spTree>
+    <p:extLst>
+      <p:ext uri="{BB962C8B-B14F-4D97-AF65-F5344CB8AC3E}">
+        <p14:creationId xmlns:p14="http://schemas.microsoft.com/office/powerpoint/2010/main" val="1657612931"/>
+      </p:ext>
+    </p:extLst>
+  </p:cSld>
+  <p:clrMapOvr>
+    <a:masterClrMapping/>
+  </p:clrMapOvr>
+</p:notes>
+</file>
+
+<file path=ppt/notesSlides/notesSlide22.xml><?xml version="1.0" encoding="utf-8"?>
+<p:notes xmlns:a="http://schemas.openxmlformats.org/drawingml/2006/main" xmlns:r="http://schemas.openxmlformats.org/officeDocument/2006/relationships" xmlns:p="http://schemas.openxmlformats.org/presentationml/2006/main" showMasterSp="0" showMasterPhAnim="0">
+  <p:cSld>
+    <p:spTree>
+      <p:nvGrpSpPr>
+        <p:cNvPr id="1" name="Shape 99"/>
+        <p:cNvGrpSpPr/>
+        <p:nvPr/>
+      </p:nvGrpSpPr>
+      <p:grpSpPr>
+        <a:xfrm>
+          <a:off x="0" y="0"/>
+          <a:ext cx="0" cy="0"/>
+          <a:chOff x="0" y="0"/>
+          <a:chExt cx="0" cy="0"/>
+        </a:xfrm>
+      </p:grpSpPr>
+      <p:sp>
+        <p:nvSpPr>
+          <p:cNvPr id="100" name="Google Shape;100;g2ddc889944f_0_0:notes"/>
+          <p:cNvSpPr>
+            <a:spLocks noGrp="1" noRot="1" noChangeAspect="1"/>
+          </p:cNvSpPr>
+          <p:nvPr>
+            <p:ph type="sldImg" idx="2"/>
+          </p:nvPr>
+        </p:nvSpPr>
+        <p:spPr>
+          <a:xfrm>
+            <a:off x="381000" y="685800"/>
+            <a:ext cx="6096000" cy="3429000"/>
+          </a:xfrm>
+          <a:custGeom>
+            <a:avLst/>
+            <a:gdLst/>
+            <a:ahLst/>
+            <a:cxnLst/>
+            <a:rect l="l" t="t" r="r" b="b"/>
+            <a:pathLst>
+              <a:path w="120000" h="120000" extrusionOk="0">
+                <a:moveTo>
+                  <a:pt x="0" y="0"/>
+                </a:moveTo>
+                <a:lnTo>
+                  <a:pt x="120000" y="0"/>
+                </a:lnTo>
+                <a:lnTo>
+                  <a:pt x="120000" y="120000"/>
+                </a:lnTo>
+                <a:lnTo>
+                  <a:pt x="0" y="120000"/>
+                </a:lnTo>
+                <a:close/>
+              </a:path>
+            </a:pathLst>
+          </a:custGeom>
+        </p:spPr>
+      </p:sp>
+      <p:sp>
+        <p:nvSpPr>
+          <p:cNvPr id="101" name="Google Shape;101;g2ddc889944f_0_0:notes"/>
+          <p:cNvSpPr txBox="1">
+            <a:spLocks noGrp="1"/>
+          </p:cNvSpPr>
+          <p:nvPr>
+            <p:ph type="body" idx="1"/>
+          </p:nvPr>
+        </p:nvSpPr>
+        <p:spPr>
+          <a:xfrm>
+            <a:off x="685800" y="4343400"/>
+            <a:ext cx="5486400" cy="4114800"/>
+          </a:xfrm>
+          <a:prstGeom prst="rect">
+            <a:avLst/>
+          </a:prstGeom>
+        </p:spPr>
+        <p:txBody>
+          <a:bodyPr spcFirstLastPara="1" wrap="square" lIns="91425" tIns="91425" rIns="91425" bIns="91425" anchor="t" anchorCtr="0">
+            <a:noAutofit/>
+          </a:bodyPr>
+          <a:lstStyle/>
+          <a:p>
+            <a:pPr marL="0" lvl="0" indent="0" algn="l" rtl="0">
+              <a:spcBef>
+                <a:spcPts val="0"/>
+              </a:spcBef>
+              <a:spcAft>
+                <a:spcPts val="0"/>
+              </a:spcAft>
+              <a:buNone/>
+            </a:pPr>
+            <a:endParaRPr/>
+          </a:p>
+        </p:txBody>
+      </p:sp>
+    </p:spTree>
+  </p:cSld>
+  <p:clrMapOvr>
+    <a:masterClrMapping/>
+  </p:clrMapOvr>
+</p:notes>
+</file>
+
+<file path=ppt/notesSlides/notesSlide23.xml><?xml version="1.0" encoding="utf-8"?>
+<p:notes xmlns:a="http://schemas.openxmlformats.org/drawingml/2006/main" xmlns:r="http://schemas.openxmlformats.org/officeDocument/2006/relationships" xmlns:p="http://schemas.openxmlformats.org/presentationml/2006/main" showMasterSp="0" showMasterPhAnim="0">
+  <p:cSld>
+    <p:spTree>
+      <p:nvGrpSpPr>
+        <p:cNvPr id="1" name="Shape 99"/>
+        <p:cNvGrpSpPr/>
+        <p:nvPr/>
+      </p:nvGrpSpPr>
+      <p:grpSpPr>
+        <a:xfrm>
+          <a:off x="0" y="0"/>
+          <a:ext cx="0" cy="0"/>
+          <a:chOff x="0" y="0"/>
+          <a:chExt cx="0" cy="0"/>
+        </a:xfrm>
+      </p:grpSpPr>
+      <p:sp>
+        <p:nvSpPr>
+          <p:cNvPr id="100" name="Google Shape;100;g2ddc889944f_0_0:notes"/>
+          <p:cNvSpPr>
+            <a:spLocks noGrp="1" noRot="1" noChangeAspect="1"/>
+          </p:cNvSpPr>
+          <p:nvPr>
+            <p:ph type="sldImg" idx="2"/>
+          </p:nvPr>
+        </p:nvSpPr>
+        <p:spPr>
+          <a:xfrm>
+            <a:off x="381000" y="685800"/>
+            <a:ext cx="6096000" cy="3429000"/>
+          </a:xfrm>
+          <a:custGeom>
+            <a:avLst/>
+            <a:gdLst/>
+            <a:ahLst/>
+            <a:cxnLst/>
+            <a:rect l="l" t="t" r="r" b="b"/>
+            <a:pathLst>
+              <a:path w="120000" h="120000" extrusionOk="0">
+                <a:moveTo>
+                  <a:pt x="0" y="0"/>
+                </a:moveTo>
+                <a:lnTo>
+                  <a:pt x="120000" y="0"/>
+                </a:lnTo>
+                <a:lnTo>
+                  <a:pt x="120000" y="120000"/>
+                </a:lnTo>
+                <a:lnTo>
+                  <a:pt x="0" y="120000"/>
+                </a:lnTo>
+                <a:close/>
+              </a:path>
+            </a:pathLst>
+          </a:custGeom>
+        </p:spPr>
+      </p:sp>
+      <p:sp>
+        <p:nvSpPr>
+          <p:cNvPr id="101" name="Google Shape;101;g2ddc889944f_0_0:notes"/>
+          <p:cNvSpPr txBox="1">
+            <a:spLocks noGrp="1"/>
+          </p:cNvSpPr>
+          <p:nvPr>
+            <p:ph type="body" idx="1"/>
+          </p:nvPr>
+        </p:nvSpPr>
+        <p:spPr>
+          <a:xfrm>
+            <a:off x="685800" y="4343400"/>
+            <a:ext cx="5486400" cy="4114800"/>
+          </a:xfrm>
+          <a:prstGeom prst="rect">
+            <a:avLst/>
+          </a:prstGeom>
+        </p:spPr>
+        <p:txBody>
+          <a:bodyPr spcFirstLastPara="1" wrap="square" lIns="91425" tIns="91425" rIns="91425" bIns="91425" anchor="t" anchorCtr="0">
+            <a:noAutofit/>
+          </a:bodyPr>
+          <a:lstStyle/>
+          <a:p>
+            <a:pPr marL="0" lvl="0" indent="0" algn="l" rtl="0">
+              <a:spcBef>
+                <a:spcPts val="0"/>
+              </a:spcBef>
+              <a:spcAft>
+                <a:spcPts val="0"/>
+              </a:spcAft>
+              <a:buNone/>
+            </a:pPr>
+            <a:endParaRPr/>
+          </a:p>
+        </p:txBody>
+      </p:sp>
+    </p:spTree>
+    <p:extLst>
+      <p:ext uri="{BB962C8B-B14F-4D97-AF65-F5344CB8AC3E}">
+        <p14:creationId xmlns:p14="http://schemas.microsoft.com/office/powerpoint/2010/main" val="2444845009"/>
+      </p:ext>
+    </p:extLst>
+  </p:cSld>
+  <p:clrMapOvr>
+    <a:masterClrMapping/>
+  </p:clrMapOvr>
+</p:notes>
+</file>
+
+<file path=ppt/notesSlides/notesSlide24.xml><?xml version="1.0" encoding="utf-8"?>
+<p:notes xmlns:a="http://schemas.openxmlformats.org/drawingml/2006/main" xmlns:r="http://schemas.openxmlformats.org/officeDocument/2006/relationships" xmlns:p="http://schemas.openxmlformats.org/presentationml/2006/main" showMasterSp="0" showMasterPhAnim="0">
+  <p:cSld>
+    <p:spTree>
+      <p:nvGrpSpPr>
+        <p:cNvPr id="1" name="Shape 99"/>
+        <p:cNvGrpSpPr/>
+        <p:nvPr/>
+      </p:nvGrpSpPr>
+      <p:grpSpPr>
+        <a:xfrm>
+          <a:off x="0" y="0"/>
+          <a:ext cx="0" cy="0"/>
+          <a:chOff x="0" y="0"/>
+          <a:chExt cx="0" cy="0"/>
+        </a:xfrm>
+      </p:grpSpPr>
+      <p:sp>
+        <p:nvSpPr>
+          <p:cNvPr id="100" name="Google Shape;100;g2ddc889944f_0_0:notes"/>
+          <p:cNvSpPr>
+            <a:spLocks noGrp="1" noRot="1" noChangeAspect="1"/>
+          </p:cNvSpPr>
+          <p:nvPr>
+            <p:ph type="sldImg" idx="2"/>
+          </p:nvPr>
+        </p:nvSpPr>
+        <p:spPr>
+          <a:xfrm>
+            <a:off x="381000" y="685800"/>
+            <a:ext cx="6096000" cy="3429000"/>
+          </a:xfrm>
+          <a:custGeom>
+            <a:avLst/>
+            <a:gdLst/>
+            <a:ahLst/>
+            <a:cxnLst/>
+            <a:rect l="l" t="t" r="r" b="b"/>
+            <a:pathLst>
+              <a:path w="120000" h="120000" extrusionOk="0">
+                <a:moveTo>
+                  <a:pt x="0" y="0"/>
+                </a:moveTo>
+                <a:lnTo>
+                  <a:pt x="120000" y="0"/>
+                </a:lnTo>
+                <a:lnTo>
+                  <a:pt x="120000" y="120000"/>
+                </a:lnTo>
+                <a:lnTo>
+                  <a:pt x="0" y="120000"/>
+                </a:lnTo>
+                <a:close/>
+              </a:path>
+            </a:pathLst>
+          </a:custGeom>
+        </p:spPr>
+      </p:sp>
+      <p:sp>
+        <p:nvSpPr>
+          <p:cNvPr id="101" name="Google Shape;101;g2ddc889944f_0_0:notes"/>
+          <p:cNvSpPr txBox="1">
+            <a:spLocks noGrp="1"/>
+          </p:cNvSpPr>
+          <p:nvPr>
+            <p:ph type="body" idx="1"/>
+          </p:nvPr>
+        </p:nvSpPr>
+        <p:spPr>
+          <a:xfrm>
+            <a:off x="685800" y="4343400"/>
+            <a:ext cx="5486400" cy="4114800"/>
+          </a:xfrm>
+          <a:prstGeom prst="rect">
+            <a:avLst/>
+          </a:prstGeom>
+        </p:spPr>
+        <p:txBody>
+          <a:bodyPr spcFirstLastPara="1" wrap="square" lIns="91425" tIns="91425" rIns="91425" bIns="91425" anchor="t" anchorCtr="0">
+            <a:noAutofit/>
+          </a:bodyPr>
+          <a:lstStyle/>
+          <a:p>
+            <a:pPr marL="0" lvl="0" indent="0" algn="l" rtl="0">
+              <a:spcBef>
+                <a:spcPts val="0"/>
+              </a:spcBef>
+              <a:spcAft>
+                <a:spcPts val="0"/>
+              </a:spcAft>
+              <a:buNone/>
+            </a:pPr>
+            <a:endParaRPr/>
+          </a:p>
+        </p:txBody>
+      </p:sp>
+    </p:spTree>
+    <p:extLst>
+      <p:ext uri="{BB962C8B-B14F-4D97-AF65-F5344CB8AC3E}">
+        <p14:creationId xmlns:p14="http://schemas.microsoft.com/office/powerpoint/2010/main" val="1120493146"/>
+      </p:ext>
+    </p:extLst>
+  </p:cSld>
+  <p:clrMapOvr>
+    <a:masterClrMapping/>
+  </p:clrMapOvr>
+</p:notes>
+</file>
+
+<file path=ppt/notesSlides/notesSlide25.xml><?xml version="1.0" encoding="utf-8"?>
+<p:notes xmlns:a="http://schemas.openxmlformats.org/drawingml/2006/main" xmlns:r="http://schemas.openxmlformats.org/officeDocument/2006/relationships" xmlns:p="http://schemas.openxmlformats.org/presentationml/2006/main" showMasterSp="0" showMasterPhAnim="0">
+  <p:cSld>
+    <p:spTree>
+      <p:nvGrpSpPr>
+        <p:cNvPr id="1" name="Shape 99"/>
+        <p:cNvGrpSpPr/>
+        <p:nvPr/>
+      </p:nvGrpSpPr>
+      <p:grpSpPr>
+        <a:xfrm>
+          <a:off x="0" y="0"/>
+          <a:ext cx="0" cy="0"/>
+          <a:chOff x="0" y="0"/>
+          <a:chExt cx="0" cy="0"/>
+        </a:xfrm>
+      </p:grpSpPr>
+      <p:sp>
+        <p:nvSpPr>
+          <p:cNvPr id="100" name="Google Shape;100;g2ddc889944f_0_0:notes"/>
+          <p:cNvSpPr>
+            <a:spLocks noGrp="1" noRot="1" noChangeAspect="1"/>
+          </p:cNvSpPr>
+          <p:nvPr>
+            <p:ph type="sldImg" idx="2"/>
+          </p:nvPr>
+        </p:nvSpPr>
+        <p:spPr>
+          <a:xfrm>
+            <a:off x="381000" y="685800"/>
+            <a:ext cx="6096000" cy="3429000"/>
+          </a:xfrm>
+          <a:custGeom>
+            <a:avLst/>
+            <a:gdLst/>
+            <a:ahLst/>
+            <a:cxnLst/>
+            <a:rect l="l" t="t" r="r" b="b"/>
+            <a:pathLst>
+              <a:path w="120000" h="120000" extrusionOk="0">
+                <a:moveTo>
+                  <a:pt x="0" y="0"/>
+                </a:moveTo>
+                <a:lnTo>
+                  <a:pt x="120000" y="0"/>
+                </a:lnTo>
+                <a:lnTo>
+                  <a:pt x="120000" y="120000"/>
+                </a:lnTo>
+                <a:lnTo>
+                  <a:pt x="0" y="120000"/>
+                </a:lnTo>
+                <a:close/>
+              </a:path>
+            </a:pathLst>
+          </a:custGeom>
+        </p:spPr>
+      </p:sp>
+      <p:sp>
+        <p:nvSpPr>
+          <p:cNvPr id="101" name="Google Shape;101;g2ddc889944f_0_0:notes"/>
+          <p:cNvSpPr txBox="1">
+            <a:spLocks noGrp="1"/>
+          </p:cNvSpPr>
+          <p:nvPr>
+            <p:ph type="body" idx="1"/>
+          </p:nvPr>
+        </p:nvSpPr>
+        <p:spPr>
+          <a:xfrm>
+            <a:off x="685800" y="4343400"/>
+            <a:ext cx="5486400" cy="4114800"/>
+          </a:xfrm>
+          <a:prstGeom prst="rect">
+            <a:avLst/>
+          </a:prstGeom>
+        </p:spPr>
+        <p:txBody>
+          <a:bodyPr spcFirstLastPara="1" wrap="square" lIns="91425" tIns="91425" rIns="91425" bIns="91425" anchor="t" anchorCtr="0">
+            <a:noAutofit/>
+          </a:bodyPr>
+          <a:lstStyle/>
+          <a:p>
+            <a:pPr marL="0" lvl="0" indent="0" algn="l" rtl="0">
+              <a:spcBef>
+                <a:spcPts val="0"/>
+              </a:spcBef>
+              <a:spcAft>
+                <a:spcPts val="0"/>
+              </a:spcAft>
+              <a:buNone/>
+            </a:pPr>
+            <a:endParaRPr/>
+          </a:p>
+        </p:txBody>
+      </p:sp>
+    </p:spTree>
+    <p:extLst>
+      <p:ext uri="{BB962C8B-B14F-4D97-AF65-F5344CB8AC3E}">
+        <p14:creationId xmlns:p14="http://schemas.microsoft.com/office/powerpoint/2010/main" val="785908293"/>
+      </p:ext>
+    </p:extLst>
+  </p:cSld>
+  <p:clrMapOvr>
+    <a:masterClrMapping/>
+  </p:clrMapOvr>
+</p:notes>
+</file>
+
+<file path=ppt/notesSlides/notesSlide26.xml><?xml version="1.0" encoding="utf-8"?>
+<p:notes xmlns:a="http://schemas.openxmlformats.org/drawingml/2006/main" xmlns:r="http://schemas.openxmlformats.org/officeDocument/2006/relationships" xmlns:p="http://schemas.openxmlformats.org/presentationml/2006/main" showMasterSp="0" showMasterPhAnim="0">
+  <p:cSld>
+    <p:spTree>
+      <p:nvGrpSpPr>
+        <p:cNvPr id="1" name="Shape 99"/>
+        <p:cNvGrpSpPr/>
+        <p:nvPr/>
+      </p:nvGrpSpPr>
+      <p:grpSpPr>
+        <a:xfrm>
+          <a:off x="0" y="0"/>
+          <a:ext cx="0" cy="0"/>
+          <a:chOff x="0" y="0"/>
+          <a:chExt cx="0" cy="0"/>
+        </a:xfrm>
+      </p:grpSpPr>
+      <p:sp>
+        <p:nvSpPr>
+          <p:cNvPr id="100" name="Google Shape;100;g2ddc889944f_0_0:notes"/>
+          <p:cNvSpPr>
+            <a:spLocks noGrp="1" noRot="1" noChangeAspect="1"/>
+          </p:cNvSpPr>
+          <p:nvPr>
+            <p:ph type="sldImg" idx="2"/>
+          </p:nvPr>
+        </p:nvSpPr>
+        <p:spPr>
+          <a:xfrm>
+            <a:off x="381000" y="685800"/>
+            <a:ext cx="6096000" cy="3429000"/>
+          </a:xfrm>
+          <a:custGeom>
+            <a:avLst/>
+            <a:gdLst/>
+            <a:ahLst/>
+            <a:cxnLst/>
+            <a:rect l="l" t="t" r="r" b="b"/>
+            <a:pathLst>
+              <a:path w="120000" h="120000" extrusionOk="0">
+                <a:moveTo>
+                  <a:pt x="0" y="0"/>
+                </a:moveTo>
+                <a:lnTo>
+                  <a:pt x="120000" y="0"/>
+                </a:lnTo>
+                <a:lnTo>
+                  <a:pt x="120000" y="120000"/>
+                </a:lnTo>
+                <a:lnTo>
+                  <a:pt x="0" y="120000"/>
+                </a:lnTo>
+                <a:close/>
+              </a:path>
+            </a:pathLst>
+          </a:custGeom>
+        </p:spPr>
+      </p:sp>
+      <p:sp>
+        <p:nvSpPr>
+          <p:cNvPr id="101" name="Google Shape;101;g2ddc889944f_0_0:notes"/>
+          <p:cNvSpPr txBox="1">
+            <a:spLocks noGrp="1"/>
+          </p:cNvSpPr>
+          <p:nvPr>
+            <p:ph type="body" idx="1"/>
+          </p:nvPr>
+        </p:nvSpPr>
+        <p:spPr>
+          <a:xfrm>
+            <a:off x="685800" y="4343400"/>
+            <a:ext cx="5486400" cy="4114800"/>
+          </a:xfrm>
+          <a:prstGeom prst="rect">
+            <a:avLst/>
+          </a:prstGeom>
+        </p:spPr>
+        <p:txBody>
+          <a:bodyPr spcFirstLastPara="1" wrap="square" lIns="91425" tIns="91425" rIns="91425" bIns="91425" anchor="t" anchorCtr="0">
+            <a:noAutofit/>
+          </a:bodyPr>
+          <a:lstStyle/>
+          <a:p>
+            <a:pPr marL="0" lvl="0" indent="0" algn="l" rtl="0">
+              <a:spcBef>
+                <a:spcPts val="0"/>
+              </a:spcBef>
+              <a:spcAft>
+                <a:spcPts val="0"/>
+              </a:spcAft>
+              <a:buNone/>
+            </a:pPr>
+            <a:endParaRPr/>
+          </a:p>
+        </p:txBody>
+      </p:sp>
+    </p:spTree>
+    <p:extLst>
+      <p:ext uri="{BB962C8B-B14F-4D97-AF65-F5344CB8AC3E}">
+        <p14:creationId xmlns:p14="http://schemas.microsoft.com/office/powerpoint/2010/main" val="3630417190"/>
+      </p:ext>
+    </p:extLst>
+  </p:cSld>
+  <p:clrMapOvr>
+    <a:masterClrMapping/>
+  </p:clrMapOvr>
+</p:notes>
+</file>
+
+<file path=ppt/notesSlides/notesSlide27.xml><?xml version="1.0" encoding="utf-8"?>
+<p:notes xmlns:a="http://schemas.openxmlformats.org/drawingml/2006/main" xmlns:r="http://schemas.openxmlformats.org/officeDocument/2006/relationships" xmlns:p="http://schemas.openxmlformats.org/presentationml/2006/main" showMasterSp="0" showMasterPhAnim="0">
+  <p:cSld>
+    <p:spTree>
+      <p:nvGrpSpPr>
+        <p:cNvPr id="1" name="Shape 99"/>
+        <p:cNvGrpSpPr/>
+        <p:nvPr/>
+      </p:nvGrpSpPr>
+      <p:grpSpPr>
+        <a:xfrm>
+          <a:off x="0" y="0"/>
+          <a:ext cx="0" cy="0"/>
+          <a:chOff x="0" y="0"/>
+          <a:chExt cx="0" cy="0"/>
+        </a:xfrm>
+      </p:grpSpPr>
+      <p:sp>
+        <p:nvSpPr>
+          <p:cNvPr id="100" name="Google Shape;100;g2ddc889944f_0_0:notes"/>
+          <p:cNvSpPr>
+            <a:spLocks noGrp="1" noRot="1" noChangeAspect="1"/>
+          </p:cNvSpPr>
+          <p:nvPr>
+            <p:ph type="sldImg" idx="2"/>
+          </p:nvPr>
+        </p:nvSpPr>
+        <p:spPr>
+          <a:xfrm>
+            <a:off x="381000" y="685800"/>
+            <a:ext cx="6096000" cy="3429000"/>
+          </a:xfrm>
+          <a:custGeom>
+            <a:avLst/>
+            <a:gdLst/>
+            <a:ahLst/>
+            <a:cxnLst/>
+            <a:rect l="l" t="t" r="r" b="b"/>
+            <a:pathLst>
+              <a:path w="120000" h="120000" extrusionOk="0">
+                <a:moveTo>
+                  <a:pt x="0" y="0"/>
+                </a:moveTo>
+                <a:lnTo>
+                  <a:pt x="120000" y="0"/>
+                </a:lnTo>
+                <a:lnTo>
+                  <a:pt x="120000" y="120000"/>
+                </a:lnTo>
+                <a:lnTo>
+                  <a:pt x="0" y="120000"/>
+                </a:lnTo>
+                <a:close/>
+              </a:path>
+            </a:pathLst>
+          </a:custGeom>
+        </p:spPr>
+      </p:sp>
+      <p:sp>
+        <p:nvSpPr>
+          <p:cNvPr id="101" name="Google Shape;101;g2ddc889944f_0_0:notes"/>
+          <p:cNvSpPr txBox="1">
+            <a:spLocks noGrp="1"/>
+          </p:cNvSpPr>
+          <p:nvPr>
+            <p:ph type="body" idx="1"/>
+          </p:nvPr>
+        </p:nvSpPr>
+        <p:spPr>
+          <a:xfrm>
+            <a:off x="685800" y="4343400"/>
+            <a:ext cx="5486400" cy="4114800"/>
+          </a:xfrm>
+          <a:prstGeom prst="rect">
+            <a:avLst/>
+          </a:prstGeom>
+        </p:spPr>
+        <p:txBody>
+          <a:bodyPr spcFirstLastPara="1" wrap="square" lIns="91425" tIns="91425" rIns="91425" bIns="91425" anchor="t" anchorCtr="0">
+            <a:noAutofit/>
+          </a:bodyPr>
+          <a:lstStyle/>
+          <a:p>
+            <a:pPr marL="0" lvl="0" indent="0" algn="l" rtl="0">
+              <a:spcBef>
+                <a:spcPts val="0"/>
+              </a:spcBef>
+              <a:spcAft>
+                <a:spcPts val="0"/>
+              </a:spcAft>
+              <a:buNone/>
+            </a:pPr>
+            <a:endParaRPr/>
+          </a:p>
+        </p:txBody>
+      </p:sp>
+    </p:spTree>
+    <p:extLst>
+      <p:ext uri="{BB962C8B-B14F-4D97-AF65-F5344CB8AC3E}">
+        <p14:creationId xmlns:p14="http://schemas.microsoft.com/office/powerpoint/2010/main" val="4094398194"/>
+      </p:ext>
+    </p:extLst>
+  </p:cSld>
+  <p:clrMapOvr>
+    <a:masterClrMapping/>
+  </p:clrMapOvr>
+</p:notes>
+</file>
+
+<file path=ppt/notesSlides/notesSlide28.xml><?xml version="1.0" encoding="utf-8"?>
+<p:notes xmlns:a="http://schemas.openxmlformats.org/drawingml/2006/main" xmlns:r="http://schemas.openxmlformats.org/officeDocument/2006/relationships" xmlns:p="http://schemas.openxmlformats.org/presentationml/2006/main" showMasterSp="0" showMasterPhAnim="0">
+  <p:cSld>
+    <p:spTree>
+      <p:nvGrpSpPr>
+        <p:cNvPr id="1" name="Shape 99"/>
+        <p:cNvGrpSpPr/>
+        <p:nvPr/>
+      </p:nvGrpSpPr>
+      <p:grpSpPr>
+        <a:xfrm>
+          <a:off x="0" y="0"/>
+          <a:ext cx="0" cy="0"/>
+          <a:chOff x="0" y="0"/>
+          <a:chExt cx="0" cy="0"/>
+        </a:xfrm>
+      </p:grpSpPr>
+      <p:sp>
+        <p:nvSpPr>
+          <p:cNvPr id="100" name="Google Shape;100;g2ddc889944f_0_0:notes"/>
+          <p:cNvSpPr>
+            <a:spLocks noGrp="1" noRot="1" noChangeAspect="1"/>
+          </p:cNvSpPr>
+          <p:nvPr>
+            <p:ph type="sldImg" idx="2"/>
+          </p:nvPr>
+        </p:nvSpPr>
+        <p:spPr>
+          <a:xfrm>
+            <a:off x="381000" y="685800"/>
+            <a:ext cx="6096000" cy="3429000"/>
+          </a:xfrm>
+          <a:custGeom>
+            <a:avLst/>
+            <a:gdLst/>
+            <a:ahLst/>
+            <a:cxnLst/>
+            <a:rect l="l" t="t" r="r" b="b"/>
+            <a:pathLst>
+              <a:path w="120000" h="120000" extrusionOk="0">
+                <a:moveTo>
+                  <a:pt x="0" y="0"/>
+                </a:moveTo>
+                <a:lnTo>
+                  <a:pt x="120000" y="0"/>
+                </a:lnTo>
+                <a:lnTo>
+                  <a:pt x="120000" y="120000"/>
+                </a:lnTo>
+                <a:lnTo>
+                  <a:pt x="0" y="120000"/>
+                </a:lnTo>
+                <a:close/>
+              </a:path>
+            </a:pathLst>
+          </a:custGeom>
+        </p:spPr>
+      </p:sp>
+      <p:sp>
+        <p:nvSpPr>
+          <p:cNvPr id="101" name="Google Shape;101;g2ddc889944f_0_0:notes"/>
+          <p:cNvSpPr txBox="1">
+            <a:spLocks noGrp="1"/>
+          </p:cNvSpPr>
+          <p:nvPr>
+            <p:ph type="body" idx="1"/>
+          </p:nvPr>
+        </p:nvSpPr>
+        <p:spPr>
+          <a:xfrm>
+            <a:off x="685800" y="4343400"/>
+            <a:ext cx="5486400" cy="4114800"/>
+          </a:xfrm>
+          <a:prstGeom prst="rect">
+            <a:avLst/>
+          </a:prstGeom>
+        </p:spPr>
+        <p:txBody>
+          <a:bodyPr spcFirstLastPara="1" wrap="square" lIns="91425" tIns="91425" rIns="91425" bIns="91425" anchor="t" anchorCtr="0">
+            <a:noAutofit/>
+          </a:bodyPr>
+          <a:lstStyle/>
+          <a:p>
+            <a:pPr marL="0" lvl="0" indent="0" algn="l" rtl="0">
+              <a:spcBef>
+                <a:spcPts val="0"/>
+              </a:spcBef>
+              <a:spcAft>
+                <a:spcPts val="0"/>
+              </a:spcAft>
+              <a:buNone/>
+            </a:pPr>
+            <a:endParaRPr/>
+          </a:p>
+        </p:txBody>
+      </p:sp>
+    </p:spTree>
+    <p:extLst>
+      <p:ext uri="{BB962C8B-B14F-4D97-AF65-F5344CB8AC3E}">
+        <p14:creationId xmlns:p14="http://schemas.microsoft.com/office/powerpoint/2010/main" val="1872558331"/>
+      </p:ext>
+    </p:extLst>
   </p:cSld>
   <p:clrMapOvr>
     <a:masterClrMapping/>
@@ -12066,7 +12977,7 @@
         <p:spPr>
           <a:xfrm>
             <a:off x="321600" y="526882"/>
-            <a:ext cx="8500800" cy="4247286"/>
+            <a:ext cx="8500800" cy="3139291"/>
           </a:xfrm>
           <a:prstGeom prst="rect">
             <a:avLst/>
@@ -12123,26 +13034,50 @@
           </a:p>
           <a:p>
             <a:r>
-              <a:rPr lang="en-US" sz="1200" b="1" u="sng" dirty="0"/>
+              <a:rPr lang="en-US" sz="1200" dirty="0">
+                <a:solidFill>
+                  <a:schemeClr val="tx1"/>
+                </a:solidFill>
+              </a:rPr>
               <a:t>class </a:t>
             </a:r>
             <a:r>
-              <a:rPr lang="en-US" sz="1200" b="1" u="sng" dirty="0" err="1"/>
+              <a:rPr lang="en-US" sz="1200" dirty="0" err="1">
+                <a:solidFill>
+                  <a:schemeClr val="tx1"/>
+                </a:solidFill>
+              </a:rPr>
               <a:t>MyClass</a:t>
             </a:r>
             <a:r>
-              <a:rPr lang="en-US" sz="1200" b="1" u="sng" dirty="0"/>
+              <a:rPr lang="en-US" sz="1200" dirty="0">
+                <a:solidFill>
+                  <a:schemeClr val="tx1"/>
+                </a:solidFill>
+              </a:rPr>
               <a:t>:</a:t>
             </a:r>
             <a:br>
-              <a:rPr lang="en-US" sz="1200" b="1" u="sng" dirty="0"/>
+              <a:rPr lang="en-US" sz="1200" dirty="0">
+                <a:solidFill>
+                  <a:schemeClr val="tx1"/>
+                </a:solidFill>
+              </a:rPr>
             </a:br>
             <a:r>
-              <a:rPr lang="en-US" sz="1200" b="1" u="sng" dirty="0"/>
+              <a:rPr lang="en-US" sz="1200" dirty="0">
+                <a:solidFill>
+                  <a:schemeClr val="tx1"/>
+                </a:solidFill>
+              </a:rPr>
               <a:t>  x = </a:t>
             </a:r>
             <a:r>
-              <a:rPr lang="en-US" sz="1200" b="1" u="sng" dirty="0" smtClean="0"/>
+              <a:rPr lang="en-US" sz="1200" dirty="0" smtClean="0">
+                <a:solidFill>
+                  <a:schemeClr val="tx1"/>
+                </a:solidFill>
+              </a:rPr>
               <a:t>5</a:t>
             </a:r>
           </a:p>
@@ -12223,74 +13158,6 @@
           </a:p>
           <a:p>
             <a:endParaRPr lang="en-US" sz="1200" dirty="0"/>
-          </a:p>
-          <a:p>
-            <a:r>
-              <a:rPr lang="en-US" sz="1200" b="1" u="sng" dirty="0"/>
-              <a:t>The __</a:t>
-            </a:r>
-            <a:r>
-              <a:rPr lang="en-US" sz="1200" b="1" u="sng" dirty="0" err="1"/>
-              <a:t>init</a:t>
-            </a:r>
-            <a:r>
-              <a:rPr lang="en-US" sz="1200" b="1" u="sng" dirty="0"/>
-              <a:t>__() </a:t>
-            </a:r>
-            <a:r>
-              <a:rPr lang="en-US" sz="1200" b="1" u="sng" dirty="0" smtClean="0"/>
-              <a:t>Function</a:t>
-            </a:r>
-          </a:p>
-          <a:p>
-            <a:endParaRPr lang="en-US" sz="1200" dirty="0"/>
-          </a:p>
-          <a:p>
-            <a:r>
-              <a:rPr lang="en-US" sz="1200" dirty="0"/>
-              <a:t>To understand the meaning of classes we have to understand the built-in __</a:t>
-            </a:r>
-            <a:r>
-              <a:rPr lang="en-US" sz="1200" dirty="0" err="1"/>
-              <a:t>init</a:t>
-            </a:r>
-            <a:r>
-              <a:rPr lang="en-US" sz="1200" dirty="0"/>
-              <a:t>__() function.</a:t>
-            </a:r>
-          </a:p>
-          <a:p>
-            <a:r>
-              <a:rPr lang="en-US" sz="1200" dirty="0"/>
-              <a:t>All classes have a function called __</a:t>
-            </a:r>
-            <a:r>
-              <a:rPr lang="en-US" sz="1200" dirty="0" err="1"/>
-              <a:t>init</a:t>
-            </a:r>
-            <a:r>
-              <a:rPr lang="en-US" sz="1200" dirty="0"/>
-              <a:t>__(), which is always executed when the class is being initiated.</a:t>
-            </a:r>
-          </a:p>
-          <a:p>
-            <a:r>
-              <a:rPr lang="en-US" sz="1200" dirty="0"/>
-              <a:t>Use the __</a:t>
-            </a:r>
-            <a:r>
-              <a:rPr lang="en-US" sz="1200" dirty="0" err="1"/>
-              <a:t>init</a:t>
-            </a:r>
-            <a:r>
-              <a:rPr lang="en-US" sz="1200" dirty="0"/>
-              <a:t>__() function to assign values to object properties, or other operations that are necessary to do when the object is being created</a:t>
-            </a:r>
-            <a:r>
-              <a:rPr lang="en-US" sz="1200" dirty="0" smtClean="0"/>
-              <a:t>:</a:t>
-            </a:r>
-            <a:endParaRPr lang="en-US" sz="1100" dirty="0"/>
           </a:p>
         </p:txBody>
       </p:sp>
@@ -12343,7 +13210,7 @@
         </p:nvSpPr>
         <p:spPr>
           <a:xfrm>
-            <a:off x="0" y="3650"/>
+            <a:off x="0" y="-59887"/>
             <a:ext cx="9144000" cy="523232"/>
           </a:xfrm>
           <a:prstGeom prst="rect">
@@ -12374,8 +13241,8 @@
         </p:nvSpPr>
         <p:spPr>
           <a:xfrm>
-            <a:off x="321600" y="526882"/>
-            <a:ext cx="8500800" cy="4247286"/>
+            <a:off x="120709" y="463345"/>
+            <a:ext cx="8500800" cy="3877954"/>
           </a:xfrm>
           <a:prstGeom prst="rect">
             <a:avLst/>
@@ -12392,94 +13259,26 @@
           <a:lstStyle/>
           <a:p>
             <a:r>
+              <a:rPr lang="en-US" sz="1200" b="1" u="sng" dirty="0" smtClean="0"/>
+              <a:t>Object </a:t>
+            </a:r>
+            <a:r>
+              <a:rPr lang="en-US" sz="1200" b="1" u="sng" dirty="0"/>
+              <a:t>Methods</a:t>
+            </a:r>
+          </a:p>
+          <a:p>
+            <a:r>
               <a:rPr lang="en-US" sz="1200" dirty="0"/>
-              <a:t>Python is an object oriented programming language.</a:t>
-            </a:r>
-          </a:p>
-          <a:p>
-            <a:r>
-              <a:rPr lang="en-US" sz="1200" dirty="0"/>
-              <a:t>Almost everything in Python is an object, with its properties and methods.</a:t>
-            </a:r>
-          </a:p>
-          <a:p>
-            <a:r>
-              <a:rPr lang="en-US" sz="1200" dirty="0"/>
-              <a:t>A Class is like an object constructor, or a "blueprint" for creating objects</a:t>
-            </a:r>
-            <a:r>
-              <a:rPr lang="en-US" sz="1200" dirty="0" smtClean="0"/>
-              <a:t>.</a:t>
-            </a:r>
-          </a:p>
-          <a:p>
-            <a:endParaRPr lang="en-US" sz="1200" dirty="0"/>
-          </a:p>
-          <a:p>
-            <a:r>
-              <a:rPr lang="en-US" sz="1200" b="1" u="sng" dirty="0"/>
-              <a:t>Create a Class</a:t>
-            </a:r>
-          </a:p>
-          <a:p>
-            <a:r>
-              <a:rPr lang="en-US" sz="1200" dirty="0"/>
-              <a:t>To create a class, use the keyword class:</a:t>
-            </a:r>
-          </a:p>
-          <a:p>
-            <a:endParaRPr lang="en-US" sz="1200" dirty="0" smtClean="0"/>
-          </a:p>
-          <a:p>
-            <a:r>
-              <a:rPr lang="en-US" sz="1200" b="1" u="sng" dirty="0"/>
-              <a:t>class </a:t>
-            </a:r>
-            <a:r>
-              <a:rPr lang="en-US" sz="1200" b="1" u="sng" dirty="0" err="1"/>
-              <a:t>MyClass</a:t>
-            </a:r>
-            <a:r>
-              <a:rPr lang="en-US" sz="1200" b="1" u="sng" dirty="0"/>
-              <a:t>:</a:t>
-            </a:r>
-            <a:br>
-              <a:rPr lang="en-US" sz="1200" b="1" u="sng" dirty="0"/>
-            </a:br>
-            <a:r>
-              <a:rPr lang="en-US" sz="1200" b="1" u="sng" dirty="0"/>
-              <a:t>  x = </a:t>
-            </a:r>
-            <a:r>
-              <a:rPr lang="en-US" sz="1200" b="1" u="sng" dirty="0" smtClean="0"/>
-              <a:t>5</a:t>
-            </a:r>
-          </a:p>
-          <a:p>
-            <a:endParaRPr lang="en-US" sz="1200" dirty="0"/>
-          </a:p>
-          <a:p>
-            <a:r>
-              <a:rPr lang="en-US" sz="1200" b="1" u="sng" dirty="0"/>
-              <a:t>Create Object</a:t>
-            </a:r>
-          </a:p>
-          <a:p>
-            <a:r>
-              <a:rPr lang="en-US" sz="1200" dirty="0"/>
-              <a:t>Now we can use the class named </a:t>
-            </a:r>
-            <a:r>
-              <a:rPr lang="en-US" sz="1200" dirty="0" err="1"/>
-              <a:t>MyClass</a:t>
-            </a:r>
-            <a:r>
-              <a:rPr lang="en-US" sz="1200" dirty="0"/>
-              <a:t> to create objects:</a:t>
-            </a:r>
-          </a:p>
-          <a:p>
-            <a:endParaRPr lang="en-US" sz="1200" dirty="0" smtClean="0"/>
+              <a:t>Objects can also contain methods. Methods in objects are functions that belong to the object.</a:t>
+            </a:r>
+          </a:p>
+          <a:p>
+            <a:endParaRPr lang="en-US" sz="1200" b="1" dirty="0" smtClean="0">
+              <a:solidFill>
+                <a:schemeClr val="tx1"/>
+              </a:solidFill>
+            </a:endParaRPr>
           </a:p>
           <a:p>
             <a:r>
@@ -12488,23 +13287,7 @@
                   <a:schemeClr val="tx1"/>
                 </a:solidFill>
               </a:rPr>
-              <a:t>p1 = </a:t>
-            </a:r>
-            <a:r>
-              <a:rPr lang="en-US" sz="1200" b="1" dirty="0" err="1">
-                <a:solidFill>
-                  <a:schemeClr val="tx1"/>
-                </a:solidFill>
-              </a:rPr>
-              <a:t>MyClass</a:t>
-            </a:r>
-            <a:r>
-              <a:rPr lang="en-US" sz="1200" b="1" dirty="0">
-                <a:solidFill>
-                  <a:schemeClr val="tx1"/>
-                </a:solidFill>
-              </a:rPr>
-              <a:t>()</a:t>
+              <a:t>class Person:</a:t>
             </a:r>
             <a:br>
               <a:rPr lang="en-US" sz="1200" b="1" dirty="0">
@@ -12519,7 +13302,207 @@
                   <a:schemeClr val="tx1"/>
                 </a:solidFill>
               </a:rPr>
-              <a:t>print(p1.x</a:t>
+              <a:t>  </a:t>
+            </a:r>
+            <a:r>
+              <a:rPr lang="en-US" sz="1200" b="1" dirty="0" err="1">
+                <a:solidFill>
+                  <a:schemeClr val="tx1"/>
+                </a:solidFill>
+              </a:rPr>
+              <a:t>def</a:t>
+            </a:r>
+            <a:r>
+              <a:rPr lang="en-US" sz="1200" b="1" dirty="0">
+                <a:solidFill>
+                  <a:schemeClr val="tx1"/>
+                </a:solidFill>
+              </a:rPr>
+              <a:t> __</a:t>
+            </a:r>
+            <a:r>
+              <a:rPr lang="en-US" sz="1200" b="1" dirty="0" err="1">
+                <a:solidFill>
+                  <a:schemeClr val="tx1"/>
+                </a:solidFill>
+              </a:rPr>
+              <a:t>init</a:t>
+            </a:r>
+            <a:r>
+              <a:rPr lang="en-US" sz="1200" b="1" dirty="0">
+                <a:solidFill>
+                  <a:schemeClr val="tx1"/>
+                </a:solidFill>
+              </a:rPr>
+              <a:t>__(self, name, age):</a:t>
+            </a:r>
+            <a:br>
+              <a:rPr lang="en-US" sz="1200" b="1" dirty="0">
+                <a:solidFill>
+                  <a:schemeClr val="tx1"/>
+                </a:solidFill>
+              </a:rPr>
+            </a:br>
+            <a:r>
+              <a:rPr lang="en-US" sz="1200" b="1" dirty="0">
+                <a:solidFill>
+                  <a:schemeClr val="tx1"/>
+                </a:solidFill>
+              </a:rPr>
+              <a:t>    self.name = name</a:t>
+            </a:r>
+            <a:br>
+              <a:rPr lang="en-US" sz="1200" b="1" dirty="0">
+                <a:solidFill>
+                  <a:schemeClr val="tx1"/>
+                </a:solidFill>
+              </a:rPr>
+            </a:br>
+            <a:r>
+              <a:rPr lang="en-US" sz="1200" b="1" dirty="0">
+                <a:solidFill>
+                  <a:schemeClr val="tx1"/>
+                </a:solidFill>
+              </a:rPr>
+              <a:t>    </a:t>
+            </a:r>
+            <a:r>
+              <a:rPr lang="en-US" sz="1200" b="1" dirty="0" err="1">
+                <a:solidFill>
+                  <a:schemeClr val="tx1"/>
+                </a:solidFill>
+              </a:rPr>
+              <a:t>self.age</a:t>
+            </a:r>
+            <a:r>
+              <a:rPr lang="en-US" sz="1200" b="1" dirty="0">
+                <a:solidFill>
+                  <a:schemeClr val="tx1"/>
+                </a:solidFill>
+              </a:rPr>
+              <a:t> = age</a:t>
+            </a:r>
+            <a:br>
+              <a:rPr lang="en-US" sz="1200" b="1" dirty="0">
+                <a:solidFill>
+                  <a:schemeClr val="tx1"/>
+                </a:solidFill>
+              </a:rPr>
+            </a:br>
+            <a:r>
+              <a:rPr lang="en-US" sz="1200" b="1" dirty="0">
+                <a:solidFill>
+                  <a:schemeClr val="tx1"/>
+                </a:solidFill>
+              </a:rPr>
+              <a:t/>
+            </a:r>
+            <a:br>
+              <a:rPr lang="en-US" sz="1200" b="1" dirty="0">
+                <a:solidFill>
+                  <a:schemeClr val="tx1"/>
+                </a:solidFill>
+              </a:rPr>
+            </a:br>
+            <a:r>
+              <a:rPr lang="en-US" sz="1200" b="1" dirty="0">
+                <a:solidFill>
+                  <a:schemeClr val="tx1"/>
+                </a:solidFill>
+              </a:rPr>
+              <a:t>  </a:t>
+            </a:r>
+            <a:r>
+              <a:rPr lang="en-US" sz="1200" b="1" dirty="0" err="1">
+                <a:solidFill>
+                  <a:schemeClr val="tx1"/>
+                </a:solidFill>
+              </a:rPr>
+              <a:t>def</a:t>
+            </a:r>
+            <a:r>
+              <a:rPr lang="en-US" sz="1200" b="1" dirty="0">
+                <a:solidFill>
+                  <a:schemeClr val="tx1"/>
+                </a:solidFill>
+              </a:rPr>
+              <a:t> </a:t>
+            </a:r>
+            <a:r>
+              <a:rPr lang="en-US" sz="1200" b="1" dirty="0" err="1">
+                <a:solidFill>
+                  <a:schemeClr val="tx1"/>
+                </a:solidFill>
+              </a:rPr>
+              <a:t>myfunc</a:t>
+            </a:r>
+            <a:r>
+              <a:rPr lang="en-US" sz="1200" b="1" dirty="0">
+                <a:solidFill>
+                  <a:schemeClr val="tx1"/>
+                </a:solidFill>
+              </a:rPr>
+              <a:t>(self):</a:t>
+            </a:r>
+            <a:br>
+              <a:rPr lang="en-US" sz="1200" b="1" dirty="0">
+                <a:solidFill>
+                  <a:schemeClr val="tx1"/>
+                </a:solidFill>
+              </a:rPr>
+            </a:br>
+            <a:r>
+              <a:rPr lang="en-US" sz="1200" b="1" dirty="0">
+                <a:solidFill>
+                  <a:schemeClr val="tx1"/>
+                </a:solidFill>
+              </a:rPr>
+              <a:t>    print("Hello my name is " + self.name)</a:t>
+            </a:r>
+            <a:br>
+              <a:rPr lang="en-US" sz="1200" b="1" dirty="0">
+                <a:solidFill>
+                  <a:schemeClr val="tx1"/>
+                </a:solidFill>
+              </a:rPr>
+            </a:br>
+            <a:r>
+              <a:rPr lang="en-US" sz="1200" b="1" dirty="0">
+                <a:solidFill>
+                  <a:schemeClr val="tx1"/>
+                </a:solidFill>
+              </a:rPr>
+              <a:t/>
+            </a:r>
+            <a:br>
+              <a:rPr lang="en-US" sz="1200" b="1" dirty="0">
+                <a:solidFill>
+                  <a:schemeClr val="tx1"/>
+                </a:solidFill>
+              </a:rPr>
+            </a:br>
+            <a:r>
+              <a:rPr lang="en-US" sz="1200" b="1" dirty="0">
+                <a:solidFill>
+                  <a:schemeClr val="tx1"/>
+                </a:solidFill>
+              </a:rPr>
+              <a:t>p1 = Person("John", 36)</a:t>
+            </a:r>
+            <a:br>
+              <a:rPr lang="en-US" sz="1200" b="1" dirty="0">
+                <a:solidFill>
+                  <a:schemeClr val="tx1"/>
+                </a:solidFill>
+              </a:rPr>
+            </a:br>
+            <a:r>
+              <a:rPr lang="en-US" sz="1200" b="1" dirty="0">
+                <a:solidFill>
+                  <a:schemeClr val="tx1"/>
+                </a:solidFill>
+              </a:rPr>
+              <a:t>p1.myfunc</a:t>
             </a:r>
             <a:r>
               <a:rPr lang="en-US" sz="1200" b="1" dirty="0" smtClean="0">
@@ -12527,86 +13510,364 @@
                   <a:schemeClr val="tx1"/>
                 </a:solidFill>
               </a:rPr>
-              <a:t>)</a:t>
-            </a:r>
-          </a:p>
-          <a:p>
-            <a:endParaRPr lang="en-US" sz="1200" dirty="0"/>
+              <a:t>()</a:t>
+            </a:r>
+          </a:p>
+          <a:p>
+            <a:endParaRPr lang="en-US" sz="1200" b="1" dirty="0">
+              <a:solidFill>
+                <a:schemeClr val="tx1"/>
+              </a:solidFill>
+            </a:endParaRPr>
           </a:p>
           <a:p>
             <a:r>
               <a:rPr lang="en-US" sz="1200" b="1" u="sng" dirty="0"/>
-              <a:t>The __</a:t>
-            </a:r>
-            <a:r>
-              <a:rPr lang="en-US" sz="1200" b="1" u="sng" dirty="0" err="1"/>
-              <a:t>init</a:t>
-            </a:r>
+              <a:t>Modify Object Properties</a:t>
+            </a:r>
+          </a:p>
+          <a:p>
+            <a:r>
+              <a:rPr lang="en-US" sz="1200" b="1" dirty="0" smtClean="0">
+                <a:solidFill>
+                  <a:schemeClr val="tx1"/>
+                </a:solidFill>
+              </a:rPr>
+              <a:t>p1.age </a:t>
+            </a:r>
+            <a:r>
+              <a:rPr lang="en-US" sz="1200" b="1" dirty="0">
+                <a:solidFill>
+                  <a:schemeClr val="tx1"/>
+                </a:solidFill>
+              </a:rPr>
+              <a:t>= </a:t>
+            </a:r>
+            <a:r>
+              <a:rPr lang="en-US" sz="1200" b="1" dirty="0" smtClean="0">
+                <a:solidFill>
+                  <a:schemeClr val="tx1"/>
+                </a:solidFill>
+              </a:rPr>
+              <a:t>40</a:t>
+            </a:r>
+          </a:p>
+          <a:p>
+            <a:endParaRPr lang="en-US" sz="1200" b="1" dirty="0">
+              <a:solidFill>
+                <a:schemeClr val="tx1"/>
+              </a:solidFill>
+            </a:endParaRPr>
+          </a:p>
+          <a:p>
             <a:r>
               <a:rPr lang="en-US" sz="1200" b="1" u="sng" dirty="0"/>
-              <a:t>__() </a:t>
-            </a:r>
-            <a:r>
-              <a:rPr lang="en-US" sz="1200" b="1" u="sng" dirty="0" smtClean="0"/>
-              <a:t>Function</a:t>
-            </a:r>
-          </a:p>
-          <a:p>
-            <a:endParaRPr lang="en-US" sz="1200" dirty="0"/>
+              <a:t>Delete Object Properties</a:t>
+            </a:r>
           </a:p>
           <a:p>
             <a:r>
               <a:rPr lang="en-US" sz="1200" dirty="0"/>
-              <a:t>To understand the meaning of classes we have to understand the built-in __</a:t>
-            </a:r>
-            <a:r>
-              <a:rPr lang="en-US" sz="1200" dirty="0" err="1"/>
-              <a:t>init</a:t>
-            </a:r>
-            <a:r>
-              <a:rPr lang="en-US" sz="1200" dirty="0"/>
-              <a:t>__() function.</a:t>
-            </a:r>
-          </a:p>
-          <a:p>
-            <a:r>
-              <a:rPr lang="en-US" sz="1200" dirty="0"/>
-              <a:t>All classes have a function called __</a:t>
-            </a:r>
-            <a:r>
-              <a:rPr lang="en-US" sz="1200" dirty="0" err="1"/>
-              <a:t>init</a:t>
-            </a:r>
-            <a:r>
-              <a:rPr lang="en-US" sz="1200" dirty="0"/>
-              <a:t>__(), which is always executed when the class is being initiated.</a:t>
-            </a:r>
-          </a:p>
-          <a:p>
-            <a:r>
-              <a:rPr lang="en-US" sz="1200" dirty="0"/>
-              <a:t>Use the __</a:t>
-            </a:r>
-            <a:r>
-              <a:rPr lang="en-US" sz="1200" dirty="0" err="1"/>
-              <a:t>init</a:t>
-            </a:r>
-            <a:r>
-              <a:rPr lang="en-US" sz="1200" dirty="0"/>
-              <a:t>__() function to assign values to object properties, or other operations that are necessary to do when the object is being created</a:t>
+              <a:t>Delete the age property from the p1 object</a:t>
             </a:r>
             <a:r>
               <a:rPr lang="en-US" sz="1200" dirty="0" smtClean="0"/>
               <a:t>:</a:t>
             </a:r>
-            <a:endParaRPr lang="en-US" sz="1100" dirty="0"/>
+          </a:p>
+          <a:p>
+            <a:r>
+              <a:rPr lang="en-US" sz="1200" b="1" dirty="0">
+                <a:solidFill>
+                  <a:schemeClr val="tx1"/>
+                </a:solidFill>
+              </a:rPr>
+              <a:t>del </a:t>
+            </a:r>
+            <a:r>
+              <a:rPr lang="en-US" sz="1200" b="1" dirty="0" smtClean="0">
+                <a:solidFill>
+                  <a:schemeClr val="tx1"/>
+                </a:solidFill>
+              </a:rPr>
+              <a:t>p1.age</a:t>
+            </a:r>
+            <a:endParaRPr lang="en-US" sz="1100" b="1" dirty="0">
+              <a:solidFill>
+                <a:schemeClr val="tx1"/>
+              </a:solidFill>
+            </a:endParaRPr>
+          </a:p>
+        </p:txBody>
+      </p:sp>
+      <p:sp>
+        <p:nvSpPr>
+          <p:cNvPr id="2" name="Rectangle 1"/>
+          <p:cNvSpPr>
+            <a:spLocks noChangeArrowheads="1"/>
+          </p:cNvSpPr>
+          <p:nvPr/>
+        </p:nvSpPr>
+        <p:spPr bwMode="auto">
+          <a:xfrm>
+            <a:off x="0" y="4443714"/>
+            <a:ext cx="9144000" cy="246221"/>
+          </a:xfrm>
+          <a:prstGeom prst="rect">
+            <a:avLst/>
+          </a:prstGeom>
+          <a:solidFill>
+            <a:srgbClr val="FFFFCC"/>
+          </a:solidFill>
+          <a:ln>
+            <a:noFill/>
+          </a:ln>
+          <a:effectLst/>
+          <a:extLst>
+            <a:ext uri="{91240B29-F687-4F45-9708-019B960494DF}">
+              <a14:hiddenLine xmlns:a14="http://schemas.microsoft.com/office/drawing/2010/main" w="9525">
+                <a:solidFill>
+                  <a:schemeClr val="tx1"/>
+                </a:solidFill>
+                <a:miter lim="800000"/>
+                <a:headEnd/>
+                <a:tailEnd/>
+              </a14:hiddenLine>
+            </a:ext>
+            <a:ext uri="{AF507438-7753-43E0-B8FC-AC1667EBCBE1}">
+              <a14:hiddenEffects xmlns:a14="http://schemas.microsoft.com/office/drawing/2010/main">
+                <a:effectLst>
+                  <a:outerShdw dist="35921" dir="2700000" algn="ctr" rotWithShape="0">
+                    <a:schemeClr val="bg2"/>
+                  </a:outerShdw>
+                </a:effectLst>
+              </a14:hiddenEffects>
+            </a:ext>
+          </a:extLst>
+        </p:spPr>
+        <p:txBody>
+          <a:bodyPr vert="horz" wrap="square" lIns="91440" tIns="45720" rIns="91440" bIns="45720" numCol="1" anchor="ctr" anchorCtr="0" compatLnSpc="1">
+            <a:prstTxWarp prst="textNoShape">
+              <a:avLst/>
+            </a:prstTxWarp>
+            <a:spAutoFit/>
+          </a:bodyPr>
+          <a:lstStyle>
+            <a:lvl1pPr eaLnBrk="0" fontAlgn="base" hangingPunct="0">
+              <a:spcBef>
+                <a:spcPct val="0"/>
+              </a:spcBef>
+              <a:spcAft>
+                <a:spcPct val="0"/>
+              </a:spcAft>
+              <a:defRPr>
+                <a:solidFill>
+                  <a:schemeClr val="tx1"/>
+                </a:solidFill>
+                <a:latin typeface="Arial" panose="020B0604020202020204" pitchFamily="34" charset="0"/>
+              </a:defRPr>
+            </a:lvl1pPr>
+            <a:lvl2pPr marL="457200" eaLnBrk="0" fontAlgn="base" hangingPunct="0">
+              <a:spcBef>
+                <a:spcPct val="0"/>
+              </a:spcBef>
+              <a:spcAft>
+                <a:spcPct val="0"/>
+              </a:spcAft>
+              <a:defRPr>
+                <a:solidFill>
+                  <a:schemeClr val="tx1"/>
+                </a:solidFill>
+                <a:latin typeface="Arial" panose="020B0604020202020204" pitchFamily="34" charset="0"/>
+              </a:defRPr>
+            </a:lvl2pPr>
+            <a:lvl3pPr marL="914400" eaLnBrk="0" fontAlgn="base" hangingPunct="0">
+              <a:spcBef>
+                <a:spcPct val="0"/>
+              </a:spcBef>
+              <a:spcAft>
+                <a:spcPct val="0"/>
+              </a:spcAft>
+              <a:defRPr>
+                <a:solidFill>
+                  <a:schemeClr val="tx1"/>
+                </a:solidFill>
+                <a:latin typeface="Arial" panose="020B0604020202020204" pitchFamily="34" charset="0"/>
+              </a:defRPr>
+            </a:lvl3pPr>
+            <a:lvl4pPr marL="1371600" eaLnBrk="0" fontAlgn="base" hangingPunct="0">
+              <a:spcBef>
+                <a:spcPct val="0"/>
+              </a:spcBef>
+              <a:spcAft>
+                <a:spcPct val="0"/>
+              </a:spcAft>
+              <a:defRPr>
+                <a:solidFill>
+                  <a:schemeClr val="tx1"/>
+                </a:solidFill>
+                <a:latin typeface="Arial" panose="020B0604020202020204" pitchFamily="34" charset="0"/>
+              </a:defRPr>
+            </a:lvl4pPr>
+            <a:lvl5pPr marL="1828800" eaLnBrk="0" fontAlgn="base" hangingPunct="0">
+              <a:spcBef>
+                <a:spcPct val="0"/>
+              </a:spcBef>
+              <a:spcAft>
+                <a:spcPct val="0"/>
+              </a:spcAft>
+              <a:defRPr>
+                <a:solidFill>
+                  <a:schemeClr val="tx1"/>
+                </a:solidFill>
+                <a:latin typeface="Arial" panose="020B0604020202020204" pitchFamily="34" charset="0"/>
+              </a:defRPr>
+            </a:lvl5pPr>
+            <a:lvl6pPr marL="2286000" eaLnBrk="0" fontAlgn="base" hangingPunct="0">
+              <a:spcBef>
+                <a:spcPct val="0"/>
+              </a:spcBef>
+              <a:spcAft>
+                <a:spcPct val="0"/>
+              </a:spcAft>
+              <a:defRPr>
+                <a:solidFill>
+                  <a:schemeClr val="tx1"/>
+                </a:solidFill>
+                <a:latin typeface="Arial" panose="020B0604020202020204" pitchFamily="34" charset="0"/>
+              </a:defRPr>
+            </a:lvl6pPr>
+            <a:lvl7pPr marL="2743200" eaLnBrk="0" fontAlgn="base" hangingPunct="0">
+              <a:spcBef>
+                <a:spcPct val="0"/>
+              </a:spcBef>
+              <a:spcAft>
+                <a:spcPct val="0"/>
+              </a:spcAft>
+              <a:defRPr>
+                <a:solidFill>
+                  <a:schemeClr val="tx1"/>
+                </a:solidFill>
+                <a:latin typeface="Arial" panose="020B0604020202020204" pitchFamily="34" charset="0"/>
+              </a:defRPr>
+            </a:lvl7pPr>
+            <a:lvl8pPr marL="3200400" eaLnBrk="0" fontAlgn="base" hangingPunct="0">
+              <a:spcBef>
+                <a:spcPct val="0"/>
+              </a:spcBef>
+              <a:spcAft>
+                <a:spcPct val="0"/>
+              </a:spcAft>
+              <a:defRPr>
+                <a:solidFill>
+                  <a:schemeClr val="tx1"/>
+                </a:solidFill>
+                <a:latin typeface="Arial" panose="020B0604020202020204" pitchFamily="34" charset="0"/>
+              </a:defRPr>
+            </a:lvl8pPr>
+            <a:lvl9pPr marL="3657600" eaLnBrk="0" fontAlgn="base" hangingPunct="0">
+              <a:spcBef>
+                <a:spcPct val="0"/>
+              </a:spcBef>
+              <a:spcAft>
+                <a:spcPct val="0"/>
+              </a:spcAft>
+              <a:defRPr>
+                <a:solidFill>
+                  <a:schemeClr val="tx1"/>
+                </a:solidFill>
+                <a:latin typeface="Arial" panose="020B0604020202020204" pitchFamily="34" charset="0"/>
+              </a:defRPr>
+            </a:lvl9pPr>
+          </a:lstStyle>
+          <a:p>
+            <a:pPr marL="0" marR="0" lvl="0" indent="0" algn="l" defTabSz="914400" rtl="0" eaLnBrk="0" fontAlgn="base" latinLnBrk="0" hangingPunct="0">
+              <a:lnSpc>
+                <a:spcPct val="100000"/>
+              </a:lnSpc>
+              <a:spcBef>
+                <a:spcPct val="0"/>
+              </a:spcBef>
+              <a:spcAft>
+                <a:spcPct val="0"/>
+              </a:spcAft>
+              <a:buClrTx/>
+              <a:buSzTx/>
+              <a:buFontTx/>
+              <a:buNone/>
+              <a:tabLst/>
+            </a:pPr>
+            <a:r>
+              <a:rPr kumimoji="0" lang="en-US" altLang="en-US" sz="1000" b="1" i="0" u="none" strike="noStrike" cap="none" normalizeH="0" baseline="0" dirty="0" smtClean="0">
+                <a:ln>
+                  <a:noFill/>
+                </a:ln>
+                <a:solidFill>
+                  <a:srgbClr val="000000"/>
+                </a:solidFill>
+                <a:effectLst/>
+                <a:latin typeface="Verdana" panose="020B0604030504040204" pitchFamily="34" charset="0"/>
+              </a:rPr>
+              <a:t>Note:</a:t>
+            </a:r>
+            <a:r>
+              <a:rPr kumimoji="0" lang="en-US" altLang="en-US" sz="1000" b="0" i="0" u="none" strike="noStrike" cap="none" normalizeH="0" baseline="0" dirty="0" smtClean="0">
+                <a:ln>
+                  <a:noFill/>
+                </a:ln>
+                <a:solidFill>
+                  <a:srgbClr val="000000"/>
+                </a:solidFill>
+                <a:effectLst/>
+                <a:latin typeface="Verdana" panose="020B0604030504040204" pitchFamily="34" charset="0"/>
+              </a:rPr>
+              <a:t> The </a:t>
+            </a:r>
+            <a:r>
+              <a:rPr kumimoji="0" lang="en-US" altLang="en-US" sz="1000" b="0" i="0" u="none" strike="noStrike" cap="none" normalizeH="0" baseline="0" dirty="0" smtClean="0">
+                <a:ln>
+                  <a:noFill/>
+                </a:ln>
+                <a:solidFill>
+                  <a:srgbClr val="DC143C"/>
+                </a:solidFill>
+                <a:effectLst/>
+                <a:latin typeface="Consolas" panose="020B0609020204030204" pitchFamily="49" charset="0"/>
+              </a:rPr>
+              <a:t>self</a:t>
+            </a:r>
+            <a:r>
+              <a:rPr kumimoji="0" lang="en-US" altLang="en-US" sz="1000" b="0" i="0" u="none" strike="noStrike" cap="none" normalizeH="0" baseline="0" dirty="0" smtClean="0">
+                <a:ln>
+                  <a:noFill/>
+                </a:ln>
+                <a:solidFill>
+                  <a:srgbClr val="000000"/>
+                </a:solidFill>
+                <a:effectLst/>
+                <a:latin typeface="Verdana" panose="020B0604030504040204" pitchFamily="34" charset="0"/>
+              </a:rPr>
+              <a:t> parameter is a reference to the current instance of the class, and is used to access variables that belong to the class.</a:t>
+            </a:r>
+            <a:r>
+              <a:rPr kumimoji="0" lang="en-US" altLang="en-US" sz="1000" b="0" i="0" u="none" strike="noStrike" cap="none" normalizeH="0" baseline="0" dirty="0" smtClean="0">
+                <a:ln>
+                  <a:noFill/>
+                </a:ln>
+                <a:solidFill>
+                  <a:schemeClr val="tx1"/>
+                </a:solidFill>
+                <a:effectLst/>
+              </a:rPr>
+              <a:t> </a:t>
+            </a:r>
           </a:p>
         </p:txBody>
       </p:sp>
     </p:spTree>
     <p:extLst>
       <p:ext uri="{BB962C8B-B14F-4D97-AF65-F5344CB8AC3E}">
-        <p14:creationId xmlns:p14="http://schemas.microsoft.com/office/powerpoint/2010/main" val="167733557"/>
+        <p14:creationId xmlns:p14="http://schemas.microsoft.com/office/powerpoint/2010/main" val="4075399336"/>
       </p:ext>
     </p:extLst>
   </p:cSld>
@@ -12626,6 +13887,12 @@
 <file path=ppt/slides/slide18.xml><?xml version="1.0" encoding="utf-8"?>
 <p:sld xmlns:a="http://schemas.openxmlformats.org/drawingml/2006/main" xmlns:r="http://schemas.openxmlformats.org/officeDocument/2006/relationships" xmlns:p="http://schemas.openxmlformats.org/presentationml/2006/main">
   <p:cSld>
+    <p:bg>
+      <p:bgPr>
+        <a:noFill/>
+        <a:effectLst/>
+      </p:bgPr>
+    </p:bg>
     <p:spTree>
       <p:nvGrpSpPr>
         <p:cNvPr id="1" name="Shape 102"/>
@@ -12683,8 +13950,8 @@
         </p:nvSpPr>
         <p:spPr>
           <a:xfrm>
-            <a:off x="321600" y="526882"/>
-            <a:ext cx="8500800" cy="4416563"/>
+            <a:off x="141492" y="373391"/>
+            <a:ext cx="8500800" cy="4678173"/>
           </a:xfrm>
           <a:prstGeom prst="rect">
             <a:avLst/>
@@ -12701,468 +13968,861 @@
           <a:lstStyle/>
           <a:p>
             <a:r>
-              <a:rPr lang="en-US" sz="1100" dirty="0"/>
-              <a:t>Create a class named Person, use the __</a:t>
-            </a:r>
-            <a:r>
-              <a:rPr lang="en-US" sz="1100" dirty="0" err="1"/>
+              <a:rPr lang="en-US" sz="1200" b="1" u="sng" dirty="0" smtClean="0">
+                <a:latin typeface="+mj-lt"/>
+              </a:rPr>
+              <a:t>The </a:t>
+            </a:r>
+            <a:r>
+              <a:rPr lang="en-US" sz="1200" b="1" u="sng" dirty="0">
+                <a:latin typeface="+mj-lt"/>
+              </a:rPr>
+              <a:t>__</a:t>
+            </a:r>
+            <a:r>
+              <a:rPr lang="en-US" sz="1200" b="1" u="sng" dirty="0" err="1">
+                <a:latin typeface="+mj-lt"/>
+              </a:rPr>
               <a:t>init</a:t>
             </a:r>
             <a:r>
-              <a:rPr lang="en-US" sz="1100" dirty="0"/>
-              <a:t>__() function to assign values for name and age</a:t>
-            </a:r>
-            <a:r>
-              <a:rPr lang="en-US" sz="1100" dirty="0" smtClean="0"/>
-              <a:t>:</a:t>
-            </a:r>
-          </a:p>
-          <a:p>
-            <a:endParaRPr lang="en-US" sz="1100" dirty="0"/>
-          </a:p>
-          <a:p>
-            <a:r>
-              <a:rPr lang="en-US" sz="1100" b="1" dirty="0">
-                <a:solidFill>
-                  <a:schemeClr val="tx1"/>
-                </a:solidFill>
-              </a:rPr>
-              <a:t>class Person:</a:t>
-            </a:r>
-            <a:br>
-              <a:rPr lang="en-US" sz="1100" b="1" dirty="0">
-                <a:solidFill>
-                  <a:schemeClr val="tx1"/>
-                </a:solidFill>
-              </a:rPr>
-            </a:br>
-            <a:r>
-              <a:rPr lang="en-US" sz="1100" b="1" dirty="0">
-                <a:solidFill>
-                  <a:schemeClr val="tx1"/>
-                </a:solidFill>
-              </a:rPr>
-              <a:t>  </a:t>
-            </a:r>
-            <a:r>
-              <a:rPr lang="en-US" sz="1100" b="1" dirty="0" err="1">
-                <a:solidFill>
-                  <a:schemeClr val="tx1"/>
-                </a:solidFill>
+              <a:rPr lang="en-US" sz="1200" b="1" u="sng" dirty="0">
+                <a:latin typeface="+mj-lt"/>
+              </a:rPr>
+              <a:t>__() </a:t>
+            </a:r>
+            <a:r>
+              <a:rPr lang="en-US" sz="1200" b="1" u="sng" dirty="0" smtClean="0">
+                <a:latin typeface="+mj-lt"/>
+              </a:rPr>
+              <a:t>Function</a:t>
+            </a:r>
+          </a:p>
+          <a:p>
+            <a:endParaRPr lang="en-US" sz="1200" dirty="0" smtClean="0">
+              <a:latin typeface="+mj-lt"/>
+            </a:endParaRPr>
+          </a:p>
+          <a:p>
+            <a:r>
+              <a:rPr lang="en-US" sz="1200" b="1" dirty="0">
+                <a:latin typeface="+mj-lt"/>
+              </a:rPr>
+              <a:t>__</a:t>
+            </a:r>
+            <a:r>
+              <a:rPr lang="en-US" sz="1200" b="1" dirty="0" err="1">
+                <a:latin typeface="+mj-lt"/>
+              </a:rPr>
+              <a:t>init</a:t>
+            </a:r>
+            <a:r>
+              <a:rPr lang="en-US" sz="1200" b="1" dirty="0">
+                <a:latin typeface="+mj-lt"/>
+              </a:rPr>
+              <a:t>__ </a:t>
+            </a:r>
+            <a:r>
+              <a:rPr lang="en-US" sz="1200" b="1" dirty="0" smtClean="0">
+                <a:latin typeface="+mj-lt"/>
+              </a:rPr>
+              <a:t>Function</a:t>
+            </a:r>
+            <a:r>
+              <a:rPr lang="en-US" sz="1200" dirty="0">
+                <a:latin typeface="+mj-lt"/>
+              </a:rPr>
+              <a:t> in Python is used to initialize objects of a class. It is also called a constructor</a:t>
+            </a:r>
+            <a:r>
+              <a:rPr lang="en-US" sz="1200" dirty="0" smtClean="0">
+                <a:latin typeface="+mj-lt"/>
+              </a:rPr>
+              <a:t>.</a:t>
+            </a:r>
+          </a:p>
+          <a:p>
+            <a:r>
+              <a:rPr lang="en-US" sz="1200" b="1" dirty="0">
+                <a:latin typeface="+mj-lt"/>
+              </a:rPr>
+              <a:t>__</a:t>
+            </a:r>
+            <a:r>
+              <a:rPr lang="en-US" sz="1200" b="1" dirty="0" err="1">
+                <a:latin typeface="+mj-lt"/>
+              </a:rPr>
+              <a:t>init</a:t>
+            </a:r>
+            <a:r>
+              <a:rPr lang="en-US" sz="1200" b="1" dirty="0">
+                <a:latin typeface="+mj-lt"/>
+              </a:rPr>
+              <a:t>__ </a:t>
+            </a:r>
+            <a:r>
+              <a:rPr lang="en-US" sz="1200" b="1" dirty="0" smtClean="0">
+                <a:latin typeface="+mj-lt"/>
+              </a:rPr>
+              <a:t>Function</a:t>
+            </a:r>
+            <a:r>
+              <a:rPr lang="en-US" sz="1200" dirty="0">
+                <a:latin typeface="+mj-lt"/>
+              </a:rPr>
+              <a:t> is like default constructor in </a:t>
+            </a:r>
+            <a:r>
+              <a:rPr lang="en-US" sz="1200" u="sng" dirty="0">
+                <a:latin typeface="+mj-lt"/>
+                <a:hlinkClick r:id="rId3"/>
+              </a:rPr>
+              <a:t>C++ </a:t>
+            </a:r>
+            <a:r>
+              <a:rPr lang="en-US" sz="1200" dirty="0">
+                <a:latin typeface="+mj-lt"/>
+              </a:rPr>
+              <a:t>and </a:t>
+            </a:r>
+            <a:r>
+              <a:rPr lang="en-US" sz="1200" u="sng" dirty="0">
+                <a:latin typeface="+mj-lt"/>
+                <a:hlinkClick r:id="rId4"/>
+              </a:rPr>
+              <a:t>Java</a:t>
+            </a:r>
+            <a:r>
+              <a:rPr lang="en-US" sz="1200" dirty="0">
+                <a:latin typeface="+mj-lt"/>
+              </a:rPr>
+              <a:t>. Constructors are used to initialize the object’s state.</a:t>
+            </a:r>
+          </a:p>
+          <a:p>
+            <a:r>
+              <a:rPr lang="en-US" sz="1200" dirty="0" smtClean="0">
+                <a:latin typeface="+mj-lt"/>
+              </a:rPr>
+              <a:t>All </a:t>
+            </a:r>
+            <a:r>
+              <a:rPr lang="en-US" sz="1200" dirty="0">
+                <a:latin typeface="+mj-lt"/>
+              </a:rPr>
+              <a:t>classes have a function called __</a:t>
+            </a:r>
+            <a:r>
+              <a:rPr lang="en-US" sz="1200" dirty="0" err="1">
+                <a:latin typeface="+mj-lt"/>
+              </a:rPr>
+              <a:t>init</a:t>
+            </a:r>
+            <a:r>
+              <a:rPr lang="en-US" sz="1200" dirty="0">
+                <a:latin typeface="+mj-lt"/>
+              </a:rPr>
+              <a:t>__(), which is always executed when the class is being initiated.</a:t>
+            </a:r>
+          </a:p>
+          <a:p>
+            <a:endParaRPr lang="en-US" sz="1200" b="1" u="sng" dirty="0" smtClean="0">
+              <a:latin typeface="+mj-lt"/>
+            </a:endParaRPr>
+          </a:p>
+          <a:p>
+            <a:r>
+              <a:rPr lang="en-US" sz="1200" b="1" u="sng" dirty="0" smtClean="0">
+                <a:latin typeface="+mj-lt"/>
+              </a:rPr>
+              <a:t>Example 1:</a:t>
+            </a:r>
+          </a:p>
+          <a:p>
+            <a:endParaRPr lang="en-US" sz="1200" dirty="0">
+              <a:latin typeface="+mj-lt"/>
+            </a:endParaRPr>
+          </a:p>
+          <a:p>
+            <a:pPr lvl="0" eaLnBrk="0" fontAlgn="base" hangingPunct="0">
+              <a:spcBef>
+                <a:spcPct val="0"/>
+              </a:spcBef>
+              <a:spcAft>
+                <a:spcPct val="0"/>
+              </a:spcAft>
+              <a:buClrTx/>
+            </a:pPr>
+            <a:r>
+              <a:rPr lang="en-US" altLang="en-US" sz="1200" dirty="0">
+                <a:solidFill>
+                  <a:srgbClr val="008200"/>
+                </a:solidFill>
+                <a:latin typeface="+mj-lt"/>
+              </a:rPr>
+              <a:t># A Sample class with </a:t>
+            </a:r>
+            <a:r>
+              <a:rPr lang="en-US" altLang="en-US" sz="1200" dirty="0" err="1">
+                <a:solidFill>
+                  <a:srgbClr val="008200"/>
+                </a:solidFill>
+                <a:latin typeface="+mj-lt"/>
+              </a:rPr>
+              <a:t>init</a:t>
+            </a:r>
+            <a:r>
+              <a:rPr lang="en-US" altLang="en-US" sz="1200" dirty="0">
+                <a:solidFill>
+                  <a:srgbClr val="008200"/>
+                </a:solidFill>
+                <a:latin typeface="+mj-lt"/>
+              </a:rPr>
+              <a:t> method</a:t>
+            </a:r>
+            <a:endParaRPr lang="en-US" altLang="en-US" sz="1200" dirty="0">
+              <a:solidFill>
+                <a:schemeClr val="tx1"/>
+              </a:solidFill>
+              <a:latin typeface="+mj-lt"/>
+            </a:endParaRPr>
+          </a:p>
+          <a:p>
+            <a:pPr lvl="0" eaLnBrk="0" fontAlgn="base" hangingPunct="0">
+              <a:spcBef>
+                <a:spcPct val="0"/>
+              </a:spcBef>
+              <a:spcAft>
+                <a:spcPct val="0"/>
+              </a:spcAft>
+              <a:buClrTx/>
+            </a:pPr>
+            <a:r>
+              <a:rPr lang="en-US" altLang="en-US" sz="1200" b="1" dirty="0">
+                <a:solidFill>
+                  <a:srgbClr val="006699"/>
+                </a:solidFill>
+                <a:latin typeface="+mj-lt"/>
+              </a:rPr>
+              <a:t>class</a:t>
+            </a:r>
+            <a:r>
+              <a:rPr lang="en-US" altLang="en-US" sz="1200" dirty="0">
+                <a:solidFill>
+                  <a:srgbClr val="273239"/>
+                </a:solidFill>
+                <a:latin typeface="+mj-lt"/>
+              </a:rPr>
+              <a:t> </a:t>
+            </a:r>
+            <a:r>
+              <a:rPr lang="en-US" altLang="en-US" sz="1200" dirty="0">
+                <a:latin typeface="+mj-lt"/>
+              </a:rPr>
+              <a:t>Person:</a:t>
+            </a:r>
+            <a:endParaRPr lang="en-US" altLang="en-US" sz="1200" dirty="0">
+              <a:solidFill>
+                <a:schemeClr val="tx1"/>
+              </a:solidFill>
+              <a:latin typeface="+mj-lt"/>
+            </a:endParaRPr>
+          </a:p>
+          <a:p>
+            <a:pPr lvl="0" eaLnBrk="0" fontAlgn="base" hangingPunct="0">
+              <a:spcBef>
+                <a:spcPct val="0"/>
+              </a:spcBef>
+              <a:spcAft>
+                <a:spcPct val="0"/>
+              </a:spcAft>
+              <a:buClrTx/>
+            </a:pPr>
+            <a:r>
+              <a:rPr lang="en-US" altLang="en-US" sz="1200" dirty="0">
+                <a:solidFill>
+                  <a:srgbClr val="273239"/>
+                </a:solidFill>
+                <a:latin typeface="+mj-lt"/>
+              </a:rPr>
+              <a:t> </a:t>
+            </a:r>
+            <a:endParaRPr lang="en-US" altLang="en-US" sz="1200" dirty="0">
+              <a:solidFill>
+                <a:schemeClr val="tx1"/>
+              </a:solidFill>
+              <a:latin typeface="+mj-lt"/>
+            </a:endParaRPr>
+          </a:p>
+          <a:p>
+            <a:pPr lvl="0" eaLnBrk="0" fontAlgn="base" hangingPunct="0">
+              <a:spcBef>
+                <a:spcPct val="0"/>
+              </a:spcBef>
+              <a:spcAft>
+                <a:spcPct val="0"/>
+              </a:spcAft>
+              <a:buClrTx/>
+            </a:pPr>
+            <a:r>
+              <a:rPr lang="en-US" altLang="en-US" sz="1200" dirty="0">
+                <a:solidFill>
+                  <a:srgbClr val="273239"/>
+                </a:solidFill>
+                <a:latin typeface="+mj-lt"/>
+              </a:rPr>
+              <a:t>    </a:t>
+            </a:r>
+            <a:r>
+              <a:rPr lang="en-US" altLang="en-US" sz="1200" dirty="0">
+                <a:solidFill>
+                  <a:srgbClr val="008200"/>
+                </a:solidFill>
+                <a:latin typeface="+mj-lt"/>
+              </a:rPr>
+              <a:t># </a:t>
+            </a:r>
+            <a:r>
+              <a:rPr lang="en-US" altLang="en-US" sz="1200" dirty="0" err="1">
+                <a:solidFill>
+                  <a:srgbClr val="008200"/>
+                </a:solidFill>
+                <a:latin typeface="+mj-lt"/>
+              </a:rPr>
+              <a:t>init</a:t>
+            </a:r>
+            <a:r>
+              <a:rPr lang="en-US" altLang="en-US" sz="1200" dirty="0">
+                <a:solidFill>
+                  <a:srgbClr val="008200"/>
+                </a:solidFill>
+                <a:latin typeface="+mj-lt"/>
+              </a:rPr>
+              <a:t> method or constructor</a:t>
+            </a:r>
+            <a:endParaRPr lang="en-US" altLang="en-US" sz="1200" dirty="0">
+              <a:solidFill>
+                <a:schemeClr val="tx1"/>
+              </a:solidFill>
+              <a:latin typeface="+mj-lt"/>
+            </a:endParaRPr>
+          </a:p>
+          <a:p>
+            <a:pPr lvl="0" eaLnBrk="0" fontAlgn="base" hangingPunct="0">
+              <a:spcBef>
+                <a:spcPct val="0"/>
+              </a:spcBef>
+              <a:spcAft>
+                <a:spcPct val="0"/>
+              </a:spcAft>
+              <a:buClrTx/>
+            </a:pPr>
+            <a:r>
+              <a:rPr lang="en-US" altLang="en-US" sz="1200" dirty="0">
+                <a:solidFill>
+                  <a:srgbClr val="273239"/>
+                </a:solidFill>
+                <a:latin typeface="+mj-lt"/>
+              </a:rPr>
+              <a:t>    </a:t>
+            </a:r>
+            <a:r>
+              <a:rPr lang="en-US" altLang="en-US" sz="1200" b="1" dirty="0" err="1">
+                <a:solidFill>
+                  <a:srgbClr val="006699"/>
+                </a:solidFill>
+                <a:latin typeface="+mj-lt"/>
               </a:rPr>
               <a:t>def</a:t>
             </a:r>
             <a:r>
-              <a:rPr lang="en-US" sz="1100" b="1" dirty="0">
-                <a:solidFill>
-                  <a:schemeClr val="tx1"/>
-                </a:solidFill>
-              </a:rPr>
-              <a:t> __</a:t>
-            </a:r>
-            <a:r>
-              <a:rPr lang="en-US" sz="1100" b="1" dirty="0" err="1">
-                <a:solidFill>
-                  <a:schemeClr val="tx1"/>
-                </a:solidFill>
+              <a:rPr lang="en-US" altLang="en-US" sz="1200" dirty="0">
+                <a:solidFill>
+                  <a:srgbClr val="273239"/>
+                </a:solidFill>
+                <a:latin typeface="+mj-lt"/>
+              </a:rPr>
+              <a:t> </a:t>
+            </a:r>
+            <a:r>
+              <a:rPr lang="en-US" altLang="en-US" sz="1200" dirty="0">
+                <a:latin typeface="+mj-lt"/>
+              </a:rPr>
+              <a:t>__</a:t>
+            </a:r>
+            <a:r>
+              <a:rPr lang="en-US" altLang="en-US" sz="1200" dirty="0" err="1">
+                <a:latin typeface="+mj-lt"/>
               </a:rPr>
               <a:t>init</a:t>
             </a:r>
             <a:r>
-              <a:rPr lang="en-US" sz="1100" b="1" dirty="0">
-                <a:solidFill>
-                  <a:schemeClr val="tx1"/>
-                </a:solidFill>
-              </a:rPr>
-              <a:t>__(self, name, age):</a:t>
-            </a:r>
-            <a:br>
-              <a:rPr lang="en-US" sz="1100" b="1" dirty="0">
-                <a:solidFill>
-                  <a:schemeClr val="tx1"/>
-                </a:solidFill>
-              </a:rPr>
-            </a:br>
-            <a:r>
-              <a:rPr lang="en-US" sz="1100" b="1" dirty="0">
-                <a:solidFill>
-                  <a:schemeClr val="tx1"/>
-                </a:solidFill>
-              </a:rPr>
-              <a:t>    self.name = name</a:t>
-            </a:r>
-            <a:br>
-              <a:rPr lang="en-US" sz="1100" b="1" dirty="0">
-                <a:solidFill>
-                  <a:schemeClr val="tx1"/>
-                </a:solidFill>
-              </a:rPr>
-            </a:br>
-            <a:r>
-              <a:rPr lang="en-US" sz="1100" b="1" dirty="0">
-                <a:solidFill>
-                  <a:schemeClr val="tx1"/>
-                </a:solidFill>
-              </a:rPr>
-              <a:t>    </a:t>
-            </a:r>
-            <a:r>
-              <a:rPr lang="en-US" sz="1100" b="1" dirty="0" err="1">
-                <a:solidFill>
-                  <a:schemeClr val="tx1"/>
-                </a:solidFill>
-              </a:rPr>
-              <a:t>self.age</a:t>
-            </a:r>
-            <a:r>
-              <a:rPr lang="en-US" sz="1100" b="1" dirty="0">
-                <a:solidFill>
-                  <a:schemeClr val="tx1"/>
-                </a:solidFill>
-              </a:rPr>
-              <a:t> = age</a:t>
-            </a:r>
-            <a:br>
-              <a:rPr lang="en-US" sz="1100" b="1" dirty="0">
-                <a:solidFill>
-                  <a:schemeClr val="tx1"/>
-                </a:solidFill>
-              </a:rPr>
-            </a:br>
-            <a:r>
-              <a:rPr lang="en-US" sz="1100" b="1" dirty="0">
-                <a:solidFill>
-                  <a:schemeClr val="tx1"/>
-                </a:solidFill>
-              </a:rPr>
-              <a:t/>
-            </a:r>
-            <a:br>
-              <a:rPr lang="en-US" sz="1100" b="1" dirty="0">
-                <a:solidFill>
-                  <a:schemeClr val="tx1"/>
-                </a:solidFill>
-              </a:rPr>
-            </a:br>
-            <a:r>
-              <a:rPr lang="en-US" sz="1100" b="1" dirty="0">
-                <a:solidFill>
-                  <a:schemeClr val="tx1"/>
-                </a:solidFill>
-              </a:rPr>
-              <a:t>p1 = Person("John", 36)</a:t>
-            </a:r>
-            <a:br>
-              <a:rPr lang="en-US" sz="1100" b="1" dirty="0">
-                <a:solidFill>
-                  <a:schemeClr val="tx1"/>
-                </a:solidFill>
-              </a:rPr>
-            </a:br>
-            <a:r>
-              <a:rPr lang="en-US" sz="1100" b="1" dirty="0">
-                <a:solidFill>
-                  <a:schemeClr val="tx1"/>
-                </a:solidFill>
-              </a:rPr>
-              <a:t/>
-            </a:r>
-            <a:br>
-              <a:rPr lang="en-US" sz="1100" b="1" dirty="0">
-                <a:solidFill>
-                  <a:schemeClr val="tx1"/>
-                </a:solidFill>
-              </a:rPr>
-            </a:br>
-            <a:r>
-              <a:rPr lang="en-US" sz="1100" b="1" dirty="0">
-                <a:solidFill>
-                  <a:schemeClr val="tx1"/>
-                </a:solidFill>
-              </a:rPr>
-              <a:t>print(p1.name)</a:t>
-            </a:r>
-            <a:br>
-              <a:rPr lang="en-US" sz="1100" b="1" dirty="0">
-                <a:solidFill>
-                  <a:schemeClr val="tx1"/>
-                </a:solidFill>
-              </a:rPr>
-            </a:br>
-            <a:r>
-              <a:rPr lang="en-US" sz="1100" b="1" dirty="0">
-                <a:solidFill>
-                  <a:schemeClr val="tx1"/>
-                </a:solidFill>
-              </a:rPr>
-              <a:t>print(p1.age</a:t>
-            </a:r>
-            <a:r>
-              <a:rPr lang="en-US" sz="1100" b="1" dirty="0" smtClean="0">
-                <a:solidFill>
-                  <a:schemeClr val="tx1"/>
-                </a:solidFill>
+              <a:rPr lang="en-US" altLang="en-US" sz="1200" dirty="0">
+                <a:latin typeface="+mj-lt"/>
+              </a:rPr>
+              <a:t>__(</a:t>
+            </a:r>
+            <a:r>
+              <a:rPr lang="en-US" altLang="en-US" sz="1200" dirty="0">
+                <a:solidFill>
+                  <a:srgbClr val="808080"/>
+                </a:solidFill>
+                <a:latin typeface="+mj-lt"/>
+              </a:rPr>
+              <a:t>self</a:t>
+            </a:r>
+            <a:r>
+              <a:rPr lang="en-US" altLang="en-US" sz="1200" dirty="0">
+                <a:latin typeface="+mj-lt"/>
+              </a:rPr>
+              <a:t>, name):</a:t>
+            </a:r>
+            <a:endParaRPr lang="en-US" altLang="en-US" sz="1200" dirty="0">
+              <a:solidFill>
+                <a:schemeClr val="tx1"/>
+              </a:solidFill>
+              <a:latin typeface="+mj-lt"/>
+            </a:endParaRPr>
+          </a:p>
+          <a:p>
+            <a:pPr lvl="0" eaLnBrk="0" fontAlgn="base" hangingPunct="0">
+              <a:spcBef>
+                <a:spcPct val="0"/>
+              </a:spcBef>
+              <a:spcAft>
+                <a:spcPct val="0"/>
+              </a:spcAft>
+              <a:buClrTx/>
+            </a:pPr>
+            <a:r>
+              <a:rPr lang="en-US" altLang="en-US" sz="1200" dirty="0">
+                <a:solidFill>
+                  <a:srgbClr val="273239"/>
+                </a:solidFill>
+                <a:latin typeface="+mj-lt"/>
+              </a:rPr>
+              <a:t>        </a:t>
+            </a:r>
+            <a:r>
+              <a:rPr lang="en-US" altLang="en-US" sz="1200" dirty="0">
+                <a:solidFill>
+                  <a:srgbClr val="808080"/>
+                </a:solidFill>
+                <a:latin typeface="+mj-lt"/>
+              </a:rPr>
+              <a:t>self</a:t>
+            </a:r>
+            <a:r>
+              <a:rPr lang="en-US" altLang="en-US" sz="1200" dirty="0">
+                <a:latin typeface="+mj-lt"/>
+              </a:rPr>
+              <a:t>.name </a:t>
+            </a:r>
+            <a:r>
+              <a:rPr lang="en-US" altLang="en-US" sz="1200" b="1" dirty="0">
+                <a:solidFill>
+                  <a:srgbClr val="006699"/>
+                </a:solidFill>
+                <a:latin typeface="+mj-lt"/>
+              </a:rPr>
+              <a:t>=</a:t>
+            </a:r>
+            <a:r>
+              <a:rPr lang="en-US" altLang="en-US" sz="1200" dirty="0">
+                <a:solidFill>
+                  <a:srgbClr val="273239"/>
+                </a:solidFill>
+                <a:latin typeface="+mj-lt"/>
+              </a:rPr>
+              <a:t> </a:t>
+            </a:r>
+            <a:r>
+              <a:rPr lang="en-US" altLang="en-US" sz="1200" dirty="0">
+                <a:latin typeface="+mj-lt"/>
+              </a:rPr>
+              <a:t>name</a:t>
+            </a:r>
+            <a:endParaRPr lang="en-US" altLang="en-US" sz="1200" dirty="0">
+              <a:solidFill>
+                <a:schemeClr val="tx1"/>
+              </a:solidFill>
+              <a:latin typeface="+mj-lt"/>
+            </a:endParaRPr>
+          </a:p>
+          <a:p>
+            <a:pPr lvl="0" eaLnBrk="0" fontAlgn="base" hangingPunct="0">
+              <a:spcBef>
+                <a:spcPct val="0"/>
+              </a:spcBef>
+              <a:spcAft>
+                <a:spcPct val="0"/>
+              </a:spcAft>
+              <a:buClrTx/>
+            </a:pPr>
+            <a:r>
+              <a:rPr lang="en-US" altLang="en-US" sz="1200" dirty="0">
+                <a:solidFill>
+                  <a:srgbClr val="273239"/>
+                </a:solidFill>
+                <a:latin typeface="+mj-lt"/>
+              </a:rPr>
+              <a:t> </a:t>
+            </a:r>
+            <a:endParaRPr lang="en-US" altLang="en-US" sz="1200" dirty="0">
+              <a:solidFill>
+                <a:schemeClr val="tx1"/>
+              </a:solidFill>
+              <a:latin typeface="+mj-lt"/>
+            </a:endParaRPr>
+          </a:p>
+          <a:p>
+            <a:pPr lvl="0" eaLnBrk="0" fontAlgn="base" hangingPunct="0">
+              <a:spcBef>
+                <a:spcPct val="0"/>
+              </a:spcBef>
+              <a:spcAft>
+                <a:spcPct val="0"/>
+              </a:spcAft>
+              <a:buClrTx/>
+            </a:pPr>
+            <a:r>
+              <a:rPr lang="en-US" altLang="en-US" sz="1200" dirty="0">
+                <a:solidFill>
+                  <a:srgbClr val="273239"/>
+                </a:solidFill>
+                <a:latin typeface="+mj-lt"/>
+              </a:rPr>
+              <a:t>    </a:t>
+            </a:r>
+            <a:r>
+              <a:rPr lang="en-US" altLang="en-US" sz="1200" dirty="0">
+                <a:solidFill>
+                  <a:srgbClr val="008200"/>
+                </a:solidFill>
+                <a:latin typeface="+mj-lt"/>
+              </a:rPr>
+              <a:t># Sample Method</a:t>
+            </a:r>
+            <a:endParaRPr lang="en-US" altLang="en-US" sz="1200" dirty="0">
+              <a:solidFill>
+                <a:schemeClr val="tx1"/>
+              </a:solidFill>
+              <a:latin typeface="+mj-lt"/>
+            </a:endParaRPr>
+          </a:p>
+          <a:p>
+            <a:pPr lvl="0" eaLnBrk="0" fontAlgn="base" hangingPunct="0">
+              <a:spcBef>
+                <a:spcPct val="0"/>
+              </a:spcBef>
+              <a:spcAft>
+                <a:spcPct val="0"/>
+              </a:spcAft>
+              <a:buClrTx/>
+            </a:pPr>
+            <a:r>
+              <a:rPr lang="en-US" altLang="en-US" sz="1200" dirty="0">
+                <a:solidFill>
+                  <a:srgbClr val="273239"/>
+                </a:solidFill>
+                <a:latin typeface="+mj-lt"/>
+              </a:rPr>
+              <a:t>    </a:t>
+            </a:r>
+            <a:r>
+              <a:rPr lang="en-US" altLang="en-US" sz="1200" b="1" dirty="0" err="1">
+                <a:solidFill>
+                  <a:srgbClr val="006699"/>
+                </a:solidFill>
+                <a:latin typeface="+mj-lt"/>
+              </a:rPr>
+              <a:t>def</a:t>
+            </a:r>
+            <a:r>
+              <a:rPr lang="en-US" altLang="en-US" sz="1200" dirty="0">
+                <a:solidFill>
+                  <a:srgbClr val="273239"/>
+                </a:solidFill>
+                <a:latin typeface="+mj-lt"/>
+              </a:rPr>
+              <a:t> </a:t>
+            </a:r>
+            <a:r>
+              <a:rPr lang="en-US" altLang="en-US" sz="1200" dirty="0" err="1">
+                <a:latin typeface="+mj-lt"/>
+              </a:rPr>
+              <a:t>say_hi</a:t>
+            </a:r>
+            <a:r>
+              <a:rPr lang="en-US" altLang="en-US" sz="1200" dirty="0">
+                <a:latin typeface="+mj-lt"/>
+              </a:rPr>
+              <a:t>(</a:t>
+            </a:r>
+            <a:r>
+              <a:rPr lang="en-US" altLang="en-US" sz="1200" dirty="0">
+                <a:solidFill>
+                  <a:srgbClr val="808080"/>
+                </a:solidFill>
+                <a:latin typeface="+mj-lt"/>
+              </a:rPr>
+              <a:t>self</a:t>
+            </a:r>
+            <a:r>
+              <a:rPr lang="en-US" altLang="en-US" sz="1200" dirty="0">
+                <a:latin typeface="+mj-lt"/>
+              </a:rPr>
+              <a:t>):</a:t>
+            </a:r>
+            <a:endParaRPr lang="en-US" altLang="en-US" sz="1200" dirty="0">
+              <a:solidFill>
+                <a:schemeClr val="tx1"/>
+              </a:solidFill>
+              <a:latin typeface="+mj-lt"/>
+            </a:endParaRPr>
+          </a:p>
+          <a:p>
+            <a:pPr lvl="0" eaLnBrk="0" fontAlgn="base" hangingPunct="0">
+              <a:spcBef>
+                <a:spcPct val="0"/>
+              </a:spcBef>
+              <a:spcAft>
+                <a:spcPct val="0"/>
+              </a:spcAft>
+              <a:buClrTx/>
+            </a:pPr>
+            <a:r>
+              <a:rPr lang="en-US" altLang="en-US" sz="1200" dirty="0">
+                <a:solidFill>
+                  <a:srgbClr val="273239"/>
+                </a:solidFill>
+                <a:latin typeface="+mj-lt"/>
+              </a:rPr>
+              <a:t>        </a:t>
+            </a:r>
+            <a:r>
+              <a:rPr lang="en-US" altLang="en-US" sz="1200" dirty="0">
+                <a:solidFill>
+                  <a:srgbClr val="FF1493"/>
+                </a:solidFill>
+                <a:latin typeface="+mj-lt"/>
+              </a:rPr>
+              <a:t>print</a:t>
+            </a:r>
+            <a:r>
+              <a:rPr lang="en-US" altLang="en-US" sz="1200" dirty="0">
+                <a:latin typeface="+mj-lt"/>
+              </a:rPr>
+              <a:t>(</a:t>
+            </a:r>
+            <a:r>
+              <a:rPr lang="en-US" altLang="en-US" sz="1200" dirty="0">
+                <a:solidFill>
+                  <a:srgbClr val="0000FF"/>
+                </a:solidFill>
+                <a:latin typeface="+mj-lt"/>
+              </a:rPr>
+              <a:t>'Hello, my name is'</a:t>
+            </a:r>
+            <a:r>
+              <a:rPr lang="en-US" altLang="en-US" sz="1200" dirty="0">
+                <a:latin typeface="+mj-lt"/>
+              </a:rPr>
+              <a:t>, </a:t>
+            </a:r>
+            <a:r>
+              <a:rPr lang="en-US" altLang="en-US" sz="1200" dirty="0">
+                <a:solidFill>
+                  <a:srgbClr val="808080"/>
+                </a:solidFill>
+                <a:latin typeface="+mj-lt"/>
+              </a:rPr>
+              <a:t>self</a:t>
+            </a:r>
+            <a:r>
+              <a:rPr lang="en-US" altLang="en-US" sz="1200" dirty="0">
+                <a:latin typeface="+mj-lt"/>
+              </a:rPr>
+              <a:t>.name</a:t>
+            </a:r>
+            <a:r>
+              <a:rPr lang="en-US" altLang="en-US" sz="1200" dirty="0" smtClean="0">
+                <a:latin typeface="+mj-lt"/>
               </a:rPr>
               <a:t>)</a:t>
             </a:r>
-          </a:p>
-          <a:p>
-            <a:endParaRPr lang="en-US" sz="1100" b="1" dirty="0">
+            <a:endParaRPr lang="en-US" sz="1200" dirty="0"/>
+          </a:p>
+          <a:p>
+            <a:pPr lvl="0" eaLnBrk="0" fontAlgn="base" hangingPunct="0">
+              <a:spcBef>
+                <a:spcPct val="0"/>
+              </a:spcBef>
+              <a:spcAft>
+                <a:spcPct val="0"/>
+              </a:spcAft>
+              <a:buClrTx/>
+            </a:pPr>
+            <a:endParaRPr lang="en-US" altLang="en-US" sz="1100" dirty="0" smtClean="0">
+              <a:latin typeface="Consolas" panose="020B0609020204030204" pitchFamily="49" charset="0"/>
+            </a:endParaRPr>
+          </a:p>
+          <a:p>
+            <a:pPr lvl="0" eaLnBrk="0" fontAlgn="base" hangingPunct="0">
+              <a:spcBef>
+                <a:spcPct val="0"/>
+              </a:spcBef>
+              <a:spcAft>
+                <a:spcPct val="0"/>
+              </a:spcAft>
+              <a:buClrTx/>
+            </a:pPr>
+            <a:r>
+              <a:rPr lang="en-US" altLang="en-US" sz="1100" dirty="0" smtClean="0">
+                <a:latin typeface="Consolas" panose="020B0609020204030204" pitchFamily="49" charset="0"/>
+              </a:rPr>
+              <a:t>p </a:t>
+            </a:r>
+            <a:r>
+              <a:rPr lang="en-US" altLang="en-US" sz="1100" b="1" dirty="0">
+                <a:solidFill>
+                  <a:srgbClr val="006699"/>
+                </a:solidFill>
+                <a:latin typeface="Consolas" panose="020B0609020204030204" pitchFamily="49" charset="0"/>
+              </a:rPr>
+              <a:t>=</a:t>
+            </a:r>
+            <a:r>
+              <a:rPr lang="en-US" altLang="en-US" sz="600" dirty="0">
+                <a:solidFill>
+                  <a:srgbClr val="273239"/>
+                </a:solidFill>
+                <a:latin typeface="Consolas" panose="020B0609020204030204" pitchFamily="49" charset="0"/>
+              </a:rPr>
+              <a:t> </a:t>
+            </a:r>
+            <a:r>
+              <a:rPr lang="en-US" altLang="en-US" sz="1100" dirty="0">
+                <a:latin typeface="Consolas" panose="020B0609020204030204" pitchFamily="49" charset="0"/>
+              </a:rPr>
+              <a:t>Person(</a:t>
+            </a:r>
+            <a:r>
+              <a:rPr lang="en-US" altLang="en-US" sz="1100" dirty="0">
+                <a:solidFill>
+                  <a:srgbClr val="0000FF"/>
+                </a:solidFill>
+                <a:latin typeface="Consolas" panose="020B0609020204030204" pitchFamily="49" charset="0"/>
+              </a:rPr>
+              <a:t>'Nikhil'</a:t>
+            </a:r>
+            <a:r>
+              <a:rPr lang="en-US" altLang="en-US" sz="1100" dirty="0">
+                <a:latin typeface="Consolas" panose="020B0609020204030204" pitchFamily="49" charset="0"/>
+              </a:rPr>
+              <a:t>)</a:t>
+            </a:r>
+            <a:endParaRPr lang="en-US" altLang="en-US" sz="600" dirty="0">
               <a:solidFill>
                 <a:schemeClr val="tx1"/>
               </a:solidFill>
             </a:endParaRPr>
           </a:p>
           <a:p>
-            <a:r>
-              <a:rPr lang="en-US" sz="1100" b="1" u="sng" dirty="0"/>
-              <a:t>Object Methods</a:t>
-            </a:r>
-          </a:p>
-          <a:p>
-            <a:r>
-              <a:rPr lang="en-US" sz="1100" dirty="0"/>
-              <a:t>Objects can also contain methods. Methods in objects are functions that belong to the object.</a:t>
-            </a:r>
-          </a:p>
-          <a:p>
-            <a:endParaRPr lang="en-US" sz="1100" b="1" dirty="0" smtClean="0">
-              <a:solidFill>
-                <a:schemeClr val="tx1"/>
-              </a:solidFill>
+            <a:pPr lvl="0" eaLnBrk="0" fontAlgn="base" hangingPunct="0">
+              <a:spcBef>
+                <a:spcPct val="0"/>
+              </a:spcBef>
+              <a:spcAft>
+                <a:spcPct val="0"/>
+              </a:spcAft>
+              <a:buClrTx/>
+            </a:pPr>
+            <a:r>
+              <a:rPr lang="en-US" altLang="en-US" sz="1100" dirty="0" err="1">
+                <a:latin typeface="Consolas" panose="020B0609020204030204" pitchFamily="49" charset="0"/>
+              </a:rPr>
+              <a:t>p.say_hi</a:t>
+            </a:r>
+            <a:r>
+              <a:rPr lang="en-US" altLang="en-US" sz="1100" dirty="0" smtClean="0">
+                <a:latin typeface="Consolas" panose="020B0609020204030204" pitchFamily="49" charset="0"/>
+              </a:rPr>
+              <a:t>()</a:t>
+            </a:r>
+          </a:p>
+          <a:p>
+            <a:pPr lvl="0" eaLnBrk="0" fontAlgn="base" hangingPunct="0">
+              <a:spcBef>
+                <a:spcPct val="0"/>
+              </a:spcBef>
+              <a:spcAft>
+                <a:spcPct val="0"/>
+              </a:spcAft>
+              <a:buClrTx/>
+            </a:pPr>
+            <a:endParaRPr lang="en-US" sz="1100" dirty="0">
+              <a:latin typeface="Consolas" panose="020B0609020204030204" pitchFamily="49" charset="0"/>
             </a:endParaRPr>
           </a:p>
           <a:p>
-            <a:r>
-              <a:rPr lang="en-US" sz="1100" b="1" dirty="0">
-                <a:solidFill>
-                  <a:schemeClr val="tx1"/>
-                </a:solidFill>
-              </a:rPr>
-              <a:t>class Person:</a:t>
-            </a:r>
-            <a:br>
-              <a:rPr lang="en-US" sz="1100" b="1" dirty="0">
-                <a:solidFill>
-                  <a:schemeClr val="tx1"/>
-                </a:solidFill>
-              </a:rPr>
-            </a:br>
-            <a:r>
-              <a:rPr lang="en-US" sz="1100" b="1" dirty="0">
-                <a:solidFill>
-                  <a:schemeClr val="tx1"/>
-                </a:solidFill>
-              </a:rPr>
-              <a:t>  </a:t>
-            </a:r>
-            <a:r>
-              <a:rPr lang="en-US" sz="1100" b="1" dirty="0" err="1">
-                <a:solidFill>
-                  <a:schemeClr val="tx1"/>
-                </a:solidFill>
-              </a:rPr>
-              <a:t>def</a:t>
-            </a:r>
-            <a:r>
-              <a:rPr lang="en-US" sz="1100" b="1" dirty="0">
-                <a:solidFill>
-                  <a:schemeClr val="tx1"/>
-                </a:solidFill>
-              </a:rPr>
-              <a:t> __</a:t>
-            </a:r>
-            <a:r>
-              <a:rPr lang="en-US" sz="1100" b="1" dirty="0" err="1">
-                <a:solidFill>
-                  <a:schemeClr val="tx1"/>
-                </a:solidFill>
-              </a:rPr>
-              <a:t>init</a:t>
-            </a:r>
-            <a:r>
-              <a:rPr lang="en-US" sz="1100" b="1" dirty="0">
-                <a:solidFill>
-                  <a:schemeClr val="tx1"/>
-                </a:solidFill>
-              </a:rPr>
-              <a:t>__(self, name, age):</a:t>
-            </a:r>
-            <a:br>
-              <a:rPr lang="en-US" sz="1100" b="1" dirty="0">
-                <a:solidFill>
-                  <a:schemeClr val="tx1"/>
-                </a:solidFill>
-              </a:rPr>
-            </a:br>
-            <a:r>
-              <a:rPr lang="en-US" sz="1100" b="1" dirty="0">
-                <a:solidFill>
-                  <a:schemeClr val="tx1"/>
-                </a:solidFill>
-              </a:rPr>
-              <a:t>    self.name = name</a:t>
-            </a:r>
-            <a:br>
-              <a:rPr lang="en-US" sz="1100" b="1" dirty="0">
-                <a:solidFill>
-                  <a:schemeClr val="tx1"/>
-                </a:solidFill>
-              </a:rPr>
-            </a:br>
-            <a:r>
-              <a:rPr lang="en-US" sz="1100" b="1" dirty="0">
-                <a:solidFill>
-                  <a:schemeClr val="tx1"/>
-                </a:solidFill>
-              </a:rPr>
-              <a:t>    </a:t>
-            </a:r>
-            <a:r>
-              <a:rPr lang="en-US" sz="1100" b="1" dirty="0" err="1">
-                <a:solidFill>
-                  <a:schemeClr val="tx1"/>
-                </a:solidFill>
-              </a:rPr>
-              <a:t>self.age</a:t>
-            </a:r>
-            <a:r>
-              <a:rPr lang="en-US" sz="1100" b="1" dirty="0">
-                <a:solidFill>
-                  <a:schemeClr val="tx1"/>
-                </a:solidFill>
-              </a:rPr>
-              <a:t> = age</a:t>
-            </a:r>
-            <a:br>
-              <a:rPr lang="en-US" sz="1100" b="1" dirty="0">
-                <a:solidFill>
-                  <a:schemeClr val="tx1"/>
-                </a:solidFill>
-              </a:rPr>
-            </a:br>
-            <a:r>
-              <a:rPr lang="en-US" sz="1100" b="1" dirty="0">
-                <a:solidFill>
-                  <a:schemeClr val="tx1"/>
-                </a:solidFill>
-              </a:rPr>
-              <a:t/>
-            </a:r>
-            <a:br>
-              <a:rPr lang="en-US" sz="1100" b="1" dirty="0">
-                <a:solidFill>
-                  <a:schemeClr val="tx1"/>
-                </a:solidFill>
-              </a:rPr>
-            </a:br>
-            <a:r>
-              <a:rPr lang="en-US" sz="1100" b="1" dirty="0">
-                <a:solidFill>
-                  <a:schemeClr val="tx1"/>
-                </a:solidFill>
-              </a:rPr>
-              <a:t>  </a:t>
-            </a:r>
-            <a:r>
-              <a:rPr lang="en-US" sz="1100" b="1" dirty="0" err="1">
-                <a:solidFill>
-                  <a:schemeClr val="tx1"/>
-                </a:solidFill>
-              </a:rPr>
-              <a:t>def</a:t>
-            </a:r>
-            <a:r>
-              <a:rPr lang="en-US" sz="1100" b="1" dirty="0">
-                <a:solidFill>
-                  <a:schemeClr val="tx1"/>
-                </a:solidFill>
-              </a:rPr>
-              <a:t> </a:t>
-            </a:r>
-            <a:r>
-              <a:rPr lang="en-US" sz="1100" b="1" dirty="0" err="1">
-                <a:solidFill>
-                  <a:schemeClr val="tx1"/>
-                </a:solidFill>
-              </a:rPr>
-              <a:t>myfunc</a:t>
-            </a:r>
-            <a:r>
-              <a:rPr lang="en-US" sz="1100" b="1" dirty="0">
-                <a:solidFill>
-                  <a:schemeClr val="tx1"/>
-                </a:solidFill>
-              </a:rPr>
-              <a:t>(self):</a:t>
-            </a:r>
-            <a:br>
-              <a:rPr lang="en-US" sz="1100" b="1" dirty="0">
-                <a:solidFill>
-                  <a:schemeClr val="tx1"/>
-                </a:solidFill>
-              </a:rPr>
-            </a:br>
-            <a:r>
-              <a:rPr lang="en-US" sz="1100" b="1" dirty="0">
-                <a:solidFill>
-                  <a:schemeClr val="tx1"/>
-                </a:solidFill>
-              </a:rPr>
-              <a:t>    print("Hello my name is " + self.name)</a:t>
-            </a:r>
-            <a:br>
-              <a:rPr lang="en-US" sz="1100" b="1" dirty="0">
-                <a:solidFill>
-                  <a:schemeClr val="tx1"/>
-                </a:solidFill>
-              </a:rPr>
-            </a:br>
-            <a:r>
-              <a:rPr lang="en-US" sz="1100" b="1" dirty="0">
-                <a:solidFill>
-                  <a:schemeClr val="tx1"/>
-                </a:solidFill>
-              </a:rPr>
-              <a:t/>
-            </a:r>
-            <a:br>
-              <a:rPr lang="en-US" sz="1100" b="1" dirty="0">
-                <a:solidFill>
-                  <a:schemeClr val="tx1"/>
-                </a:solidFill>
-              </a:rPr>
-            </a:br>
-            <a:r>
-              <a:rPr lang="en-US" sz="1100" b="1" dirty="0">
-                <a:solidFill>
-                  <a:schemeClr val="tx1"/>
-                </a:solidFill>
-              </a:rPr>
-              <a:t>p1 = Person("John", 36)</a:t>
-            </a:r>
-            <a:br>
-              <a:rPr lang="en-US" sz="1100" b="1" dirty="0">
-                <a:solidFill>
-                  <a:schemeClr val="tx1"/>
-                </a:solidFill>
-              </a:rPr>
-            </a:br>
-            <a:r>
-              <a:rPr lang="en-US" sz="1100" b="1" dirty="0">
-                <a:solidFill>
-                  <a:schemeClr val="tx1"/>
-                </a:solidFill>
-              </a:rPr>
-              <a:t>p1.myfunc()</a:t>
-            </a:r>
+            <a:pPr lvl="0" eaLnBrk="0" fontAlgn="base" hangingPunct="0">
+              <a:spcBef>
+                <a:spcPct val="0"/>
+              </a:spcBef>
+              <a:spcAft>
+                <a:spcPct val="0"/>
+              </a:spcAft>
+              <a:buClrTx/>
+            </a:pPr>
+            <a:r>
+              <a:rPr lang="en-US" sz="1100" dirty="0" smtClean="0">
+                <a:latin typeface="Consolas" panose="020B0609020204030204" pitchFamily="49" charset="0"/>
+              </a:rPr>
+              <a:t>Note: </a:t>
+            </a:r>
+            <a:r>
+              <a:rPr lang="en-US" sz="1200" dirty="0" smtClean="0">
+                <a:solidFill>
+                  <a:schemeClr val="tx1"/>
+                </a:solidFill>
+                <a:latin typeface="Arial" panose="020B0604020202020204" pitchFamily="34" charset="0"/>
+              </a:rPr>
+              <a:t>In Python, ‘</a:t>
+            </a:r>
+            <a:r>
+              <a:rPr lang="en-US" altLang="en-US" sz="1200" dirty="0" smtClean="0">
+                <a:solidFill>
+                  <a:schemeClr val="tx1"/>
+                </a:solidFill>
+                <a:latin typeface="Arial Unicode MS"/>
+              </a:rPr>
+              <a:t>self’</a:t>
+            </a:r>
+            <a:r>
+              <a:rPr lang="en-US" altLang="en-US" sz="1200" dirty="0" smtClean="0">
+                <a:solidFill>
+                  <a:schemeClr val="tx1"/>
+                </a:solidFill>
+              </a:rPr>
+              <a:t> </a:t>
+            </a:r>
+            <a:r>
+              <a:rPr lang="en-US" altLang="en-US" sz="1200" dirty="0">
+                <a:solidFill>
+                  <a:schemeClr val="tx1"/>
+                </a:solidFill>
+              </a:rPr>
+              <a:t>is a reference to the current instance of the class. It is used to access variables and methods that belong to the instance</a:t>
+            </a:r>
+            <a:endParaRPr lang="en-US" sz="1200" dirty="0"/>
           </a:p>
         </p:txBody>
       </p:sp>
     </p:spTree>
     <p:extLst>
       <p:ext uri="{BB962C8B-B14F-4D97-AF65-F5344CB8AC3E}">
-        <p14:creationId xmlns:p14="http://schemas.microsoft.com/office/powerpoint/2010/main" val="4075399336"/>
+        <p14:creationId xmlns:p14="http://schemas.microsoft.com/office/powerpoint/2010/main" val="162707399"/>
       </p:ext>
     </p:extLst>
   </p:cSld>
@@ -13223,11 +14883,14 @@
           <a:p>
             <a:pPr algn="ctr"/>
             <a:r>
-              <a:rPr lang="en-US" sz="2600" b="1" dirty="0">
+              <a:rPr lang="en-US" sz="2400" b="1" dirty="0" smtClean="0">
                 <a:latin typeface="+mj-lt"/>
               </a:rPr>
-              <a:t>Python Classes and Objects</a:t>
-            </a:r>
+              <a:t>PYTHON CONSTRUTOR &amp; DESTRUCTOR</a:t>
+            </a:r>
+            <a:endParaRPr lang="en-US" sz="2400" b="1" dirty="0">
+              <a:latin typeface="+mj-lt"/>
+            </a:endParaRPr>
           </a:p>
         </p:txBody>
       </p:sp>
@@ -13256,153 +14919,80 @@
           </a:bodyPr>
           <a:lstStyle/>
           <a:p>
-            <a:pPr fontAlgn="base"/>
+            <a:r>
+              <a:rPr lang="en-US" sz="1100" b="1" u="sng" dirty="0"/>
+              <a:t>Constructor:</a:t>
+            </a:r>
             <a:r>
               <a:rPr lang="en-US" sz="1100" b="1" dirty="0"/>
-              <a:t>Example of Python Class and </a:t>
-            </a:r>
-            <a:r>
-              <a:rPr lang="en-US" sz="1100" b="1" dirty="0" smtClean="0"/>
-              <a:t>object</a:t>
-            </a:r>
-          </a:p>
-          <a:p>
-            <a:pPr fontAlgn="base"/>
+              <a:t> </a:t>
+            </a:r>
             <a:r>
               <a:rPr lang="en-US" sz="1100" dirty="0"/>
-              <a:t>Creating an object in Python involves instantiating a class to create a new instance of that class. This process is also referred to as object instantiation</a:t>
-            </a:r>
-            <a:r>
-              <a:rPr lang="en-US" sz="1100" dirty="0" smtClean="0"/>
-              <a:t>.</a:t>
-            </a:r>
-          </a:p>
-          <a:p>
-            <a:pPr fontAlgn="base"/>
-            <a:endParaRPr lang="en-US" sz="1100" b="1" dirty="0"/>
-          </a:p>
-          <a:p>
-            <a:pPr fontAlgn="base"/>
-            <a:r>
-              <a:rPr lang="en-US" sz="1100" i="1" dirty="0"/>
-              <a:t># Python3 program to</a:t>
+              <a:t> A constructor in Python is a special type of method which is used to initialize the instance members of the class. The task of constructors is to initialize and assign values to the data members of the class when an object of the class is created. </a:t>
+            </a:r>
+            <a:endParaRPr lang="en-US" sz="1100" dirty="0" smtClean="0"/>
+          </a:p>
+          <a:p>
+            <a:endParaRPr lang="en-US" sz="1100" dirty="0"/>
+          </a:p>
+          <a:p>
+            <a:r>
+              <a:rPr lang="en-US" sz="1100" b="1" u="sng" dirty="0"/>
+              <a:t>Destructor:</a:t>
+            </a:r>
+            <a:r>
+              <a:rPr lang="en-US" sz="1100" b="1" dirty="0"/>
+              <a:t> </a:t>
             </a:r>
             <a:r>
               <a:rPr lang="en-US" sz="1100" dirty="0"/>
-              <a:t> </a:t>
-            </a:r>
-            <a:r>
-              <a:rPr lang="en-US" sz="1100" i="1" dirty="0"/>
-              <a:t># demonstrate instantiating</a:t>
-            </a:r>
-            <a:r>
-              <a:rPr lang="en-US" sz="1100" dirty="0"/>
-              <a:t> </a:t>
-            </a:r>
-            <a:r>
-              <a:rPr lang="en-US" sz="1100" i="1" dirty="0"/>
-              <a:t># a class</a:t>
-            </a:r>
-            <a:r>
-              <a:rPr lang="en-US" sz="1100" dirty="0"/>
-              <a:t> </a:t>
-            </a:r>
-            <a:r>
-              <a:rPr lang="en-US" sz="1100" b="1" dirty="0" err="1"/>
-              <a:t>class</a:t>
-            </a:r>
-            <a:r>
-              <a:rPr lang="en-US" sz="1100" dirty="0"/>
-              <a:t> </a:t>
-            </a:r>
-            <a:r>
-              <a:rPr lang="en-US" sz="1100" b="1" dirty="0"/>
-              <a:t>Dog</a:t>
-            </a:r>
-            <a:r>
-              <a:rPr lang="en-US" sz="1100" dirty="0"/>
-              <a:t>: </a:t>
-            </a:r>
-            <a:r>
-              <a:rPr lang="en-US" sz="1100" i="1" dirty="0"/>
-              <a:t># A simple class</a:t>
-            </a:r>
-            <a:r>
-              <a:rPr lang="en-US" sz="1100" dirty="0"/>
-              <a:t> </a:t>
-            </a:r>
-            <a:r>
-              <a:rPr lang="en-US" sz="1100" i="1" dirty="0"/>
-              <a:t># attribute</a:t>
-            </a:r>
-            <a:r>
-              <a:rPr lang="en-US" sz="1100" dirty="0"/>
-              <a:t> attr1 = "mammal" attr2 = "dog" </a:t>
-            </a:r>
-            <a:r>
-              <a:rPr lang="en-US" sz="1100" i="1" dirty="0"/>
-              <a:t># A sample method</a:t>
-            </a:r>
-            <a:r>
-              <a:rPr lang="en-US" sz="1100" dirty="0"/>
-              <a:t> </a:t>
-            </a:r>
-            <a:r>
-              <a:rPr lang="en-US" sz="1100" b="1" dirty="0" err="1"/>
-              <a:t>def</a:t>
-            </a:r>
-            <a:r>
-              <a:rPr lang="en-US" sz="1100" dirty="0"/>
-              <a:t> fun(self): print("I'm a", self.attr1) print("I'm a", self.attr2) </a:t>
-            </a:r>
-            <a:r>
-              <a:rPr lang="en-US" sz="1100" i="1" dirty="0"/>
-              <a:t># Driver code</a:t>
-            </a:r>
-            <a:r>
-              <a:rPr lang="en-US" sz="1100" dirty="0"/>
-              <a:t> </a:t>
-            </a:r>
-            <a:r>
-              <a:rPr lang="en-US" sz="1100" i="1" dirty="0"/>
-              <a:t># Object instantiation</a:t>
-            </a:r>
-            <a:r>
-              <a:rPr lang="en-US" sz="1100" dirty="0"/>
-              <a:t> Rodger = Dog() </a:t>
-            </a:r>
-            <a:r>
-              <a:rPr lang="en-US" sz="1100" i="1" dirty="0"/>
-              <a:t># Accessing class attributes</a:t>
-            </a:r>
-            <a:r>
-              <a:rPr lang="en-US" sz="1100" dirty="0"/>
-              <a:t> </a:t>
-            </a:r>
-            <a:r>
-              <a:rPr lang="en-US" sz="1100" i="1" dirty="0"/>
-              <a:t># and method through objects</a:t>
-            </a:r>
-            <a:r>
-              <a:rPr lang="en-US" sz="1100" dirty="0"/>
-              <a:t> print(Rodger.attr1) </a:t>
-            </a:r>
-            <a:r>
-              <a:rPr lang="en-US" sz="1100" dirty="0" err="1"/>
-              <a:t>Rodger.fun</a:t>
-            </a:r>
-            <a:r>
-              <a:rPr lang="en-US" sz="1100" dirty="0"/>
-              <a:t>()</a:t>
-            </a:r>
-            <a:endParaRPr lang="en-US" sz="1100" b="1" dirty="0"/>
+              <a:t>Destructor in Python is called when an object gets destroyed. In Python, destructors are not needed, because Python has a garbage collector that handles memory management automatically. </a:t>
+            </a:r>
+            <a:endParaRPr lang="en-US" sz="1100" dirty="0" smtClean="0"/>
+          </a:p>
+          <a:p>
+            <a:endParaRPr lang="en-US" sz="1100" dirty="0" smtClean="0"/>
+          </a:p>
+          <a:p>
+            <a:endParaRPr lang="en-US" sz="1100" dirty="0"/>
           </a:p>
         </p:txBody>
       </p:sp>
+      <p:pic>
+        <p:nvPicPr>
+          <p:cNvPr id="2" name="Picture 1"/>
+          <p:cNvPicPr>
+            <a:picLocks noChangeAspect="1"/>
+          </p:cNvPicPr>
+          <p:nvPr/>
+        </p:nvPicPr>
+        <p:blipFill>
+          <a:blip r:embed="rId3">
+            <a:extLst>
+              <a:ext uri="{28A0092B-C50C-407E-A947-70E740481C1C}">
+                <a14:useLocalDpi xmlns:a14="http://schemas.microsoft.com/office/drawing/2010/main" val="0"/>
+              </a:ext>
+            </a:extLst>
+          </a:blip>
+          <a:stretch>
+            <a:fillRect/>
+          </a:stretch>
+        </p:blipFill>
+        <p:spPr>
+          <a:xfrm>
+            <a:off x="1278294" y="1576466"/>
+            <a:ext cx="5934269" cy="3160261"/>
+          </a:xfrm>
+          <a:prstGeom prst="rect">
+            <a:avLst/>
+          </a:prstGeom>
+        </p:spPr>
+      </p:pic>
     </p:spTree>
     <p:extLst>
       <p:ext uri="{BB962C8B-B14F-4D97-AF65-F5344CB8AC3E}">
-        <p14:creationId xmlns:p14="http://schemas.microsoft.com/office/powerpoint/2010/main" val="997593899"/>
+        <p14:creationId xmlns:p14="http://schemas.microsoft.com/office/powerpoint/2010/main" val="2496001405"/>
       </p:ext>
     </p:extLst>
   </p:cSld>
@@ -13795,6 +15385,951 @@
           <a:p>
             <a:pPr algn="ctr"/>
             <a:r>
+              <a:rPr lang="en-US" sz="2400" b="1" dirty="0" smtClean="0">
+                <a:latin typeface="+mj-lt"/>
+              </a:rPr>
+              <a:t>PYTHON CONSTRUTOR &amp; DESTRUCTOR</a:t>
+            </a:r>
+            <a:endParaRPr lang="en-US" sz="2400" b="1" dirty="0">
+              <a:latin typeface="+mj-lt"/>
+            </a:endParaRPr>
+          </a:p>
+        </p:txBody>
+      </p:sp>
+      <p:sp>
+        <p:nvSpPr>
+          <p:cNvPr id="104" name="Google Shape;104;p16"/>
+          <p:cNvSpPr txBox="1"/>
+          <p:nvPr/>
+        </p:nvSpPr>
+        <p:spPr>
+          <a:xfrm>
+            <a:off x="321600" y="526882"/>
+            <a:ext cx="8500800" cy="3231624"/>
+          </a:xfrm>
+          <a:prstGeom prst="rect">
+            <a:avLst/>
+          </a:prstGeom>
+          <a:noFill/>
+          <a:ln>
+            <a:noFill/>
+          </a:ln>
+        </p:spPr>
+        <p:txBody>
+          <a:bodyPr spcFirstLastPara="1" wrap="square" lIns="91425" tIns="91425" rIns="91425" bIns="91425" anchor="t" anchorCtr="0">
+            <a:spAutoFit/>
+          </a:bodyPr>
+          <a:lstStyle/>
+          <a:p>
+            <a:r>
+              <a:rPr lang="en-US" sz="1100" b="1" u="sng" dirty="0" smtClean="0"/>
+              <a:t>Constructor:</a:t>
+            </a:r>
+          </a:p>
+          <a:p>
+            <a:endParaRPr lang="en-US" sz="1100" b="1" u="sng" dirty="0"/>
+          </a:p>
+          <a:p>
+            <a:pPr marL="171450" indent="-171450">
+              <a:buFont typeface="Arial" pitchFamily="34" charset="0"/>
+              <a:buChar char="•"/>
+            </a:pPr>
+            <a:r>
+              <a:rPr lang="en-US" sz="1100" dirty="0"/>
+              <a:t>The </a:t>
+            </a:r>
+            <a:r>
+              <a:rPr lang="en-US" sz="1100" dirty="0">
+                <a:hlinkClick r:id="rId3"/>
+              </a:rPr>
+              <a:t>__</a:t>
+            </a:r>
+            <a:r>
+              <a:rPr lang="en-US" sz="1100" dirty="0" err="1">
+                <a:hlinkClick r:id="rId3"/>
+              </a:rPr>
+              <a:t>init</a:t>
+            </a:r>
+            <a:r>
+              <a:rPr lang="en-US" sz="1100" dirty="0">
+                <a:hlinkClick r:id="rId3"/>
+              </a:rPr>
+              <a:t>__</a:t>
+            </a:r>
+            <a:r>
+              <a:rPr lang="en-US" sz="1100" dirty="0"/>
+              <a:t> method is similar to </a:t>
+            </a:r>
+            <a:r>
+              <a:rPr lang="en-US" sz="1100" b="1" dirty="0"/>
+              <a:t>constructors </a:t>
+            </a:r>
+            <a:r>
+              <a:rPr lang="en-US" sz="1100" dirty="0"/>
+              <a:t>in </a:t>
+            </a:r>
+            <a:r>
+              <a:rPr lang="en-US" sz="1100" dirty="0" err="1"/>
+              <a:t>c++</a:t>
+            </a:r>
+            <a:r>
+              <a:rPr lang="en-US" sz="1100" dirty="0"/>
+              <a:t> and Java.</a:t>
+            </a:r>
+          </a:p>
+          <a:p>
+            <a:pPr marL="171450" indent="-171450">
+              <a:buFont typeface="Arial" pitchFamily="34" charset="0"/>
+              <a:buChar char="•"/>
+            </a:pPr>
+            <a:r>
+              <a:rPr lang="en-US" sz="1100" dirty="0"/>
+              <a:t>Constructors are used to initialize the object’s state.</a:t>
+            </a:r>
+          </a:p>
+          <a:p>
+            <a:pPr marL="171450" indent="-171450">
+              <a:buFont typeface="Arial" pitchFamily="34" charset="0"/>
+              <a:buChar char="•"/>
+            </a:pPr>
+            <a:r>
+              <a:rPr lang="en-US" sz="1100" dirty="0"/>
+              <a:t>The task of constructors is to initialize(assign values) to the data members of the class when an object of class is created. </a:t>
+            </a:r>
+          </a:p>
+          <a:p>
+            <a:endParaRPr lang="en-US" sz="1100" dirty="0"/>
+          </a:p>
+          <a:p>
+            <a:r>
+              <a:rPr lang="en-US" sz="1100" b="1" u="sng" dirty="0" smtClean="0"/>
+              <a:t>Syntax</a:t>
+            </a:r>
+            <a:r>
+              <a:rPr lang="en-US" sz="1100" b="1" u="sng" dirty="0"/>
+              <a:t>: </a:t>
+            </a:r>
+          </a:p>
+          <a:p>
+            <a:r>
+              <a:rPr lang="en-US" sz="1100" b="1" dirty="0">
+                <a:solidFill>
+                  <a:schemeClr val="tx1"/>
+                </a:solidFill>
+              </a:rPr>
+              <a:t>class </a:t>
+            </a:r>
+            <a:r>
+              <a:rPr lang="en-US" sz="1100" b="1" dirty="0" err="1">
+                <a:solidFill>
+                  <a:schemeClr val="tx1"/>
+                </a:solidFill>
+              </a:rPr>
+              <a:t>ClassName</a:t>
+            </a:r>
+            <a:r>
+              <a:rPr lang="en-US" sz="1100" b="1" dirty="0">
+                <a:solidFill>
+                  <a:schemeClr val="tx1"/>
+                </a:solidFill>
+              </a:rPr>
+              <a:t>:</a:t>
+            </a:r>
+            <a:br>
+              <a:rPr lang="en-US" sz="1100" b="1" dirty="0">
+                <a:solidFill>
+                  <a:schemeClr val="tx1"/>
+                </a:solidFill>
+              </a:rPr>
+            </a:br>
+            <a:r>
+              <a:rPr lang="en-US" sz="1100" b="1" dirty="0" err="1">
+                <a:solidFill>
+                  <a:schemeClr val="tx1"/>
+                </a:solidFill>
+              </a:rPr>
+              <a:t>def</a:t>
+            </a:r>
+            <a:r>
+              <a:rPr lang="en-US" sz="1100" b="1" dirty="0">
+                <a:solidFill>
+                  <a:schemeClr val="tx1"/>
+                </a:solidFill>
+              </a:rPr>
+              <a:t> __</a:t>
+            </a:r>
+            <a:r>
+              <a:rPr lang="en-US" sz="1100" b="1" dirty="0" err="1">
+                <a:solidFill>
+                  <a:schemeClr val="tx1"/>
+                </a:solidFill>
+              </a:rPr>
+              <a:t>init</a:t>
+            </a:r>
+            <a:r>
+              <a:rPr lang="en-US" sz="1100" b="1" dirty="0">
+                <a:solidFill>
+                  <a:schemeClr val="tx1"/>
+                </a:solidFill>
+              </a:rPr>
+              <a:t>__( self , variables...):</a:t>
+            </a:r>
+            <a:br>
+              <a:rPr lang="en-US" sz="1100" b="1" dirty="0">
+                <a:solidFill>
+                  <a:schemeClr val="tx1"/>
+                </a:solidFill>
+              </a:rPr>
+            </a:br>
+            <a:r>
+              <a:rPr lang="en-US" sz="1100" b="1" dirty="0">
+                <a:solidFill>
+                  <a:schemeClr val="tx1"/>
+                </a:solidFill>
+              </a:rPr>
+              <a:t>##</a:t>
+            </a:r>
+            <a:r>
+              <a:rPr lang="en-US" sz="1100" b="1" dirty="0" smtClean="0">
+                <a:solidFill>
+                  <a:schemeClr val="tx1"/>
+                </a:solidFill>
+              </a:rPr>
+              <a:t>body</a:t>
+            </a:r>
+          </a:p>
+          <a:p>
+            <a:endParaRPr lang="en-US" sz="1100" dirty="0"/>
+          </a:p>
+          <a:p>
+            <a:r>
+              <a:rPr lang="en-US" sz="1100" b="1" dirty="0">
+                <a:solidFill>
+                  <a:schemeClr val="tx1"/>
+                </a:solidFill>
+              </a:rPr>
+              <a:t>class A(object): </a:t>
+            </a:r>
+          </a:p>
+          <a:p>
+            <a:r>
+              <a:rPr lang="en-US" sz="1100" b="1" dirty="0">
+                <a:solidFill>
+                  <a:schemeClr val="tx1"/>
+                </a:solidFill>
+              </a:rPr>
+              <a:t>    </a:t>
+            </a:r>
+            <a:r>
+              <a:rPr lang="en-US" sz="1100" b="1" dirty="0" err="1">
+                <a:solidFill>
+                  <a:schemeClr val="tx1"/>
+                </a:solidFill>
+              </a:rPr>
+              <a:t>def</a:t>
+            </a:r>
+            <a:r>
+              <a:rPr lang="en-US" sz="1100" b="1" dirty="0">
+                <a:solidFill>
+                  <a:schemeClr val="tx1"/>
+                </a:solidFill>
+              </a:rPr>
+              <a:t> __</a:t>
+            </a:r>
+            <a:r>
+              <a:rPr lang="en-US" sz="1100" b="1" dirty="0" err="1">
+                <a:solidFill>
+                  <a:schemeClr val="tx1"/>
+                </a:solidFill>
+              </a:rPr>
+              <a:t>init</a:t>
+            </a:r>
+            <a:r>
+              <a:rPr lang="en-US" sz="1100" b="1" dirty="0">
+                <a:solidFill>
+                  <a:schemeClr val="tx1"/>
+                </a:solidFill>
+              </a:rPr>
+              <a:t>__(self): </a:t>
+            </a:r>
+          </a:p>
+          <a:p>
+            <a:r>
+              <a:rPr lang="en-US" sz="1100" b="1" dirty="0">
+                <a:solidFill>
+                  <a:schemeClr val="tx1"/>
+                </a:solidFill>
+              </a:rPr>
+              <a:t>        self.str1 = “</a:t>
+            </a:r>
+            <a:r>
+              <a:rPr lang="en-US" sz="1100" b="1" dirty="0" err="1">
+                <a:solidFill>
+                  <a:schemeClr val="tx1"/>
+                </a:solidFill>
+              </a:rPr>
+              <a:t>PrepInsta</a:t>
+            </a:r>
+            <a:r>
+              <a:rPr lang="en-US" sz="1100" b="1" dirty="0">
+                <a:solidFill>
+                  <a:schemeClr val="tx1"/>
+                </a:solidFill>
+              </a:rPr>
+              <a:t>”</a:t>
+            </a:r>
+          </a:p>
+          <a:p>
+            <a:r>
+              <a:rPr lang="en-US" sz="1100" b="1" dirty="0">
+                <a:solidFill>
+                  <a:schemeClr val="tx1"/>
+                </a:solidFill>
+              </a:rPr>
+              <a:t>        print( self.str1) </a:t>
+            </a:r>
+          </a:p>
+          <a:p>
+            <a:r>
+              <a:rPr lang="en-US" sz="1100" b="1" dirty="0">
+                <a:solidFill>
+                  <a:schemeClr val="tx1"/>
+                </a:solidFill>
+              </a:rPr>
+              <a:t>        print(‘In constructor’)</a:t>
+            </a:r>
+          </a:p>
+          <a:p>
+            <a:r>
+              <a:rPr lang="en-US" sz="1100" b="1" dirty="0">
+                <a:solidFill>
+                  <a:schemeClr val="tx1"/>
+                </a:solidFill>
+              </a:rPr>
+              <a:t>        </a:t>
+            </a:r>
+          </a:p>
+          <a:p>
+            <a:r>
+              <a:rPr lang="en-US" sz="1100" b="1" dirty="0" err="1" smtClean="0">
+                <a:solidFill>
+                  <a:schemeClr val="tx1"/>
+                </a:solidFill>
+              </a:rPr>
+              <a:t>ob</a:t>
+            </a:r>
+            <a:r>
+              <a:rPr lang="en-US" sz="1100" b="1" dirty="0">
+                <a:solidFill>
+                  <a:schemeClr val="tx1"/>
+                </a:solidFill>
+              </a:rPr>
+              <a:t> = A() </a:t>
+            </a:r>
+          </a:p>
+        </p:txBody>
+      </p:sp>
+    </p:spTree>
+    <p:extLst>
+      <p:ext uri="{BB962C8B-B14F-4D97-AF65-F5344CB8AC3E}">
+        <p14:creationId xmlns:p14="http://schemas.microsoft.com/office/powerpoint/2010/main" val="1874416844"/>
+      </p:ext>
+    </p:extLst>
+  </p:cSld>
+  <p:clrMapOvr>
+    <a:masterClrMapping/>
+  </p:clrMapOvr>
+  <p:timing>
+    <p:tnLst>
+      <p:par>
+        <p:cTn id="1" dur="indefinite" restart="never" nodeType="tmRoot"/>
+      </p:par>
+    </p:tnLst>
+  </p:timing>
+</p:sld>
+</file>
+
+<file path=ppt/slides/slide21.xml><?xml version="1.0" encoding="utf-8"?>
+<p:sld xmlns:a="http://schemas.openxmlformats.org/drawingml/2006/main" xmlns:r="http://schemas.openxmlformats.org/officeDocument/2006/relationships" xmlns:p="http://schemas.openxmlformats.org/presentationml/2006/main">
+  <p:cSld>
+    <p:spTree>
+      <p:nvGrpSpPr>
+        <p:cNvPr id="1" name="Shape 102"/>
+        <p:cNvGrpSpPr/>
+        <p:nvPr/>
+      </p:nvGrpSpPr>
+      <p:grpSpPr>
+        <a:xfrm>
+          <a:off x="0" y="0"/>
+          <a:ext cx="0" cy="0"/>
+          <a:chOff x="0" y="0"/>
+          <a:chExt cx="0" cy="0"/>
+        </a:xfrm>
+      </p:grpSpPr>
+      <p:sp>
+        <p:nvSpPr>
+          <p:cNvPr id="103" name="Google Shape;103;p16"/>
+          <p:cNvSpPr txBox="1">
+            <a:spLocks noGrp="1"/>
+          </p:cNvSpPr>
+          <p:nvPr>
+            <p:ph type="title"/>
+          </p:nvPr>
+        </p:nvSpPr>
+        <p:spPr>
+          <a:xfrm>
+            <a:off x="0" y="3650"/>
+            <a:ext cx="9144000" cy="523232"/>
+          </a:xfrm>
+          <a:prstGeom prst="rect">
+            <a:avLst/>
+          </a:prstGeom>
+        </p:spPr>
+        <p:txBody>
+          <a:bodyPr spcFirstLastPara="1" wrap="square" lIns="91425" tIns="91425" rIns="91425" bIns="91425" anchor="t" anchorCtr="0">
+            <a:noAutofit/>
+          </a:bodyPr>
+          <a:lstStyle/>
+          <a:p>
+            <a:pPr algn="ctr"/>
+            <a:r>
+              <a:rPr lang="en-US" sz="2400" b="1" dirty="0" smtClean="0">
+                <a:latin typeface="+mj-lt"/>
+              </a:rPr>
+              <a:t>PYTHON CONSTRUTOR &amp; DESTRUCTOR</a:t>
+            </a:r>
+            <a:endParaRPr lang="en-US" sz="2400" b="1" dirty="0">
+              <a:latin typeface="+mj-lt"/>
+            </a:endParaRPr>
+          </a:p>
+        </p:txBody>
+      </p:sp>
+      <p:sp>
+        <p:nvSpPr>
+          <p:cNvPr id="104" name="Google Shape;104;p16"/>
+          <p:cNvSpPr txBox="1"/>
+          <p:nvPr/>
+        </p:nvSpPr>
+        <p:spPr>
+          <a:xfrm>
+            <a:off x="321600" y="526882"/>
+            <a:ext cx="8500800" cy="4078009"/>
+          </a:xfrm>
+          <a:prstGeom prst="rect">
+            <a:avLst/>
+          </a:prstGeom>
+          <a:noFill/>
+          <a:ln>
+            <a:noFill/>
+          </a:ln>
+        </p:spPr>
+        <p:txBody>
+          <a:bodyPr spcFirstLastPara="1" wrap="square" lIns="91425" tIns="91425" rIns="91425" bIns="91425" anchor="t" anchorCtr="0">
+            <a:spAutoFit/>
+          </a:bodyPr>
+          <a:lstStyle/>
+          <a:p>
+            <a:r>
+              <a:rPr lang="en-US" sz="1100" b="1" u="sng" dirty="0"/>
+              <a:t>Destructor</a:t>
+            </a:r>
+            <a:r>
+              <a:rPr lang="en-US" sz="1100" b="1" u="sng" dirty="0" smtClean="0"/>
+              <a:t>:</a:t>
+            </a:r>
+          </a:p>
+          <a:p>
+            <a:endParaRPr lang="en-US" sz="1100" b="1" u="sng" dirty="0"/>
+          </a:p>
+          <a:p>
+            <a:pPr marL="171450" indent="-171450">
+              <a:buFont typeface="Arial" pitchFamily="34" charset="0"/>
+              <a:buChar char="•"/>
+            </a:pPr>
+            <a:r>
+              <a:rPr lang="en-US" sz="1100" dirty="0"/>
+              <a:t>The __del__ method is similar to </a:t>
+            </a:r>
+            <a:r>
+              <a:rPr lang="en-US" sz="1100" b="1" dirty="0"/>
+              <a:t>destructor </a:t>
+            </a:r>
+            <a:r>
+              <a:rPr lang="en-US" sz="1100" dirty="0"/>
+              <a:t>in </a:t>
+            </a:r>
+            <a:r>
+              <a:rPr lang="en-US" sz="1100" dirty="0" err="1"/>
+              <a:t>c++</a:t>
+            </a:r>
+            <a:r>
+              <a:rPr lang="en-US" sz="1100" dirty="0"/>
+              <a:t> and Java.</a:t>
+            </a:r>
+          </a:p>
+          <a:p>
+            <a:pPr marL="171450" indent="-171450">
+              <a:buFont typeface="Arial" pitchFamily="34" charset="0"/>
+              <a:buChar char="•"/>
+            </a:pPr>
+            <a:r>
+              <a:rPr lang="en-US" sz="1100" dirty="0"/>
+              <a:t>Destructors are used to destroying the object’s state</a:t>
+            </a:r>
+            <a:r>
+              <a:rPr lang="en-US" sz="1100" dirty="0" smtClean="0"/>
+              <a:t>.</a:t>
+            </a:r>
+          </a:p>
+          <a:p>
+            <a:pPr marL="171450" indent="-171450">
+              <a:buFont typeface="Arial" pitchFamily="34" charset="0"/>
+              <a:buChar char="•"/>
+            </a:pPr>
+            <a:endParaRPr lang="en-US" sz="1100" dirty="0"/>
+          </a:p>
+          <a:p>
+            <a:r>
+              <a:rPr lang="en-US" sz="1100" b="1" dirty="0"/>
+              <a:t>Syntax:</a:t>
+            </a:r>
+          </a:p>
+          <a:p>
+            <a:r>
+              <a:rPr lang="en-US" sz="1100" b="1" dirty="0">
+                <a:solidFill>
+                  <a:schemeClr val="tx1"/>
+                </a:solidFill>
+              </a:rPr>
+              <a:t>class </a:t>
+            </a:r>
+            <a:r>
+              <a:rPr lang="en-US" sz="1100" b="1" dirty="0" err="1">
+                <a:solidFill>
+                  <a:schemeClr val="tx1"/>
+                </a:solidFill>
+              </a:rPr>
+              <a:t>ClassName</a:t>
+            </a:r>
+            <a:r>
+              <a:rPr lang="en-US" sz="1100" b="1" dirty="0">
+                <a:solidFill>
+                  <a:schemeClr val="tx1"/>
+                </a:solidFill>
+              </a:rPr>
+              <a:t>:</a:t>
+            </a:r>
+            <a:br>
+              <a:rPr lang="en-US" sz="1100" b="1" dirty="0">
+                <a:solidFill>
+                  <a:schemeClr val="tx1"/>
+                </a:solidFill>
+              </a:rPr>
+            </a:br>
+            <a:r>
+              <a:rPr lang="en-US" sz="1100" b="1" dirty="0" err="1">
+                <a:solidFill>
+                  <a:schemeClr val="tx1"/>
+                </a:solidFill>
+              </a:rPr>
+              <a:t>def</a:t>
+            </a:r>
+            <a:r>
+              <a:rPr lang="en-US" sz="1100" b="1" dirty="0">
+                <a:solidFill>
+                  <a:schemeClr val="tx1"/>
+                </a:solidFill>
+              </a:rPr>
+              <a:t> __del__( self ,):</a:t>
+            </a:r>
+            <a:br>
+              <a:rPr lang="en-US" sz="1100" b="1" dirty="0">
+                <a:solidFill>
+                  <a:schemeClr val="tx1"/>
+                </a:solidFill>
+              </a:rPr>
+            </a:br>
+            <a:r>
+              <a:rPr lang="en-US" sz="1100" b="1" dirty="0">
+                <a:solidFill>
+                  <a:schemeClr val="tx1"/>
+                </a:solidFill>
+              </a:rPr>
+              <a:t>##</a:t>
+            </a:r>
+            <a:r>
+              <a:rPr lang="en-US" sz="1100" b="1" dirty="0" smtClean="0">
+                <a:solidFill>
+                  <a:schemeClr val="tx1"/>
+                </a:solidFill>
+              </a:rPr>
+              <a:t>body</a:t>
+            </a:r>
+          </a:p>
+          <a:p>
+            <a:endParaRPr lang="en-US" sz="1100" b="1" dirty="0">
+              <a:solidFill>
+                <a:schemeClr val="tx1"/>
+              </a:solidFill>
+            </a:endParaRPr>
+          </a:p>
+          <a:p>
+            <a:r>
+              <a:rPr lang="en-US" sz="1100" b="1" dirty="0">
+                <a:solidFill>
+                  <a:schemeClr val="tx1"/>
+                </a:solidFill>
+              </a:rPr>
+              <a:t>class A(object): </a:t>
+            </a:r>
+          </a:p>
+          <a:p>
+            <a:r>
+              <a:rPr lang="en-US" sz="1100" b="1" dirty="0">
+                <a:solidFill>
+                  <a:schemeClr val="tx1"/>
+                </a:solidFill>
+              </a:rPr>
+              <a:t>    </a:t>
+            </a:r>
+            <a:r>
+              <a:rPr lang="en-US" sz="1100" b="1" dirty="0" err="1">
+                <a:solidFill>
+                  <a:schemeClr val="tx1"/>
+                </a:solidFill>
+              </a:rPr>
+              <a:t>def</a:t>
+            </a:r>
+            <a:r>
+              <a:rPr lang="en-US" sz="1100" b="1" dirty="0">
+                <a:solidFill>
+                  <a:schemeClr val="tx1"/>
+                </a:solidFill>
+              </a:rPr>
+              <a:t> __</a:t>
+            </a:r>
+            <a:r>
+              <a:rPr lang="en-US" sz="1100" b="1" dirty="0" err="1">
+                <a:solidFill>
+                  <a:schemeClr val="tx1"/>
+                </a:solidFill>
+              </a:rPr>
+              <a:t>init</a:t>
+            </a:r>
+            <a:r>
+              <a:rPr lang="en-US" sz="1100" b="1" dirty="0">
+                <a:solidFill>
+                  <a:schemeClr val="tx1"/>
+                </a:solidFill>
+              </a:rPr>
+              <a:t>__(self): </a:t>
+            </a:r>
+          </a:p>
+          <a:p>
+            <a:r>
+              <a:rPr lang="en-US" sz="1100" b="1" dirty="0">
+                <a:solidFill>
+                  <a:schemeClr val="tx1"/>
+                </a:solidFill>
+              </a:rPr>
+              <a:t>        self.str1 = ‘</a:t>
+            </a:r>
+            <a:r>
+              <a:rPr lang="en-US" sz="1100" b="1" dirty="0" err="1">
+                <a:solidFill>
+                  <a:schemeClr val="tx1"/>
+                </a:solidFill>
+              </a:rPr>
+              <a:t>PrepInsta</a:t>
+            </a:r>
+            <a:r>
+              <a:rPr lang="en-US" sz="1100" b="1" dirty="0">
+                <a:solidFill>
+                  <a:schemeClr val="tx1"/>
+                </a:solidFill>
+              </a:rPr>
+              <a:t>’</a:t>
+            </a:r>
+          </a:p>
+          <a:p>
+            <a:r>
+              <a:rPr lang="en-US" sz="1100" b="1" dirty="0">
+                <a:solidFill>
+                  <a:schemeClr val="tx1"/>
+                </a:solidFill>
+              </a:rPr>
+              <a:t>  </a:t>
+            </a:r>
+            <a:r>
+              <a:rPr lang="en-US" sz="1100" b="1" dirty="0" smtClean="0">
+                <a:solidFill>
+                  <a:schemeClr val="tx1"/>
+                </a:solidFill>
+              </a:rPr>
+              <a:t> </a:t>
+            </a:r>
+            <a:r>
+              <a:rPr lang="en-US" sz="1100" b="1" dirty="0">
+                <a:solidFill>
+                  <a:schemeClr val="tx1"/>
+                </a:solidFill>
+              </a:rPr>
+              <a:t>     print(‘Object Created’ , self.str1) </a:t>
+            </a:r>
+          </a:p>
+          <a:p>
+            <a:r>
+              <a:rPr lang="en-US" sz="1100" b="1" dirty="0">
+                <a:solidFill>
+                  <a:schemeClr val="tx1"/>
+                </a:solidFill>
+              </a:rPr>
+              <a:t/>
+            </a:r>
+            <a:br>
+              <a:rPr lang="en-US" sz="1100" b="1" dirty="0">
+                <a:solidFill>
+                  <a:schemeClr val="tx1"/>
+                </a:solidFill>
+              </a:rPr>
+            </a:br>
+            <a:r>
+              <a:rPr lang="en-US" sz="1100" b="1" dirty="0">
+                <a:solidFill>
+                  <a:schemeClr val="tx1"/>
+                </a:solidFill>
+              </a:rPr>
+              <a:t>    </a:t>
+            </a:r>
+            <a:r>
+              <a:rPr lang="en-US" sz="1100" b="1" dirty="0" err="1">
+                <a:solidFill>
+                  <a:schemeClr val="tx1"/>
+                </a:solidFill>
+              </a:rPr>
+              <a:t>def</a:t>
+            </a:r>
+            <a:r>
+              <a:rPr lang="en-US" sz="1100" b="1" dirty="0">
+                <a:solidFill>
+                  <a:schemeClr val="tx1"/>
+                </a:solidFill>
+              </a:rPr>
+              <a:t> __del__(self):</a:t>
+            </a:r>
+          </a:p>
+          <a:p>
+            <a:r>
+              <a:rPr lang="en-US" sz="1100" b="1" dirty="0">
+                <a:solidFill>
+                  <a:schemeClr val="tx1"/>
+                </a:solidFill>
+              </a:rPr>
+              <a:t>        print(‘</a:t>
+            </a:r>
+            <a:r>
+              <a:rPr lang="en-US" sz="1100" b="1" dirty="0" smtClean="0">
+                <a:solidFill>
+                  <a:schemeClr val="tx1"/>
+                </a:solidFill>
+              </a:rPr>
+              <a:t>Destructor</a:t>
+            </a:r>
+            <a:r>
+              <a:rPr lang="en-US" sz="1100" b="1" dirty="0">
+                <a:solidFill>
+                  <a:schemeClr val="tx1"/>
+                </a:solidFill>
+              </a:rPr>
+              <a:t> is called Manually’)</a:t>
+            </a:r>
+          </a:p>
+          <a:p>
+            <a:r>
+              <a:rPr lang="en-US" sz="1100" b="1" dirty="0">
+                <a:solidFill>
+                  <a:schemeClr val="tx1"/>
+                </a:solidFill>
+              </a:rPr>
+              <a:t/>
+            </a:r>
+            <a:br>
+              <a:rPr lang="en-US" sz="1100" b="1" dirty="0">
+                <a:solidFill>
+                  <a:schemeClr val="tx1"/>
+                </a:solidFill>
+              </a:rPr>
+            </a:br>
+            <a:r>
+              <a:rPr lang="en-US" sz="1100" b="1" dirty="0">
+                <a:solidFill>
+                  <a:schemeClr val="tx1"/>
+                </a:solidFill>
+              </a:rPr>
+              <a:t/>
+            </a:r>
+            <a:br>
+              <a:rPr lang="en-US" sz="1100" b="1" dirty="0">
+                <a:solidFill>
+                  <a:schemeClr val="tx1"/>
+                </a:solidFill>
+              </a:rPr>
+            </a:br>
+            <a:r>
+              <a:rPr lang="en-US" sz="1100" b="1" dirty="0" err="1">
+                <a:solidFill>
+                  <a:schemeClr val="tx1"/>
+                </a:solidFill>
+              </a:rPr>
+              <a:t>ob</a:t>
+            </a:r>
+            <a:r>
+              <a:rPr lang="en-US" sz="1100" b="1" dirty="0">
+                <a:solidFill>
+                  <a:schemeClr val="tx1"/>
+                </a:solidFill>
+              </a:rPr>
+              <a:t> = A() </a:t>
+            </a:r>
+          </a:p>
+          <a:p>
+            <a:r>
+              <a:rPr lang="en-US" sz="1100" b="1" dirty="0" smtClean="0">
+                <a:solidFill>
+                  <a:schemeClr val="tx1"/>
+                </a:solidFill>
+              </a:rPr>
+              <a:t>del</a:t>
+            </a:r>
+            <a:r>
+              <a:rPr lang="en-US" sz="1100" b="1" dirty="0">
+                <a:solidFill>
+                  <a:schemeClr val="tx1"/>
+                </a:solidFill>
+              </a:rPr>
+              <a:t> </a:t>
+            </a:r>
+            <a:r>
+              <a:rPr lang="en-US" sz="1100" b="1" dirty="0" err="1">
+                <a:solidFill>
+                  <a:schemeClr val="tx1"/>
+                </a:solidFill>
+              </a:rPr>
+              <a:t>ob</a:t>
+            </a:r>
+            <a:r>
+              <a:rPr lang="en-US" sz="1100" b="1" dirty="0">
+                <a:solidFill>
+                  <a:schemeClr val="tx1"/>
+                </a:solidFill>
+              </a:rPr>
+              <a:t> </a:t>
+            </a:r>
+          </a:p>
+          <a:p>
+            <a:r>
+              <a:rPr lang="en-US" sz="1100" b="1" dirty="0">
+                <a:solidFill>
+                  <a:schemeClr val="tx1"/>
+                </a:solidFill>
+              </a:rPr>
+              <a:t/>
+            </a:r>
+            <a:br>
+              <a:rPr lang="en-US" sz="1100" b="1" dirty="0">
+                <a:solidFill>
+                  <a:schemeClr val="tx1"/>
+                </a:solidFill>
+              </a:rPr>
+            </a:br>
+            <a:r>
+              <a:rPr lang="en-US" sz="1100" b="1" dirty="0">
+                <a:solidFill>
+                  <a:schemeClr val="tx1"/>
+                </a:solidFill>
+              </a:rPr>
+              <a:t>#ob1=A</a:t>
+            </a:r>
+            <a:r>
+              <a:rPr lang="en-US" sz="1100" b="1" dirty="0" smtClean="0">
+                <a:solidFill>
+                  <a:schemeClr val="tx1"/>
+                </a:solidFill>
+              </a:rPr>
+              <a:t>()</a:t>
+            </a:r>
+            <a:endParaRPr lang="en-US" sz="1100" b="1" dirty="0">
+              <a:solidFill>
+                <a:schemeClr val="tx1"/>
+              </a:solidFill>
+            </a:endParaRPr>
+          </a:p>
+        </p:txBody>
+      </p:sp>
+    </p:spTree>
+    <p:extLst>
+      <p:ext uri="{BB962C8B-B14F-4D97-AF65-F5344CB8AC3E}">
+        <p14:creationId xmlns:p14="http://schemas.microsoft.com/office/powerpoint/2010/main" val="3395938926"/>
+      </p:ext>
+    </p:extLst>
+  </p:cSld>
+  <p:clrMapOvr>
+    <a:masterClrMapping/>
+  </p:clrMapOvr>
+  <p:timing>
+    <p:tnLst>
+      <p:par>
+        <p:cTn id="1" dur="indefinite" restart="never" nodeType="tmRoot"/>
+      </p:par>
+    </p:tnLst>
+  </p:timing>
+</p:sld>
+</file>
+
+<file path=ppt/slides/slide22.xml><?xml version="1.0" encoding="utf-8"?>
+<p:sld xmlns:a="http://schemas.openxmlformats.org/drawingml/2006/main" xmlns:r="http://schemas.openxmlformats.org/officeDocument/2006/relationships" xmlns:p="http://schemas.openxmlformats.org/presentationml/2006/main">
+  <p:cSld>
+    <p:spTree>
+      <p:nvGrpSpPr>
+        <p:cNvPr id="1" name="Shape 102"/>
+        <p:cNvGrpSpPr/>
+        <p:nvPr/>
+      </p:nvGrpSpPr>
+      <p:grpSpPr>
+        <a:xfrm>
+          <a:off x="0" y="0"/>
+          <a:ext cx="0" cy="0"/>
+          <a:chOff x="0" y="0"/>
+          <a:chExt cx="0" cy="0"/>
+        </a:xfrm>
+      </p:grpSpPr>
+      <p:sp>
+        <p:nvSpPr>
+          <p:cNvPr id="103" name="Google Shape;103;p16"/>
+          <p:cNvSpPr txBox="1">
+            <a:spLocks noGrp="1"/>
+          </p:cNvSpPr>
+          <p:nvPr>
+            <p:ph type="title"/>
+          </p:nvPr>
+        </p:nvSpPr>
+        <p:spPr>
+          <a:xfrm>
+            <a:off x="0" y="3650"/>
+            <a:ext cx="9144000" cy="523232"/>
+          </a:xfrm>
+          <a:prstGeom prst="rect">
+            <a:avLst/>
+          </a:prstGeom>
+        </p:spPr>
+        <p:txBody>
+          <a:bodyPr spcFirstLastPara="1" wrap="square" lIns="91425" tIns="91425" rIns="91425" bIns="91425" anchor="t" anchorCtr="0">
+            <a:noAutofit/>
+          </a:bodyPr>
+          <a:lstStyle/>
+          <a:p>
+            <a:pPr algn="ctr"/>
+            <a:r>
               <a:rPr lang="en-US" sz="2600" b="1" dirty="0">
                 <a:latin typeface="+mj-lt"/>
               </a:rPr>
@@ -14316,6 +16851,2881 @@
     <p:extLst>
       <p:ext uri="{BB962C8B-B14F-4D97-AF65-F5344CB8AC3E}">
         <p14:creationId xmlns:p14="http://schemas.microsoft.com/office/powerpoint/2010/main" val="3380901618"/>
+      </p:ext>
+    </p:extLst>
+  </p:cSld>
+  <p:clrMapOvr>
+    <a:masterClrMapping/>
+  </p:clrMapOvr>
+  <p:timing>
+    <p:tnLst>
+      <p:par>
+        <p:cTn id="1" dur="indefinite" restart="never" nodeType="tmRoot"/>
+      </p:par>
+    </p:tnLst>
+  </p:timing>
+</p:sld>
+</file>
+
+<file path=ppt/slides/slide23.xml><?xml version="1.0" encoding="utf-8"?>
+<p:sld xmlns:a="http://schemas.openxmlformats.org/drawingml/2006/main" xmlns:r="http://schemas.openxmlformats.org/officeDocument/2006/relationships" xmlns:p="http://schemas.openxmlformats.org/presentationml/2006/main">
+  <p:cSld>
+    <p:spTree>
+      <p:nvGrpSpPr>
+        <p:cNvPr id="1" name="Shape 102"/>
+        <p:cNvGrpSpPr/>
+        <p:nvPr/>
+      </p:nvGrpSpPr>
+      <p:grpSpPr>
+        <a:xfrm>
+          <a:off x="0" y="0"/>
+          <a:ext cx="0" cy="0"/>
+          <a:chOff x="0" y="0"/>
+          <a:chExt cx="0" cy="0"/>
+        </a:xfrm>
+      </p:grpSpPr>
+      <p:sp>
+        <p:nvSpPr>
+          <p:cNvPr id="103" name="Google Shape;103;p16"/>
+          <p:cNvSpPr txBox="1">
+            <a:spLocks noGrp="1"/>
+          </p:cNvSpPr>
+          <p:nvPr>
+            <p:ph type="title"/>
+          </p:nvPr>
+        </p:nvSpPr>
+        <p:spPr>
+          <a:xfrm>
+            <a:off x="0" y="-86404"/>
+            <a:ext cx="9144000" cy="523232"/>
+          </a:xfrm>
+          <a:prstGeom prst="rect">
+            <a:avLst/>
+          </a:prstGeom>
+        </p:spPr>
+        <p:txBody>
+          <a:bodyPr spcFirstLastPara="1" wrap="square" lIns="91425" tIns="91425" rIns="91425" bIns="91425" anchor="t" anchorCtr="0">
+            <a:noAutofit/>
+          </a:bodyPr>
+          <a:lstStyle/>
+          <a:p>
+            <a:pPr algn="ctr"/>
+            <a:r>
+              <a:rPr lang="en-US" sz="2600" b="1" dirty="0">
+                <a:latin typeface="+mj-lt"/>
+              </a:rPr>
+              <a:t>Python Inheritance</a:t>
+            </a:r>
+          </a:p>
+        </p:txBody>
+      </p:sp>
+      <p:sp>
+        <p:nvSpPr>
+          <p:cNvPr id="104" name="Google Shape;104;p16"/>
+          <p:cNvSpPr txBox="1"/>
+          <p:nvPr/>
+        </p:nvSpPr>
+        <p:spPr>
+          <a:xfrm>
+            <a:off x="106853" y="360628"/>
+            <a:ext cx="8500800" cy="4616618"/>
+          </a:xfrm>
+          <a:prstGeom prst="rect">
+            <a:avLst/>
+          </a:prstGeom>
+          <a:noFill/>
+          <a:ln>
+            <a:noFill/>
+          </a:ln>
+        </p:spPr>
+        <p:txBody>
+          <a:bodyPr spcFirstLastPara="1" wrap="square" lIns="91425" tIns="91425" rIns="91425" bIns="91425" anchor="t" anchorCtr="0">
+            <a:spAutoFit/>
+          </a:bodyPr>
+          <a:lstStyle/>
+          <a:p>
+            <a:r>
+              <a:rPr lang="en-US" sz="1200" b="1" u="sng" dirty="0">
+                <a:latin typeface="+mj-lt"/>
+              </a:rPr>
+              <a:t>Create a Child </a:t>
+            </a:r>
+            <a:r>
+              <a:rPr lang="en-US" sz="1200" b="1" u="sng" dirty="0" smtClean="0">
+                <a:latin typeface="+mj-lt"/>
+              </a:rPr>
+              <a:t>Class</a:t>
+            </a:r>
+          </a:p>
+          <a:p>
+            <a:r>
+              <a:rPr lang="en-US" sz="1200" dirty="0">
+                <a:latin typeface="+mj-lt"/>
+              </a:rPr>
+              <a:t>To create a class that inherits the functionality from another class, send the parent class as a parameter when creating the child class</a:t>
+            </a:r>
+            <a:r>
+              <a:rPr lang="en-US" sz="1200" dirty="0" smtClean="0">
+                <a:latin typeface="+mj-lt"/>
+              </a:rPr>
+              <a:t>:</a:t>
+            </a:r>
+          </a:p>
+          <a:p>
+            <a:endParaRPr lang="en-US" sz="1200" dirty="0">
+              <a:latin typeface="+mj-lt"/>
+            </a:endParaRPr>
+          </a:p>
+          <a:p>
+            <a:r>
+              <a:rPr lang="en-US" altLang="en-US" sz="1200" dirty="0">
+                <a:latin typeface="+mj-lt"/>
+              </a:rPr>
+              <a:t>Create a class named </a:t>
+            </a:r>
+            <a:r>
+              <a:rPr lang="en-US" altLang="en-US" sz="1200" dirty="0">
+                <a:solidFill>
+                  <a:srgbClr val="DC143C"/>
+                </a:solidFill>
+                <a:latin typeface="+mj-lt"/>
+              </a:rPr>
+              <a:t>Student</a:t>
+            </a:r>
+            <a:r>
+              <a:rPr lang="en-US" altLang="en-US" sz="1200" dirty="0">
+                <a:latin typeface="+mj-lt"/>
+              </a:rPr>
+              <a:t>, which will inherit the properties and methods from the </a:t>
+            </a:r>
+            <a:r>
+              <a:rPr lang="en-US" altLang="en-US" sz="1200" dirty="0">
+                <a:solidFill>
+                  <a:srgbClr val="DC143C"/>
+                </a:solidFill>
+                <a:latin typeface="+mj-lt"/>
+              </a:rPr>
+              <a:t>Person</a:t>
+            </a:r>
+            <a:r>
+              <a:rPr lang="en-US" altLang="en-US" sz="1200" dirty="0">
+                <a:latin typeface="+mj-lt"/>
+              </a:rPr>
+              <a:t> class:</a:t>
+            </a:r>
+            <a:r>
+              <a:rPr lang="en-US" altLang="en-US" sz="1200" dirty="0">
+                <a:solidFill>
+                  <a:schemeClr val="tx1"/>
+                </a:solidFill>
+                <a:latin typeface="+mj-lt"/>
+              </a:rPr>
+              <a:t> </a:t>
+            </a:r>
+          </a:p>
+          <a:p>
+            <a:endParaRPr lang="en-US" sz="1200" dirty="0" smtClean="0">
+              <a:latin typeface="+mj-lt"/>
+            </a:endParaRPr>
+          </a:p>
+          <a:p>
+            <a:r>
+              <a:rPr lang="en-US" sz="1200" b="1" dirty="0">
+                <a:solidFill>
+                  <a:schemeClr val="tx1"/>
+                </a:solidFill>
+                <a:latin typeface="+mj-lt"/>
+              </a:rPr>
+              <a:t>class Student(Person):</a:t>
+            </a:r>
+            <a:br>
+              <a:rPr lang="en-US" sz="1200" b="1" dirty="0">
+                <a:solidFill>
+                  <a:schemeClr val="tx1"/>
+                </a:solidFill>
+                <a:latin typeface="+mj-lt"/>
+              </a:rPr>
+            </a:br>
+            <a:r>
+              <a:rPr lang="en-US" sz="1200" b="1" dirty="0">
+                <a:solidFill>
+                  <a:schemeClr val="tx1"/>
+                </a:solidFill>
+                <a:latin typeface="+mj-lt"/>
+              </a:rPr>
+              <a:t>  </a:t>
+            </a:r>
+            <a:r>
+              <a:rPr lang="en-US" sz="1200" b="1" dirty="0" smtClean="0">
+                <a:solidFill>
+                  <a:schemeClr val="tx1"/>
+                </a:solidFill>
+                <a:latin typeface="+mj-lt"/>
+              </a:rPr>
+              <a:t>pass</a:t>
+            </a:r>
+          </a:p>
+          <a:p>
+            <a:endParaRPr lang="en-US" sz="1200" b="1" dirty="0">
+              <a:solidFill>
+                <a:schemeClr val="tx1"/>
+              </a:solidFill>
+              <a:latin typeface="+mj-lt"/>
+            </a:endParaRPr>
+          </a:p>
+          <a:p>
+            <a:r>
+              <a:rPr lang="en-US" sz="1200" b="1" dirty="0" smtClean="0">
+                <a:solidFill>
+                  <a:schemeClr val="tx1"/>
+                </a:solidFill>
+                <a:latin typeface="+mj-lt"/>
+              </a:rPr>
+              <a:t>OR</a:t>
+            </a:r>
+          </a:p>
+          <a:p>
+            <a:endParaRPr lang="en-US" sz="1200" b="1" dirty="0">
+              <a:solidFill>
+                <a:schemeClr val="tx1"/>
+              </a:solidFill>
+              <a:latin typeface="+mj-lt"/>
+            </a:endParaRPr>
+          </a:p>
+          <a:p>
+            <a:r>
+              <a:rPr lang="en-US" sz="1200" b="1" dirty="0">
+                <a:solidFill>
+                  <a:schemeClr val="tx1"/>
+                </a:solidFill>
+              </a:rPr>
+              <a:t>class Student(Person):</a:t>
+            </a:r>
+            <a:br>
+              <a:rPr lang="en-US" sz="1200" b="1" dirty="0">
+                <a:solidFill>
+                  <a:schemeClr val="tx1"/>
+                </a:solidFill>
+              </a:rPr>
+            </a:br>
+            <a:r>
+              <a:rPr lang="en-US" sz="1200" b="1" dirty="0">
+                <a:solidFill>
+                  <a:schemeClr val="tx1"/>
+                </a:solidFill>
+              </a:rPr>
+              <a:t>  </a:t>
+            </a:r>
+            <a:r>
+              <a:rPr lang="en-US" sz="1200" b="1" dirty="0" err="1">
+                <a:solidFill>
+                  <a:schemeClr val="tx1"/>
+                </a:solidFill>
+              </a:rPr>
+              <a:t>def</a:t>
+            </a:r>
+            <a:r>
+              <a:rPr lang="en-US" sz="1200" b="1" dirty="0">
+                <a:solidFill>
+                  <a:schemeClr val="tx1"/>
+                </a:solidFill>
+              </a:rPr>
+              <a:t> __</a:t>
+            </a:r>
+            <a:r>
+              <a:rPr lang="en-US" sz="1200" b="1" dirty="0" err="1">
+                <a:solidFill>
+                  <a:schemeClr val="tx1"/>
+                </a:solidFill>
+              </a:rPr>
+              <a:t>init</a:t>
+            </a:r>
+            <a:r>
+              <a:rPr lang="en-US" sz="1200" b="1" dirty="0">
+                <a:solidFill>
+                  <a:schemeClr val="tx1"/>
+                </a:solidFill>
+              </a:rPr>
+              <a:t>__(self, </a:t>
+            </a:r>
+            <a:r>
+              <a:rPr lang="en-US" sz="1200" b="1" dirty="0" err="1">
+                <a:solidFill>
+                  <a:schemeClr val="tx1"/>
+                </a:solidFill>
+              </a:rPr>
+              <a:t>fname</a:t>
+            </a:r>
+            <a:r>
+              <a:rPr lang="en-US" sz="1200" b="1" dirty="0">
+                <a:solidFill>
+                  <a:schemeClr val="tx1"/>
+                </a:solidFill>
+              </a:rPr>
+              <a:t>, </a:t>
+            </a:r>
+            <a:r>
+              <a:rPr lang="en-US" sz="1200" b="1" dirty="0" err="1">
+                <a:solidFill>
+                  <a:schemeClr val="tx1"/>
+                </a:solidFill>
+              </a:rPr>
+              <a:t>lname</a:t>
+            </a:r>
+            <a:r>
+              <a:rPr lang="en-US" sz="1200" b="1" dirty="0">
+                <a:solidFill>
+                  <a:schemeClr val="tx1"/>
+                </a:solidFill>
+              </a:rPr>
+              <a:t>):</a:t>
+            </a:r>
+            <a:br>
+              <a:rPr lang="en-US" sz="1200" b="1" dirty="0">
+                <a:solidFill>
+                  <a:schemeClr val="tx1"/>
+                </a:solidFill>
+              </a:rPr>
+            </a:br>
+            <a:r>
+              <a:rPr lang="en-US" sz="1200" b="1" dirty="0">
+                <a:solidFill>
+                  <a:schemeClr val="tx1"/>
+                </a:solidFill>
+              </a:rPr>
+              <a:t>    Person.__</a:t>
+            </a:r>
+            <a:r>
+              <a:rPr lang="en-US" sz="1200" b="1" dirty="0" err="1">
+                <a:solidFill>
+                  <a:schemeClr val="tx1"/>
+                </a:solidFill>
+              </a:rPr>
+              <a:t>init</a:t>
+            </a:r>
+            <a:r>
+              <a:rPr lang="en-US" sz="1200" b="1" dirty="0">
+                <a:solidFill>
+                  <a:schemeClr val="tx1"/>
+                </a:solidFill>
+              </a:rPr>
+              <a:t>__(self, </a:t>
+            </a:r>
+            <a:r>
+              <a:rPr lang="en-US" sz="1200" b="1" dirty="0" err="1">
+                <a:solidFill>
+                  <a:schemeClr val="tx1"/>
+                </a:solidFill>
+              </a:rPr>
+              <a:t>fname</a:t>
+            </a:r>
+            <a:r>
+              <a:rPr lang="en-US" sz="1200" b="1" dirty="0">
+                <a:solidFill>
+                  <a:schemeClr val="tx1"/>
+                </a:solidFill>
+              </a:rPr>
+              <a:t>, </a:t>
+            </a:r>
+            <a:r>
+              <a:rPr lang="en-US" sz="1200" b="1" dirty="0" err="1">
+                <a:solidFill>
+                  <a:schemeClr val="tx1"/>
+                </a:solidFill>
+              </a:rPr>
+              <a:t>lname</a:t>
+            </a:r>
+            <a:r>
+              <a:rPr lang="en-US" sz="1200" b="1" dirty="0">
+                <a:solidFill>
+                  <a:schemeClr val="tx1"/>
+                </a:solidFill>
+              </a:rPr>
+              <a:t>)</a:t>
+            </a:r>
+            <a:endParaRPr lang="en-US" sz="1200" b="1" dirty="0" smtClean="0">
+              <a:solidFill>
+                <a:schemeClr val="tx1"/>
+              </a:solidFill>
+              <a:latin typeface="+mj-lt"/>
+            </a:endParaRPr>
+          </a:p>
+          <a:p>
+            <a:endParaRPr lang="en-US" sz="1200" b="1" dirty="0" smtClean="0">
+              <a:solidFill>
+                <a:schemeClr val="tx1"/>
+              </a:solidFill>
+              <a:latin typeface="+mj-lt"/>
+            </a:endParaRPr>
+          </a:p>
+          <a:p>
+            <a:r>
+              <a:rPr lang="en-US" sz="1200" b="1" dirty="0">
+                <a:solidFill>
+                  <a:schemeClr val="tx1"/>
+                </a:solidFill>
+                <a:latin typeface="+mj-lt"/>
+              </a:rPr>
+              <a:t>x = Student("Mike", "Olsen")</a:t>
+            </a:r>
+            <a:br>
+              <a:rPr lang="en-US" sz="1200" b="1" dirty="0">
+                <a:solidFill>
+                  <a:schemeClr val="tx1"/>
+                </a:solidFill>
+                <a:latin typeface="+mj-lt"/>
+              </a:rPr>
+            </a:br>
+            <a:r>
+              <a:rPr lang="en-US" sz="1200" b="1" dirty="0" err="1">
+                <a:solidFill>
+                  <a:schemeClr val="tx1"/>
+                </a:solidFill>
+                <a:latin typeface="+mj-lt"/>
+              </a:rPr>
+              <a:t>x.printname</a:t>
+            </a:r>
+            <a:r>
+              <a:rPr lang="en-US" sz="1200" b="1" dirty="0" smtClean="0">
+                <a:solidFill>
+                  <a:schemeClr val="tx1"/>
+                </a:solidFill>
+                <a:latin typeface="+mj-lt"/>
+              </a:rPr>
+              <a:t>()</a:t>
+            </a:r>
+          </a:p>
+          <a:p>
+            <a:endParaRPr lang="en-US" sz="1200" b="1" dirty="0" smtClean="0">
+              <a:solidFill>
+                <a:schemeClr val="tx1"/>
+              </a:solidFill>
+              <a:latin typeface="+mj-lt"/>
+            </a:endParaRPr>
+          </a:p>
+          <a:p>
+            <a:pPr lvl="0" eaLnBrk="0" fontAlgn="base" hangingPunct="0">
+              <a:spcBef>
+                <a:spcPct val="0"/>
+              </a:spcBef>
+              <a:spcAft>
+                <a:spcPct val="0"/>
+              </a:spcAft>
+              <a:buClrTx/>
+            </a:pPr>
+            <a:r>
+              <a:rPr lang="en-US" altLang="en-US" sz="1200" dirty="0">
+                <a:latin typeface="+mj-lt"/>
+                <a:cs typeface="Segoe UI" panose="020B0502040204020203" pitchFamily="34" charset="0"/>
+              </a:rPr>
+              <a:t>Use the super() Function</a:t>
+            </a:r>
+          </a:p>
+          <a:p>
+            <a:pPr lvl="0" eaLnBrk="0" fontAlgn="base" hangingPunct="0">
+              <a:spcBef>
+                <a:spcPct val="0"/>
+              </a:spcBef>
+              <a:spcAft>
+                <a:spcPct val="0"/>
+              </a:spcAft>
+              <a:buClrTx/>
+            </a:pPr>
+            <a:r>
+              <a:rPr lang="en-US" altLang="en-US" sz="1200" dirty="0">
+                <a:latin typeface="+mj-lt"/>
+              </a:rPr>
+              <a:t>Python also has a </a:t>
+            </a:r>
+            <a:r>
+              <a:rPr lang="en-US" altLang="en-US" sz="1200" dirty="0">
+                <a:solidFill>
+                  <a:srgbClr val="DC143C"/>
+                </a:solidFill>
+                <a:latin typeface="+mj-lt"/>
+              </a:rPr>
+              <a:t>super()</a:t>
+            </a:r>
+            <a:r>
+              <a:rPr lang="en-US" altLang="en-US" sz="1200" dirty="0">
+                <a:latin typeface="+mj-lt"/>
+              </a:rPr>
+              <a:t> function that will make the child class inherit all the methods and properties from its parent:</a:t>
+            </a:r>
+            <a:endParaRPr lang="en-US" altLang="en-US" sz="1200" dirty="0">
+              <a:solidFill>
+                <a:schemeClr val="tx1"/>
+              </a:solidFill>
+              <a:latin typeface="+mj-lt"/>
+            </a:endParaRPr>
+          </a:p>
+          <a:p>
+            <a:endParaRPr lang="en-US" sz="1200" b="1" dirty="0">
+              <a:solidFill>
+                <a:schemeClr val="tx1"/>
+              </a:solidFill>
+              <a:latin typeface="+mj-lt"/>
+            </a:endParaRPr>
+          </a:p>
+          <a:p>
+            <a:r>
+              <a:rPr lang="en-US" sz="1200" b="1" dirty="0">
+                <a:solidFill>
+                  <a:schemeClr val="tx1"/>
+                </a:solidFill>
+              </a:rPr>
+              <a:t>class Student(Person):</a:t>
+            </a:r>
+            <a:br>
+              <a:rPr lang="en-US" sz="1200" b="1" dirty="0">
+                <a:solidFill>
+                  <a:schemeClr val="tx1"/>
+                </a:solidFill>
+              </a:rPr>
+            </a:br>
+            <a:r>
+              <a:rPr lang="en-US" sz="1200" b="1" dirty="0">
+                <a:solidFill>
+                  <a:schemeClr val="tx1"/>
+                </a:solidFill>
+              </a:rPr>
+              <a:t>  </a:t>
+            </a:r>
+            <a:r>
+              <a:rPr lang="en-US" sz="1200" b="1" dirty="0" err="1">
+                <a:solidFill>
+                  <a:schemeClr val="tx1"/>
+                </a:solidFill>
+              </a:rPr>
+              <a:t>def</a:t>
+            </a:r>
+            <a:r>
+              <a:rPr lang="en-US" sz="1200" b="1" dirty="0">
+                <a:solidFill>
+                  <a:schemeClr val="tx1"/>
+                </a:solidFill>
+              </a:rPr>
+              <a:t> __</a:t>
+            </a:r>
+            <a:r>
+              <a:rPr lang="en-US" sz="1200" b="1" dirty="0" err="1">
+                <a:solidFill>
+                  <a:schemeClr val="tx1"/>
+                </a:solidFill>
+              </a:rPr>
+              <a:t>init</a:t>
+            </a:r>
+            <a:r>
+              <a:rPr lang="en-US" sz="1200" b="1" dirty="0">
+                <a:solidFill>
+                  <a:schemeClr val="tx1"/>
+                </a:solidFill>
+              </a:rPr>
+              <a:t>__(self, </a:t>
+            </a:r>
+            <a:r>
+              <a:rPr lang="en-US" sz="1200" b="1" dirty="0" err="1">
+                <a:solidFill>
+                  <a:schemeClr val="tx1"/>
+                </a:solidFill>
+              </a:rPr>
+              <a:t>fname</a:t>
+            </a:r>
+            <a:r>
+              <a:rPr lang="en-US" sz="1200" b="1" dirty="0">
+                <a:solidFill>
+                  <a:schemeClr val="tx1"/>
+                </a:solidFill>
+              </a:rPr>
+              <a:t>, </a:t>
+            </a:r>
+            <a:r>
+              <a:rPr lang="en-US" sz="1200" b="1" dirty="0" err="1">
+                <a:solidFill>
+                  <a:schemeClr val="tx1"/>
+                </a:solidFill>
+              </a:rPr>
+              <a:t>lname</a:t>
+            </a:r>
+            <a:r>
+              <a:rPr lang="en-US" sz="1200" b="1" dirty="0">
+                <a:solidFill>
+                  <a:schemeClr val="tx1"/>
+                </a:solidFill>
+              </a:rPr>
+              <a:t>):</a:t>
+            </a:r>
+            <a:br>
+              <a:rPr lang="en-US" sz="1200" b="1" dirty="0">
+                <a:solidFill>
+                  <a:schemeClr val="tx1"/>
+                </a:solidFill>
+              </a:rPr>
+            </a:br>
+            <a:r>
+              <a:rPr lang="en-US" sz="1200" b="1" dirty="0">
+                <a:solidFill>
+                  <a:schemeClr val="tx1"/>
+                </a:solidFill>
+              </a:rPr>
+              <a:t>    super().__</a:t>
+            </a:r>
+            <a:r>
+              <a:rPr lang="en-US" sz="1200" b="1" dirty="0" err="1">
+                <a:solidFill>
+                  <a:schemeClr val="tx1"/>
+                </a:solidFill>
+              </a:rPr>
+              <a:t>init</a:t>
+            </a:r>
+            <a:r>
+              <a:rPr lang="en-US" sz="1200" b="1" dirty="0">
+                <a:solidFill>
+                  <a:schemeClr val="tx1"/>
+                </a:solidFill>
+              </a:rPr>
+              <a:t>__(</a:t>
+            </a:r>
+            <a:r>
+              <a:rPr lang="en-US" sz="1200" b="1" dirty="0" err="1">
+                <a:solidFill>
+                  <a:schemeClr val="tx1"/>
+                </a:solidFill>
+              </a:rPr>
+              <a:t>fname</a:t>
+            </a:r>
+            <a:r>
+              <a:rPr lang="en-US" sz="1200" b="1" dirty="0">
+                <a:solidFill>
+                  <a:schemeClr val="tx1"/>
+                </a:solidFill>
+              </a:rPr>
+              <a:t>, </a:t>
+            </a:r>
+            <a:r>
+              <a:rPr lang="en-US" sz="1200" b="1" dirty="0" err="1">
+                <a:solidFill>
+                  <a:schemeClr val="tx1"/>
+                </a:solidFill>
+              </a:rPr>
+              <a:t>lname</a:t>
+            </a:r>
+            <a:r>
+              <a:rPr lang="en-US" sz="1200" b="1" dirty="0" smtClean="0">
+                <a:solidFill>
+                  <a:schemeClr val="tx1"/>
+                </a:solidFill>
+              </a:rPr>
+              <a:t>)</a:t>
+            </a:r>
+            <a:endParaRPr lang="en-US" dirty="0"/>
+          </a:p>
+        </p:txBody>
+      </p:sp>
+    </p:spTree>
+    <p:extLst>
+      <p:ext uri="{BB962C8B-B14F-4D97-AF65-F5344CB8AC3E}">
+        <p14:creationId xmlns:p14="http://schemas.microsoft.com/office/powerpoint/2010/main" val="1743472784"/>
+      </p:ext>
+    </p:extLst>
+  </p:cSld>
+  <p:clrMapOvr>
+    <a:masterClrMapping/>
+  </p:clrMapOvr>
+  <p:timing>
+    <p:tnLst>
+      <p:par>
+        <p:cTn id="1" dur="indefinite" restart="never" nodeType="tmRoot"/>
+      </p:par>
+    </p:tnLst>
+  </p:timing>
+</p:sld>
+</file>
+
+<file path=ppt/slides/slide24.xml><?xml version="1.0" encoding="utf-8"?>
+<p:sld xmlns:a="http://schemas.openxmlformats.org/drawingml/2006/main" xmlns:r="http://schemas.openxmlformats.org/officeDocument/2006/relationships" xmlns:p="http://schemas.openxmlformats.org/presentationml/2006/main">
+  <p:cSld>
+    <p:spTree>
+      <p:nvGrpSpPr>
+        <p:cNvPr id="1" name="Shape 102"/>
+        <p:cNvGrpSpPr/>
+        <p:nvPr/>
+      </p:nvGrpSpPr>
+      <p:grpSpPr>
+        <a:xfrm>
+          <a:off x="0" y="0"/>
+          <a:ext cx="0" cy="0"/>
+          <a:chOff x="0" y="0"/>
+          <a:chExt cx="0" cy="0"/>
+        </a:xfrm>
+      </p:grpSpPr>
+      <p:sp>
+        <p:nvSpPr>
+          <p:cNvPr id="103" name="Google Shape;103;p16"/>
+          <p:cNvSpPr txBox="1">
+            <a:spLocks noGrp="1"/>
+          </p:cNvSpPr>
+          <p:nvPr>
+            <p:ph type="title"/>
+          </p:nvPr>
+        </p:nvSpPr>
+        <p:spPr>
+          <a:xfrm>
+            <a:off x="0" y="-86404"/>
+            <a:ext cx="9144000" cy="523232"/>
+          </a:xfrm>
+          <a:prstGeom prst="rect">
+            <a:avLst/>
+          </a:prstGeom>
+        </p:spPr>
+        <p:txBody>
+          <a:bodyPr spcFirstLastPara="1" wrap="square" lIns="91425" tIns="91425" rIns="91425" bIns="91425" anchor="t" anchorCtr="0">
+            <a:noAutofit/>
+          </a:bodyPr>
+          <a:lstStyle/>
+          <a:p>
+            <a:pPr algn="ctr"/>
+            <a:r>
+              <a:rPr lang="en-US" sz="2600" b="1" dirty="0">
+                <a:latin typeface="+mj-lt"/>
+              </a:rPr>
+              <a:t>Python Inheritance</a:t>
+            </a:r>
+          </a:p>
+        </p:txBody>
+      </p:sp>
+      <p:sp>
+        <p:nvSpPr>
+          <p:cNvPr id="104" name="Google Shape;104;p16"/>
+          <p:cNvSpPr txBox="1"/>
+          <p:nvPr/>
+        </p:nvSpPr>
+        <p:spPr>
+          <a:xfrm>
+            <a:off x="152401" y="381410"/>
+            <a:ext cx="8500800" cy="4616618"/>
+          </a:xfrm>
+          <a:prstGeom prst="rect">
+            <a:avLst/>
+          </a:prstGeom>
+          <a:noFill/>
+          <a:ln>
+            <a:noFill/>
+          </a:ln>
+        </p:spPr>
+        <p:txBody>
+          <a:bodyPr spcFirstLastPara="1" wrap="square" lIns="91425" tIns="91425" rIns="91425" bIns="91425" anchor="t" anchorCtr="0">
+            <a:spAutoFit/>
+          </a:bodyPr>
+          <a:lstStyle/>
+          <a:p>
+            <a:pPr lvl="0" eaLnBrk="0" fontAlgn="base" hangingPunct="0">
+              <a:spcBef>
+                <a:spcPct val="0"/>
+              </a:spcBef>
+              <a:spcAft>
+                <a:spcPct val="0"/>
+              </a:spcAft>
+              <a:buClrTx/>
+            </a:pPr>
+            <a:r>
+              <a:rPr lang="en-US" altLang="en-US" sz="1200" b="1" u="sng" dirty="0" smtClean="0">
+                <a:latin typeface="+mj-lt"/>
+                <a:cs typeface="Segoe UI" panose="020B0502040204020203" pitchFamily="34" charset="0"/>
+              </a:rPr>
+              <a:t>Use </a:t>
+            </a:r>
+            <a:r>
+              <a:rPr lang="en-US" altLang="en-US" sz="1200" b="1" u="sng" dirty="0">
+                <a:latin typeface="+mj-lt"/>
+                <a:cs typeface="Segoe UI" panose="020B0502040204020203" pitchFamily="34" charset="0"/>
+              </a:rPr>
+              <a:t>the super() Function</a:t>
+            </a:r>
+          </a:p>
+          <a:p>
+            <a:pPr lvl="0" eaLnBrk="0" fontAlgn="base" hangingPunct="0">
+              <a:spcBef>
+                <a:spcPct val="0"/>
+              </a:spcBef>
+              <a:spcAft>
+                <a:spcPct val="0"/>
+              </a:spcAft>
+              <a:buClrTx/>
+            </a:pPr>
+            <a:r>
+              <a:rPr lang="en-US" altLang="en-US" sz="1200" dirty="0">
+                <a:latin typeface="+mj-lt"/>
+              </a:rPr>
+              <a:t>Python also has a </a:t>
+            </a:r>
+            <a:r>
+              <a:rPr lang="en-US" altLang="en-US" sz="1200" dirty="0">
+                <a:solidFill>
+                  <a:srgbClr val="DC143C"/>
+                </a:solidFill>
+                <a:latin typeface="+mj-lt"/>
+              </a:rPr>
+              <a:t>super()</a:t>
+            </a:r>
+            <a:r>
+              <a:rPr lang="en-US" altLang="en-US" sz="1200" dirty="0">
+                <a:latin typeface="+mj-lt"/>
+              </a:rPr>
+              <a:t> function that will make the child class inherit all the methods and properties from its parent:</a:t>
+            </a:r>
+            <a:endParaRPr lang="en-US" altLang="en-US" sz="1200" dirty="0">
+              <a:solidFill>
+                <a:schemeClr val="tx1"/>
+              </a:solidFill>
+              <a:latin typeface="+mj-lt"/>
+            </a:endParaRPr>
+          </a:p>
+          <a:p>
+            <a:endParaRPr lang="en-US" sz="1200" b="1" dirty="0">
+              <a:solidFill>
+                <a:schemeClr val="tx1"/>
+              </a:solidFill>
+              <a:latin typeface="+mj-lt"/>
+            </a:endParaRPr>
+          </a:p>
+          <a:p>
+            <a:r>
+              <a:rPr lang="en-US" sz="1200" b="1" dirty="0">
+                <a:solidFill>
+                  <a:schemeClr val="tx1"/>
+                </a:solidFill>
+                <a:latin typeface="+mj-lt"/>
+              </a:rPr>
+              <a:t>class Student(Person):</a:t>
+            </a:r>
+            <a:br>
+              <a:rPr lang="en-US" sz="1200" b="1" dirty="0">
+                <a:solidFill>
+                  <a:schemeClr val="tx1"/>
+                </a:solidFill>
+                <a:latin typeface="+mj-lt"/>
+              </a:rPr>
+            </a:br>
+            <a:r>
+              <a:rPr lang="en-US" sz="1200" b="1" dirty="0">
+                <a:solidFill>
+                  <a:schemeClr val="tx1"/>
+                </a:solidFill>
+                <a:latin typeface="+mj-lt"/>
+              </a:rPr>
+              <a:t>  </a:t>
+            </a:r>
+            <a:r>
+              <a:rPr lang="en-US" sz="1200" b="1" dirty="0" err="1">
+                <a:solidFill>
+                  <a:schemeClr val="tx1"/>
+                </a:solidFill>
+                <a:latin typeface="+mj-lt"/>
+              </a:rPr>
+              <a:t>def</a:t>
+            </a:r>
+            <a:r>
+              <a:rPr lang="en-US" sz="1200" b="1" dirty="0">
+                <a:solidFill>
+                  <a:schemeClr val="tx1"/>
+                </a:solidFill>
+                <a:latin typeface="+mj-lt"/>
+              </a:rPr>
+              <a:t> __</a:t>
+            </a:r>
+            <a:r>
+              <a:rPr lang="en-US" sz="1200" b="1" dirty="0" err="1">
+                <a:solidFill>
+                  <a:schemeClr val="tx1"/>
+                </a:solidFill>
+                <a:latin typeface="+mj-lt"/>
+              </a:rPr>
+              <a:t>init</a:t>
+            </a:r>
+            <a:r>
+              <a:rPr lang="en-US" sz="1200" b="1" dirty="0">
+                <a:solidFill>
+                  <a:schemeClr val="tx1"/>
+                </a:solidFill>
+                <a:latin typeface="+mj-lt"/>
+              </a:rPr>
+              <a:t>__(self, </a:t>
+            </a:r>
+            <a:r>
+              <a:rPr lang="en-US" sz="1200" b="1" dirty="0" err="1">
+                <a:solidFill>
+                  <a:schemeClr val="tx1"/>
+                </a:solidFill>
+                <a:latin typeface="+mj-lt"/>
+              </a:rPr>
+              <a:t>fname</a:t>
+            </a:r>
+            <a:r>
+              <a:rPr lang="en-US" sz="1200" b="1" dirty="0">
+                <a:solidFill>
+                  <a:schemeClr val="tx1"/>
+                </a:solidFill>
+                <a:latin typeface="+mj-lt"/>
+              </a:rPr>
+              <a:t>, </a:t>
+            </a:r>
+            <a:r>
+              <a:rPr lang="en-US" sz="1200" b="1" dirty="0" err="1">
+                <a:solidFill>
+                  <a:schemeClr val="tx1"/>
+                </a:solidFill>
+                <a:latin typeface="+mj-lt"/>
+              </a:rPr>
+              <a:t>lname</a:t>
+            </a:r>
+            <a:r>
+              <a:rPr lang="en-US" sz="1200" b="1" dirty="0">
+                <a:solidFill>
+                  <a:schemeClr val="tx1"/>
+                </a:solidFill>
+                <a:latin typeface="+mj-lt"/>
+              </a:rPr>
+              <a:t>):</a:t>
+            </a:r>
+            <a:br>
+              <a:rPr lang="en-US" sz="1200" b="1" dirty="0">
+                <a:solidFill>
+                  <a:schemeClr val="tx1"/>
+                </a:solidFill>
+                <a:latin typeface="+mj-lt"/>
+              </a:rPr>
+            </a:br>
+            <a:r>
+              <a:rPr lang="en-US" sz="1200" b="1" dirty="0">
+                <a:solidFill>
+                  <a:schemeClr val="tx1"/>
+                </a:solidFill>
+                <a:latin typeface="+mj-lt"/>
+              </a:rPr>
+              <a:t>    super().__</a:t>
+            </a:r>
+            <a:r>
+              <a:rPr lang="en-US" sz="1200" b="1" dirty="0" err="1">
+                <a:solidFill>
+                  <a:schemeClr val="tx1"/>
+                </a:solidFill>
+                <a:latin typeface="+mj-lt"/>
+              </a:rPr>
+              <a:t>init</a:t>
+            </a:r>
+            <a:r>
+              <a:rPr lang="en-US" sz="1200" b="1" dirty="0">
+                <a:solidFill>
+                  <a:schemeClr val="tx1"/>
+                </a:solidFill>
+                <a:latin typeface="+mj-lt"/>
+              </a:rPr>
+              <a:t>__(</a:t>
+            </a:r>
+            <a:r>
+              <a:rPr lang="en-US" sz="1200" b="1" dirty="0" err="1">
+                <a:solidFill>
+                  <a:schemeClr val="tx1"/>
+                </a:solidFill>
+                <a:latin typeface="+mj-lt"/>
+              </a:rPr>
+              <a:t>fname</a:t>
+            </a:r>
+            <a:r>
+              <a:rPr lang="en-US" sz="1200" b="1" dirty="0">
+                <a:solidFill>
+                  <a:schemeClr val="tx1"/>
+                </a:solidFill>
+                <a:latin typeface="+mj-lt"/>
+              </a:rPr>
+              <a:t>, </a:t>
+            </a:r>
+            <a:r>
+              <a:rPr lang="en-US" sz="1200" b="1" dirty="0" err="1">
+                <a:solidFill>
+                  <a:schemeClr val="tx1"/>
+                </a:solidFill>
+                <a:latin typeface="+mj-lt"/>
+              </a:rPr>
+              <a:t>lname</a:t>
+            </a:r>
+            <a:r>
+              <a:rPr lang="en-US" sz="1200" b="1" dirty="0" smtClean="0">
+                <a:solidFill>
+                  <a:schemeClr val="tx1"/>
+                </a:solidFill>
+                <a:latin typeface="+mj-lt"/>
+              </a:rPr>
+              <a:t>)</a:t>
+            </a:r>
+          </a:p>
+          <a:p>
+            <a:endParaRPr lang="en-US" sz="1200" b="1" dirty="0">
+              <a:solidFill>
+                <a:schemeClr val="tx1"/>
+              </a:solidFill>
+              <a:latin typeface="+mj-lt"/>
+            </a:endParaRPr>
+          </a:p>
+          <a:p>
+            <a:r>
+              <a:rPr lang="en-US" sz="1200" b="1" u="sng" dirty="0">
+                <a:latin typeface="+mj-lt"/>
+              </a:rPr>
+              <a:t>Add </a:t>
+            </a:r>
+            <a:r>
+              <a:rPr lang="en-US" sz="1200" b="1" u="sng" dirty="0" smtClean="0">
+                <a:latin typeface="+mj-lt"/>
+              </a:rPr>
+              <a:t>Properties</a:t>
+            </a:r>
+          </a:p>
+          <a:p>
+            <a:r>
+              <a:rPr lang="en-US" altLang="en-US" sz="1200" dirty="0">
+                <a:latin typeface="+mj-lt"/>
+              </a:rPr>
+              <a:t>Add a property called </a:t>
+            </a:r>
+            <a:r>
+              <a:rPr lang="en-US" altLang="en-US" sz="1200" dirty="0" err="1">
+                <a:solidFill>
+                  <a:srgbClr val="DC143C"/>
+                </a:solidFill>
+                <a:latin typeface="+mj-lt"/>
+              </a:rPr>
+              <a:t>graduationyear</a:t>
+            </a:r>
+            <a:r>
+              <a:rPr lang="en-US" altLang="en-US" sz="1200" dirty="0">
+                <a:latin typeface="+mj-lt"/>
+              </a:rPr>
+              <a:t> to the </a:t>
+            </a:r>
+            <a:r>
+              <a:rPr lang="en-US" altLang="en-US" sz="1200" dirty="0">
+                <a:solidFill>
+                  <a:srgbClr val="DC143C"/>
+                </a:solidFill>
+                <a:latin typeface="+mj-lt"/>
+              </a:rPr>
+              <a:t>Student</a:t>
+            </a:r>
+            <a:r>
+              <a:rPr lang="en-US" altLang="en-US" sz="1200" dirty="0">
+                <a:latin typeface="+mj-lt"/>
+              </a:rPr>
+              <a:t> class:</a:t>
+            </a:r>
+            <a:r>
+              <a:rPr lang="en-US" altLang="en-US" sz="1200" dirty="0">
+                <a:solidFill>
+                  <a:schemeClr val="tx1"/>
+                </a:solidFill>
+                <a:latin typeface="+mj-lt"/>
+              </a:rPr>
+              <a:t> </a:t>
+            </a:r>
+          </a:p>
+          <a:p>
+            <a:endParaRPr lang="en-US" sz="1200" dirty="0">
+              <a:latin typeface="+mj-lt"/>
+            </a:endParaRPr>
+          </a:p>
+          <a:p>
+            <a:r>
+              <a:rPr lang="en-US" sz="1200" b="1" dirty="0">
+                <a:solidFill>
+                  <a:schemeClr val="tx1"/>
+                </a:solidFill>
+                <a:latin typeface="+mj-lt"/>
+              </a:rPr>
+              <a:t>class Student(Person):</a:t>
+            </a:r>
+            <a:br>
+              <a:rPr lang="en-US" sz="1200" b="1" dirty="0">
+                <a:solidFill>
+                  <a:schemeClr val="tx1"/>
+                </a:solidFill>
+                <a:latin typeface="+mj-lt"/>
+              </a:rPr>
+            </a:br>
+            <a:r>
+              <a:rPr lang="en-US" sz="1200" b="1" dirty="0">
+                <a:solidFill>
+                  <a:schemeClr val="tx1"/>
+                </a:solidFill>
+                <a:latin typeface="+mj-lt"/>
+              </a:rPr>
+              <a:t>  </a:t>
+            </a:r>
+            <a:r>
+              <a:rPr lang="en-US" sz="1200" b="1" dirty="0" err="1">
+                <a:solidFill>
+                  <a:schemeClr val="tx1"/>
+                </a:solidFill>
+                <a:latin typeface="+mj-lt"/>
+              </a:rPr>
+              <a:t>def</a:t>
+            </a:r>
+            <a:r>
+              <a:rPr lang="en-US" sz="1200" b="1" dirty="0">
+                <a:solidFill>
+                  <a:schemeClr val="tx1"/>
+                </a:solidFill>
+                <a:latin typeface="+mj-lt"/>
+              </a:rPr>
+              <a:t> __</a:t>
+            </a:r>
+            <a:r>
+              <a:rPr lang="en-US" sz="1200" b="1" dirty="0" err="1">
+                <a:solidFill>
+                  <a:schemeClr val="tx1"/>
+                </a:solidFill>
+                <a:latin typeface="+mj-lt"/>
+              </a:rPr>
+              <a:t>init</a:t>
+            </a:r>
+            <a:r>
+              <a:rPr lang="en-US" sz="1200" b="1" dirty="0">
+                <a:solidFill>
+                  <a:schemeClr val="tx1"/>
+                </a:solidFill>
+                <a:latin typeface="+mj-lt"/>
+              </a:rPr>
+              <a:t>__(self, </a:t>
+            </a:r>
+            <a:r>
+              <a:rPr lang="en-US" sz="1200" b="1" dirty="0" err="1">
+                <a:solidFill>
+                  <a:schemeClr val="tx1"/>
+                </a:solidFill>
+                <a:latin typeface="+mj-lt"/>
+              </a:rPr>
+              <a:t>fname</a:t>
+            </a:r>
+            <a:r>
+              <a:rPr lang="en-US" sz="1200" b="1" dirty="0">
+                <a:solidFill>
+                  <a:schemeClr val="tx1"/>
+                </a:solidFill>
+                <a:latin typeface="+mj-lt"/>
+              </a:rPr>
+              <a:t>, </a:t>
+            </a:r>
+            <a:r>
+              <a:rPr lang="en-US" sz="1200" b="1" dirty="0" err="1">
+                <a:solidFill>
+                  <a:schemeClr val="tx1"/>
+                </a:solidFill>
+                <a:latin typeface="+mj-lt"/>
+              </a:rPr>
+              <a:t>lname</a:t>
+            </a:r>
+            <a:r>
+              <a:rPr lang="en-US" sz="1200" b="1" dirty="0">
+                <a:solidFill>
+                  <a:schemeClr val="tx1"/>
+                </a:solidFill>
+                <a:latin typeface="+mj-lt"/>
+              </a:rPr>
+              <a:t>):</a:t>
+            </a:r>
+            <a:br>
+              <a:rPr lang="en-US" sz="1200" b="1" dirty="0">
+                <a:solidFill>
+                  <a:schemeClr val="tx1"/>
+                </a:solidFill>
+                <a:latin typeface="+mj-lt"/>
+              </a:rPr>
+            </a:br>
+            <a:r>
+              <a:rPr lang="en-US" sz="1200" b="1" dirty="0">
+                <a:solidFill>
+                  <a:schemeClr val="tx1"/>
+                </a:solidFill>
+                <a:latin typeface="+mj-lt"/>
+              </a:rPr>
+              <a:t>    super().__</a:t>
+            </a:r>
+            <a:r>
+              <a:rPr lang="en-US" sz="1200" b="1" dirty="0" err="1">
+                <a:solidFill>
+                  <a:schemeClr val="tx1"/>
+                </a:solidFill>
+                <a:latin typeface="+mj-lt"/>
+              </a:rPr>
+              <a:t>init</a:t>
+            </a:r>
+            <a:r>
+              <a:rPr lang="en-US" sz="1200" b="1" dirty="0">
+                <a:solidFill>
+                  <a:schemeClr val="tx1"/>
+                </a:solidFill>
+                <a:latin typeface="+mj-lt"/>
+              </a:rPr>
+              <a:t>__(</a:t>
+            </a:r>
+            <a:r>
+              <a:rPr lang="en-US" sz="1200" b="1" dirty="0" err="1">
+                <a:solidFill>
+                  <a:schemeClr val="tx1"/>
+                </a:solidFill>
+                <a:latin typeface="+mj-lt"/>
+              </a:rPr>
+              <a:t>fname</a:t>
+            </a:r>
+            <a:r>
+              <a:rPr lang="en-US" sz="1200" b="1" dirty="0">
+                <a:solidFill>
+                  <a:schemeClr val="tx1"/>
+                </a:solidFill>
+                <a:latin typeface="+mj-lt"/>
+              </a:rPr>
+              <a:t>, </a:t>
+            </a:r>
+            <a:r>
+              <a:rPr lang="en-US" sz="1200" b="1" dirty="0" err="1">
+                <a:solidFill>
+                  <a:schemeClr val="tx1"/>
+                </a:solidFill>
+                <a:latin typeface="+mj-lt"/>
+              </a:rPr>
+              <a:t>lname</a:t>
+            </a:r>
+            <a:r>
+              <a:rPr lang="en-US" sz="1200" b="1" dirty="0">
+                <a:solidFill>
+                  <a:schemeClr val="tx1"/>
+                </a:solidFill>
+                <a:latin typeface="+mj-lt"/>
+              </a:rPr>
+              <a:t>)</a:t>
+            </a:r>
+            <a:br>
+              <a:rPr lang="en-US" sz="1200" b="1" dirty="0">
+                <a:solidFill>
+                  <a:schemeClr val="tx1"/>
+                </a:solidFill>
+                <a:latin typeface="+mj-lt"/>
+              </a:rPr>
+            </a:br>
+            <a:r>
+              <a:rPr lang="en-US" sz="1200" b="1" dirty="0">
+                <a:solidFill>
+                  <a:schemeClr val="tx1"/>
+                </a:solidFill>
+                <a:latin typeface="+mj-lt"/>
+              </a:rPr>
+              <a:t>    </a:t>
+            </a:r>
+            <a:r>
+              <a:rPr lang="en-US" sz="1200" b="1" dirty="0" err="1">
+                <a:solidFill>
+                  <a:schemeClr val="tx1"/>
+                </a:solidFill>
+                <a:latin typeface="+mj-lt"/>
+              </a:rPr>
+              <a:t>self.graduationyear</a:t>
+            </a:r>
+            <a:r>
+              <a:rPr lang="en-US" sz="1200" b="1" dirty="0">
+                <a:solidFill>
+                  <a:schemeClr val="tx1"/>
+                </a:solidFill>
+                <a:latin typeface="+mj-lt"/>
+              </a:rPr>
+              <a:t> = </a:t>
+            </a:r>
+            <a:r>
+              <a:rPr lang="en-US" sz="1200" b="1" dirty="0" smtClean="0">
+                <a:solidFill>
+                  <a:schemeClr val="tx1"/>
+                </a:solidFill>
+                <a:latin typeface="+mj-lt"/>
+              </a:rPr>
+              <a:t>2019</a:t>
+            </a:r>
+          </a:p>
+          <a:p>
+            <a:endParaRPr lang="en-US" sz="1200" b="1" dirty="0">
+              <a:solidFill>
+                <a:schemeClr val="tx1"/>
+              </a:solidFill>
+              <a:latin typeface="+mj-lt"/>
+            </a:endParaRPr>
+          </a:p>
+          <a:p>
+            <a:r>
+              <a:rPr lang="en-US" sz="1200" b="1" u="sng" dirty="0"/>
+              <a:t>Add </a:t>
+            </a:r>
+            <a:r>
+              <a:rPr lang="en-US" sz="1200" b="1" u="sng" dirty="0" smtClean="0"/>
+              <a:t>Methods</a:t>
+            </a:r>
+          </a:p>
+          <a:p>
+            <a:r>
+              <a:rPr lang="en-US" altLang="en-US" sz="1200" dirty="0">
+                <a:latin typeface="Verdana" panose="020B0604030504040204" pitchFamily="34" charset="0"/>
+              </a:rPr>
+              <a:t>Add a method called </a:t>
+            </a:r>
+            <a:r>
+              <a:rPr lang="en-US" altLang="en-US" sz="1200" dirty="0">
+                <a:solidFill>
+                  <a:srgbClr val="DC143C"/>
+                </a:solidFill>
+                <a:latin typeface="Consolas" panose="020B0609020204030204" pitchFamily="49" charset="0"/>
+              </a:rPr>
+              <a:t>welcome</a:t>
+            </a:r>
+            <a:r>
+              <a:rPr lang="en-US" altLang="en-US" sz="1200" dirty="0">
+                <a:latin typeface="Verdana" panose="020B0604030504040204" pitchFamily="34" charset="0"/>
+              </a:rPr>
+              <a:t> to the </a:t>
+            </a:r>
+            <a:r>
+              <a:rPr lang="en-US" altLang="en-US" sz="1200" dirty="0">
+                <a:solidFill>
+                  <a:srgbClr val="DC143C"/>
+                </a:solidFill>
+                <a:latin typeface="Consolas" panose="020B0609020204030204" pitchFamily="49" charset="0"/>
+              </a:rPr>
+              <a:t>Student</a:t>
+            </a:r>
+            <a:r>
+              <a:rPr lang="en-US" altLang="en-US" sz="1200" dirty="0">
+                <a:latin typeface="Verdana" panose="020B0604030504040204" pitchFamily="34" charset="0"/>
+              </a:rPr>
+              <a:t> class:</a:t>
+            </a:r>
+            <a:endParaRPr lang="en-US" sz="1200" dirty="0"/>
+          </a:p>
+          <a:p>
+            <a:r>
+              <a:rPr lang="en-US" sz="1200" b="1" dirty="0">
+                <a:solidFill>
+                  <a:schemeClr val="tx1"/>
+                </a:solidFill>
+              </a:rPr>
+              <a:t>class Student(Person):</a:t>
+            </a:r>
+            <a:br>
+              <a:rPr lang="en-US" sz="1200" b="1" dirty="0">
+                <a:solidFill>
+                  <a:schemeClr val="tx1"/>
+                </a:solidFill>
+              </a:rPr>
+            </a:br>
+            <a:r>
+              <a:rPr lang="en-US" sz="1200" b="1" dirty="0">
+                <a:solidFill>
+                  <a:schemeClr val="tx1"/>
+                </a:solidFill>
+              </a:rPr>
+              <a:t>  </a:t>
+            </a:r>
+            <a:r>
+              <a:rPr lang="en-US" sz="1200" b="1" dirty="0" err="1">
+                <a:solidFill>
+                  <a:schemeClr val="tx1"/>
+                </a:solidFill>
+              </a:rPr>
+              <a:t>def</a:t>
+            </a:r>
+            <a:r>
+              <a:rPr lang="en-US" sz="1200" b="1" dirty="0">
+                <a:solidFill>
+                  <a:schemeClr val="tx1"/>
+                </a:solidFill>
+              </a:rPr>
+              <a:t> __</a:t>
+            </a:r>
+            <a:r>
+              <a:rPr lang="en-US" sz="1200" b="1" dirty="0" err="1">
+                <a:solidFill>
+                  <a:schemeClr val="tx1"/>
+                </a:solidFill>
+              </a:rPr>
+              <a:t>init</a:t>
+            </a:r>
+            <a:r>
+              <a:rPr lang="en-US" sz="1200" b="1" dirty="0">
+                <a:solidFill>
+                  <a:schemeClr val="tx1"/>
+                </a:solidFill>
+              </a:rPr>
+              <a:t>__(self, </a:t>
+            </a:r>
+            <a:r>
+              <a:rPr lang="en-US" sz="1200" b="1" dirty="0" err="1">
+                <a:solidFill>
+                  <a:schemeClr val="tx1"/>
+                </a:solidFill>
+              </a:rPr>
+              <a:t>fname</a:t>
+            </a:r>
+            <a:r>
+              <a:rPr lang="en-US" sz="1200" b="1" dirty="0">
+                <a:solidFill>
+                  <a:schemeClr val="tx1"/>
+                </a:solidFill>
+              </a:rPr>
+              <a:t>, </a:t>
+            </a:r>
+            <a:r>
+              <a:rPr lang="en-US" sz="1200" b="1" dirty="0" err="1">
+                <a:solidFill>
+                  <a:schemeClr val="tx1"/>
+                </a:solidFill>
+              </a:rPr>
+              <a:t>lname</a:t>
+            </a:r>
+            <a:r>
+              <a:rPr lang="en-US" sz="1200" b="1" dirty="0">
+                <a:solidFill>
+                  <a:schemeClr val="tx1"/>
+                </a:solidFill>
+              </a:rPr>
+              <a:t>, year):</a:t>
+            </a:r>
+            <a:br>
+              <a:rPr lang="en-US" sz="1200" b="1" dirty="0">
+                <a:solidFill>
+                  <a:schemeClr val="tx1"/>
+                </a:solidFill>
+              </a:rPr>
+            </a:br>
+            <a:r>
+              <a:rPr lang="en-US" sz="1200" b="1" dirty="0">
+                <a:solidFill>
+                  <a:schemeClr val="tx1"/>
+                </a:solidFill>
+              </a:rPr>
+              <a:t>    super().__</a:t>
+            </a:r>
+            <a:r>
+              <a:rPr lang="en-US" sz="1200" b="1" dirty="0" err="1">
+                <a:solidFill>
+                  <a:schemeClr val="tx1"/>
+                </a:solidFill>
+              </a:rPr>
+              <a:t>init</a:t>
+            </a:r>
+            <a:r>
+              <a:rPr lang="en-US" sz="1200" b="1" dirty="0">
+                <a:solidFill>
+                  <a:schemeClr val="tx1"/>
+                </a:solidFill>
+              </a:rPr>
+              <a:t>__(</a:t>
+            </a:r>
+            <a:r>
+              <a:rPr lang="en-US" sz="1200" b="1" dirty="0" err="1">
+                <a:solidFill>
+                  <a:schemeClr val="tx1"/>
+                </a:solidFill>
+              </a:rPr>
+              <a:t>fname</a:t>
+            </a:r>
+            <a:r>
+              <a:rPr lang="en-US" sz="1200" b="1" dirty="0">
+                <a:solidFill>
+                  <a:schemeClr val="tx1"/>
+                </a:solidFill>
+              </a:rPr>
+              <a:t>, </a:t>
+            </a:r>
+            <a:r>
+              <a:rPr lang="en-US" sz="1200" b="1" dirty="0" err="1">
+                <a:solidFill>
+                  <a:schemeClr val="tx1"/>
+                </a:solidFill>
+              </a:rPr>
+              <a:t>lname</a:t>
+            </a:r>
+            <a:r>
+              <a:rPr lang="en-US" sz="1200" b="1" dirty="0">
+                <a:solidFill>
+                  <a:schemeClr val="tx1"/>
+                </a:solidFill>
+              </a:rPr>
+              <a:t>)</a:t>
+            </a:r>
+            <a:br>
+              <a:rPr lang="en-US" sz="1200" b="1" dirty="0">
+                <a:solidFill>
+                  <a:schemeClr val="tx1"/>
+                </a:solidFill>
+              </a:rPr>
+            </a:br>
+            <a:r>
+              <a:rPr lang="en-US" sz="1200" b="1" dirty="0">
+                <a:solidFill>
+                  <a:schemeClr val="tx1"/>
+                </a:solidFill>
+              </a:rPr>
+              <a:t>    </a:t>
+            </a:r>
+            <a:r>
+              <a:rPr lang="en-US" sz="1200" b="1" dirty="0" err="1">
+                <a:solidFill>
+                  <a:schemeClr val="tx1"/>
+                </a:solidFill>
+              </a:rPr>
+              <a:t>self.graduationyear</a:t>
+            </a:r>
+            <a:r>
+              <a:rPr lang="en-US" sz="1200" b="1" dirty="0">
+                <a:solidFill>
+                  <a:schemeClr val="tx1"/>
+                </a:solidFill>
+              </a:rPr>
+              <a:t> = year</a:t>
+            </a:r>
+            <a:br>
+              <a:rPr lang="en-US" sz="1200" b="1" dirty="0">
+                <a:solidFill>
+                  <a:schemeClr val="tx1"/>
+                </a:solidFill>
+              </a:rPr>
+            </a:br>
+            <a:r>
+              <a:rPr lang="en-US" sz="1200" b="1" dirty="0">
+                <a:solidFill>
+                  <a:schemeClr val="tx1"/>
+                </a:solidFill>
+              </a:rPr>
+              <a:t/>
+            </a:r>
+            <a:br>
+              <a:rPr lang="en-US" sz="1200" b="1" dirty="0">
+                <a:solidFill>
+                  <a:schemeClr val="tx1"/>
+                </a:solidFill>
+              </a:rPr>
+            </a:br>
+            <a:r>
+              <a:rPr lang="en-US" sz="1200" b="1" dirty="0">
+                <a:solidFill>
+                  <a:schemeClr val="tx1"/>
+                </a:solidFill>
+              </a:rPr>
+              <a:t>  </a:t>
+            </a:r>
+            <a:r>
+              <a:rPr lang="en-US" sz="1200" b="1" dirty="0" err="1">
+                <a:solidFill>
+                  <a:schemeClr val="tx1"/>
+                </a:solidFill>
+              </a:rPr>
+              <a:t>def</a:t>
+            </a:r>
+            <a:r>
+              <a:rPr lang="en-US" sz="1200" b="1" dirty="0">
+                <a:solidFill>
+                  <a:schemeClr val="tx1"/>
+                </a:solidFill>
+              </a:rPr>
+              <a:t> welcome(self):</a:t>
+            </a:r>
+            <a:br>
+              <a:rPr lang="en-US" sz="1200" b="1" dirty="0">
+                <a:solidFill>
+                  <a:schemeClr val="tx1"/>
+                </a:solidFill>
+              </a:rPr>
+            </a:br>
+            <a:r>
+              <a:rPr lang="en-US" sz="1200" b="1" dirty="0">
+                <a:solidFill>
+                  <a:schemeClr val="tx1"/>
+                </a:solidFill>
+              </a:rPr>
+              <a:t>    print("Welcome", </a:t>
+            </a:r>
+            <a:r>
+              <a:rPr lang="en-US" sz="1200" b="1" dirty="0" err="1">
+                <a:solidFill>
+                  <a:schemeClr val="tx1"/>
+                </a:solidFill>
+              </a:rPr>
+              <a:t>self.firstname</a:t>
+            </a:r>
+            <a:r>
+              <a:rPr lang="en-US" sz="1200" b="1" dirty="0">
+                <a:solidFill>
+                  <a:schemeClr val="tx1"/>
+                </a:solidFill>
+              </a:rPr>
+              <a:t>, </a:t>
+            </a:r>
+            <a:r>
+              <a:rPr lang="en-US" sz="1200" b="1" dirty="0" err="1">
+                <a:solidFill>
+                  <a:schemeClr val="tx1"/>
+                </a:solidFill>
+              </a:rPr>
+              <a:t>self.lastname</a:t>
+            </a:r>
+            <a:r>
+              <a:rPr lang="en-US" sz="1200" b="1" dirty="0">
+                <a:solidFill>
+                  <a:schemeClr val="tx1"/>
+                </a:solidFill>
+              </a:rPr>
+              <a:t>, "to the class of", </a:t>
+            </a:r>
+            <a:r>
+              <a:rPr lang="en-US" sz="1200" b="1" dirty="0" err="1">
+                <a:solidFill>
+                  <a:schemeClr val="tx1"/>
+                </a:solidFill>
+              </a:rPr>
+              <a:t>self.graduationyear</a:t>
+            </a:r>
+            <a:r>
+              <a:rPr lang="en-US" sz="1200" b="1" dirty="0">
+                <a:solidFill>
+                  <a:schemeClr val="tx1"/>
+                </a:solidFill>
+              </a:rPr>
+              <a:t>)</a:t>
+            </a:r>
+            <a:endParaRPr lang="en-US" sz="1200" b="1" dirty="0">
+              <a:solidFill>
+                <a:schemeClr val="tx1"/>
+              </a:solidFill>
+              <a:latin typeface="+mj-lt"/>
+            </a:endParaRPr>
+          </a:p>
+        </p:txBody>
+      </p:sp>
+    </p:spTree>
+    <p:extLst>
+      <p:ext uri="{BB962C8B-B14F-4D97-AF65-F5344CB8AC3E}">
+        <p14:creationId xmlns:p14="http://schemas.microsoft.com/office/powerpoint/2010/main" val="4242869578"/>
+      </p:ext>
+    </p:extLst>
+  </p:cSld>
+  <p:clrMapOvr>
+    <a:masterClrMapping/>
+  </p:clrMapOvr>
+  <p:timing>
+    <p:tnLst>
+      <p:par>
+        <p:cTn id="1" dur="indefinite" restart="never" nodeType="tmRoot"/>
+      </p:par>
+    </p:tnLst>
+  </p:timing>
+</p:sld>
+</file>
+
+<file path=ppt/slides/slide25.xml><?xml version="1.0" encoding="utf-8"?>
+<p:sld xmlns:a="http://schemas.openxmlformats.org/drawingml/2006/main" xmlns:r="http://schemas.openxmlformats.org/officeDocument/2006/relationships" xmlns:p="http://schemas.openxmlformats.org/presentationml/2006/main">
+  <p:cSld>
+    <p:spTree>
+      <p:nvGrpSpPr>
+        <p:cNvPr id="1" name="Shape 102"/>
+        <p:cNvGrpSpPr/>
+        <p:nvPr/>
+      </p:nvGrpSpPr>
+      <p:grpSpPr>
+        <a:xfrm>
+          <a:off x="0" y="0"/>
+          <a:ext cx="0" cy="0"/>
+          <a:chOff x="0" y="0"/>
+          <a:chExt cx="0" cy="0"/>
+        </a:xfrm>
+      </p:grpSpPr>
+      <p:sp>
+        <p:nvSpPr>
+          <p:cNvPr id="103" name="Google Shape;103;p16"/>
+          <p:cNvSpPr txBox="1">
+            <a:spLocks noGrp="1"/>
+          </p:cNvSpPr>
+          <p:nvPr>
+            <p:ph type="title"/>
+          </p:nvPr>
+        </p:nvSpPr>
+        <p:spPr>
+          <a:xfrm>
+            <a:off x="0" y="3650"/>
+            <a:ext cx="9144000" cy="523232"/>
+          </a:xfrm>
+          <a:prstGeom prst="rect">
+            <a:avLst/>
+          </a:prstGeom>
+        </p:spPr>
+        <p:txBody>
+          <a:bodyPr spcFirstLastPara="1" wrap="square" lIns="91425" tIns="91425" rIns="91425" bIns="91425" anchor="t" anchorCtr="0">
+            <a:noAutofit/>
+          </a:bodyPr>
+          <a:lstStyle/>
+          <a:p>
+            <a:pPr algn="ctr" fontAlgn="base"/>
+            <a:r>
+              <a:rPr lang="en-US" sz="2400" b="1" dirty="0"/>
+              <a:t>Access Modifiers in Python : Public, Private and Protected</a:t>
+            </a:r>
+          </a:p>
+        </p:txBody>
+      </p:sp>
+      <p:sp>
+        <p:nvSpPr>
+          <p:cNvPr id="104" name="Google Shape;104;p16"/>
+          <p:cNvSpPr txBox="1"/>
+          <p:nvPr/>
+        </p:nvSpPr>
+        <p:spPr>
+          <a:xfrm>
+            <a:off x="321600" y="526882"/>
+            <a:ext cx="8500800" cy="4185731"/>
+          </a:xfrm>
+          <a:prstGeom prst="rect">
+            <a:avLst/>
+          </a:prstGeom>
+          <a:noFill/>
+          <a:ln>
+            <a:noFill/>
+          </a:ln>
+        </p:spPr>
+        <p:txBody>
+          <a:bodyPr spcFirstLastPara="1" wrap="square" lIns="91425" tIns="91425" rIns="91425" bIns="91425" anchor="t" anchorCtr="0">
+            <a:spAutoFit/>
+          </a:bodyPr>
+          <a:lstStyle/>
+          <a:p>
+            <a:pPr fontAlgn="base"/>
+            <a:r>
+              <a:rPr lang="en-US" sz="1000" dirty="0"/>
+              <a:t>A Class in Python has three types of access modifiers:</a:t>
+            </a:r>
+          </a:p>
+          <a:p>
+            <a:pPr marL="171450" indent="-171450" fontAlgn="base">
+              <a:buFont typeface="Arial" pitchFamily="34" charset="0"/>
+              <a:buChar char="•"/>
+            </a:pPr>
+            <a:r>
+              <a:rPr lang="en-US" sz="1000" b="1" dirty="0"/>
+              <a:t>Public Access Modifier</a:t>
+            </a:r>
+            <a:endParaRPr lang="en-US" sz="1000" dirty="0"/>
+          </a:p>
+          <a:p>
+            <a:pPr marL="171450" indent="-171450" fontAlgn="base">
+              <a:buFont typeface="Arial" pitchFamily="34" charset="0"/>
+              <a:buChar char="•"/>
+            </a:pPr>
+            <a:r>
+              <a:rPr lang="en-US" sz="1000" b="1" dirty="0"/>
+              <a:t>Protected Access Modifier</a:t>
+            </a:r>
+            <a:endParaRPr lang="en-US" sz="1000" dirty="0"/>
+          </a:p>
+          <a:p>
+            <a:pPr marL="171450" indent="-171450" fontAlgn="base">
+              <a:buFont typeface="Arial" pitchFamily="34" charset="0"/>
+              <a:buChar char="•"/>
+            </a:pPr>
+            <a:r>
+              <a:rPr lang="en-US" sz="1000" b="1" dirty="0"/>
+              <a:t>Private Access </a:t>
+            </a:r>
+            <a:r>
+              <a:rPr lang="en-US" sz="1000" b="1" dirty="0" smtClean="0"/>
+              <a:t>Modifier</a:t>
+            </a:r>
+          </a:p>
+          <a:p>
+            <a:pPr marL="171450" indent="-171450" fontAlgn="base">
+              <a:buFont typeface="Arial" pitchFamily="34" charset="0"/>
+              <a:buChar char="•"/>
+            </a:pPr>
+            <a:endParaRPr lang="en-US" sz="1000" b="1" dirty="0"/>
+          </a:p>
+          <a:p>
+            <a:pPr fontAlgn="base"/>
+            <a:r>
+              <a:rPr lang="en-US" sz="1000" b="1" u="sng" dirty="0"/>
+              <a:t>Public Access Modifier</a:t>
+            </a:r>
+            <a:r>
+              <a:rPr lang="en-US" sz="1000" b="1" u="sng" dirty="0" smtClean="0"/>
+              <a:t>:</a:t>
+            </a:r>
+          </a:p>
+          <a:p>
+            <a:pPr fontAlgn="base"/>
+            <a:r>
+              <a:rPr lang="en-US" sz="1000" dirty="0"/>
+              <a:t>The members of a class that are declared public are easily accessible from any part of the program. All data members and member functions of a class are public by default. </a:t>
+            </a:r>
+            <a:endParaRPr lang="en-US" sz="1000" dirty="0" smtClean="0"/>
+          </a:p>
+          <a:p>
+            <a:pPr fontAlgn="base"/>
+            <a:endParaRPr lang="en-US" sz="1000" b="1" u="sng" dirty="0"/>
+          </a:p>
+          <a:p>
+            <a:pPr fontAlgn="base"/>
+            <a:r>
+              <a:rPr lang="en-US" sz="1000" i="1" dirty="0"/>
+              <a:t># program to illustrate public access modifier in a </a:t>
+            </a:r>
+            <a:r>
+              <a:rPr lang="en-US" sz="1000" i="1" dirty="0" smtClean="0"/>
+              <a:t>class</a:t>
+            </a:r>
+          </a:p>
+          <a:p>
+            <a:pPr fontAlgn="base"/>
+            <a:r>
+              <a:rPr lang="en-US" sz="1000" b="1" dirty="0" smtClean="0">
+                <a:solidFill>
+                  <a:schemeClr val="tx1"/>
+                </a:solidFill>
+              </a:rPr>
+              <a:t> </a:t>
+            </a:r>
+            <a:r>
+              <a:rPr lang="en-US" sz="1000" b="1" dirty="0">
+                <a:solidFill>
+                  <a:schemeClr val="tx1"/>
+                </a:solidFill>
+              </a:rPr>
+              <a:t>class Geek: </a:t>
+            </a:r>
+            <a:endParaRPr lang="en-US" sz="1000" b="1" dirty="0" smtClean="0">
+              <a:solidFill>
+                <a:schemeClr val="tx1"/>
+              </a:solidFill>
+            </a:endParaRPr>
+          </a:p>
+          <a:p>
+            <a:pPr fontAlgn="base"/>
+            <a:r>
+              <a:rPr lang="en-US" sz="1000" b="1" i="1" dirty="0" smtClean="0">
+                <a:solidFill>
+                  <a:schemeClr val="tx1"/>
+                </a:solidFill>
+              </a:rPr>
+              <a:t># constructor</a:t>
+            </a:r>
+            <a:r>
+              <a:rPr lang="en-US" sz="1000" b="1" dirty="0" smtClean="0">
+                <a:solidFill>
+                  <a:schemeClr val="tx1"/>
+                </a:solidFill>
+              </a:rPr>
+              <a:t> </a:t>
+            </a:r>
+          </a:p>
+          <a:p>
+            <a:pPr fontAlgn="base"/>
+            <a:r>
+              <a:rPr lang="en-US" sz="1000" b="1" dirty="0">
+                <a:solidFill>
+                  <a:schemeClr val="tx1"/>
+                </a:solidFill>
+              </a:rPr>
+              <a:t> </a:t>
+            </a:r>
+            <a:r>
+              <a:rPr lang="en-US" sz="1000" b="1" dirty="0" smtClean="0">
+                <a:solidFill>
+                  <a:schemeClr val="tx1"/>
+                </a:solidFill>
+              </a:rPr>
+              <a:t>     </a:t>
+            </a:r>
+            <a:r>
+              <a:rPr lang="en-US" sz="1000" b="1" dirty="0" err="1" smtClean="0">
+                <a:solidFill>
+                  <a:schemeClr val="tx1"/>
+                </a:solidFill>
+              </a:rPr>
+              <a:t>def</a:t>
+            </a:r>
+            <a:r>
+              <a:rPr lang="en-US" sz="1000" b="1" dirty="0" smtClean="0">
+                <a:solidFill>
+                  <a:schemeClr val="tx1"/>
+                </a:solidFill>
+              </a:rPr>
+              <a:t> </a:t>
+            </a:r>
+            <a:r>
+              <a:rPr lang="en-US" sz="1000" b="1" dirty="0">
+                <a:solidFill>
+                  <a:schemeClr val="tx1"/>
+                </a:solidFill>
+              </a:rPr>
+              <a:t>__</a:t>
+            </a:r>
+            <a:r>
+              <a:rPr lang="en-US" sz="1000" b="1" dirty="0" err="1">
+                <a:solidFill>
+                  <a:schemeClr val="tx1"/>
+                </a:solidFill>
+              </a:rPr>
+              <a:t>init</a:t>
+            </a:r>
+            <a:r>
+              <a:rPr lang="en-US" sz="1000" b="1" dirty="0">
+                <a:solidFill>
+                  <a:schemeClr val="tx1"/>
+                </a:solidFill>
+              </a:rPr>
+              <a:t>__(self, name, age</a:t>
+            </a:r>
+            <a:r>
+              <a:rPr lang="en-US" sz="1000" b="1" dirty="0" smtClean="0">
+                <a:solidFill>
+                  <a:schemeClr val="tx1"/>
+                </a:solidFill>
+              </a:rPr>
+              <a:t>):</a:t>
+            </a:r>
+          </a:p>
+          <a:p>
+            <a:pPr fontAlgn="base"/>
+            <a:r>
+              <a:rPr lang="en-US" sz="1000" b="1" dirty="0" smtClean="0">
+                <a:solidFill>
+                  <a:schemeClr val="tx1"/>
+                </a:solidFill>
+              </a:rPr>
+              <a:t> </a:t>
+            </a:r>
+            <a:r>
+              <a:rPr lang="en-US" sz="1000" b="1" i="1" dirty="0">
+                <a:solidFill>
+                  <a:schemeClr val="tx1"/>
+                </a:solidFill>
+              </a:rPr>
+              <a:t># public data </a:t>
+            </a:r>
+            <a:r>
+              <a:rPr lang="en-US" sz="1000" b="1" i="1" dirty="0" smtClean="0">
+                <a:solidFill>
+                  <a:schemeClr val="tx1"/>
+                </a:solidFill>
+              </a:rPr>
+              <a:t>members</a:t>
+            </a:r>
+          </a:p>
+          <a:p>
+            <a:pPr fontAlgn="base"/>
+            <a:r>
+              <a:rPr lang="en-US" sz="1000" b="1" dirty="0" smtClean="0">
+                <a:solidFill>
+                  <a:schemeClr val="tx1"/>
+                </a:solidFill>
+              </a:rPr>
+              <a:t>     </a:t>
+            </a:r>
+            <a:r>
+              <a:rPr lang="en-US" sz="1000" b="1" dirty="0" err="1">
+                <a:solidFill>
+                  <a:schemeClr val="tx1"/>
+                </a:solidFill>
+              </a:rPr>
+              <a:t>self.geekName</a:t>
+            </a:r>
+            <a:r>
+              <a:rPr lang="en-US" sz="1000" b="1" dirty="0">
+                <a:solidFill>
+                  <a:schemeClr val="tx1"/>
+                </a:solidFill>
+              </a:rPr>
+              <a:t> = name </a:t>
+            </a:r>
+            <a:endParaRPr lang="en-US" sz="1000" b="1" dirty="0" smtClean="0">
+              <a:solidFill>
+                <a:schemeClr val="tx1"/>
+              </a:solidFill>
+            </a:endParaRPr>
+          </a:p>
+          <a:p>
+            <a:pPr fontAlgn="base"/>
+            <a:r>
+              <a:rPr lang="en-US" sz="1000" b="1" dirty="0" smtClean="0">
+                <a:solidFill>
+                  <a:schemeClr val="tx1"/>
+                </a:solidFill>
+              </a:rPr>
+              <a:t>     </a:t>
+            </a:r>
+            <a:r>
+              <a:rPr lang="en-US" sz="1000" b="1" dirty="0" err="1" smtClean="0">
+                <a:solidFill>
+                  <a:schemeClr val="tx1"/>
+                </a:solidFill>
+              </a:rPr>
+              <a:t>self.geekAge</a:t>
+            </a:r>
+            <a:r>
+              <a:rPr lang="en-US" sz="1000" b="1" dirty="0" smtClean="0">
+                <a:solidFill>
+                  <a:schemeClr val="tx1"/>
+                </a:solidFill>
+              </a:rPr>
+              <a:t> </a:t>
+            </a:r>
+            <a:r>
+              <a:rPr lang="en-US" sz="1000" b="1" dirty="0">
+                <a:solidFill>
+                  <a:schemeClr val="tx1"/>
+                </a:solidFill>
+              </a:rPr>
+              <a:t>= </a:t>
+            </a:r>
+            <a:r>
+              <a:rPr lang="en-US" sz="1000" b="1" dirty="0" smtClean="0">
+                <a:solidFill>
+                  <a:schemeClr val="tx1"/>
+                </a:solidFill>
+              </a:rPr>
+              <a:t>age</a:t>
+            </a:r>
+          </a:p>
+          <a:p>
+            <a:pPr fontAlgn="base"/>
+            <a:r>
+              <a:rPr lang="en-US" sz="1000" b="1" dirty="0" smtClean="0">
+                <a:solidFill>
+                  <a:schemeClr val="tx1"/>
+                </a:solidFill>
+              </a:rPr>
+              <a:t> </a:t>
+            </a:r>
+            <a:r>
+              <a:rPr lang="en-US" sz="1000" b="1" i="1" dirty="0">
+                <a:solidFill>
+                  <a:schemeClr val="tx1"/>
+                </a:solidFill>
+              </a:rPr>
+              <a:t># public member function</a:t>
+            </a:r>
+            <a:r>
+              <a:rPr lang="en-US" sz="1000" b="1" dirty="0">
+                <a:solidFill>
+                  <a:schemeClr val="tx1"/>
+                </a:solidFill>
+              </a:rPr>
+              <a:t> </a:t>
+            </a:r>
+            <a:endParaRPr lang="en-US" sz="1000" b="1" dirty="0" smtClean="0">
+              <a:solidFill>
+                <a:schemeClr val="tx1"/>
+              </a:solidFill>
+            </a:endParaRPr>
+          </a:p>
+          <a:p>
+            <a:pPr fontAlgn="base"/>
+            <a:r>
+              <a:rPr lang="en-US" sz="1000" b="1" dirty="0" smtClean="0">
+                <a:solidFill>
+                  <a:schemeClr val="tx1"/>
+                </a:solidFill>
+              </a:rPr>
+              <a:t>    </a:t>
+            </a:r>
+            <a:r>
+              <a:rPr lang="en-US" sz="1000" b="1" dirty="0" err="1" smtClean="0">
+                <a:solidFill>
+                  <a:schemeClr val="tx1"/>
+                </a:solidFill>
+              </a:rPr>
+              <a:t>def</a:t>
+            </a:r>
+            <a:r>
+              <a:rPr lang="en-US" sz="1000" b="1" dirty="0" smtClean="0">
+                <a:solidFill>
+                  <a:schemeClr val="tx1"/>
+                </a:solidFill>
+              </a:rPr>
+              <a:t> </a:t>
+            </a:r>
+            <a:r>
+              <a:rPr lang="en-US" sz="1000" b="1" dirty="0" err="1">
+                <a:solidFill>
+                  <a:schemeClr val="tx1"/>
+                </a:solidFill>
+              </a:rPr>
+              <a:t>displayAge</a:t>
+            </a:r>
+            <a:r>
+              <a:rPr lang="en-US" sz="1000" b="1" dirty="0">
+                <a:solidFill>
+                  <a:schemeClr val="tx1"/>
+                </a:solidFill>
+              </a:rPr>
+              <a:t>(self</a:t>
+            </a:r>
+            <a:r>
+              <a:rPr lang="en-US" sz="1000" b="1" dirty="0" smtClean="0">
+                <a:solidFill>
+                  <a:schemeClr val="tx1"/>
+                </a:solidFill>
+              </a:rPr>
+              <a:t>):</a:t>
+            </a:r>
+          </a:p>
+          <a:p>
+            <a:pPr fontAlgn="base"/>
+            <a:r>
+              <a:rPr lang="en-US" sz="1000" b="1" dirty="0" smtClean="0">
+                <a:solidFill>
+                  <a:schemeClr val="tx1"/>
+                </a:solidFill>
+              </a:rPr>
+              <a:t> </a:t>
+            </a:r>
+            <a:r>
+              <a:rPr lang="en-US" sz="1000" b="1" i="1" dirty="0">
+                <a:solidFill>
+                  <a:schemeClr val="tx1"/>
+                </a:solidFill>
+              </a:rPr>
+              <a:t># accessing public data member</a:t>
+            </a:r>
+            <a:r>
+              <a:rPr lang="en-US" sz="1000" b="1" dirty="0">
+                <a:solidFill>
+                  <a:schemeClr val="tx1"/>
+                </a:solidFill>
+              </a:rPr>
+              <a:t> </a:t>
+            </a:r>
+            <a:endParaRPr lang="en-US" sz="1000" b="1" dirty="0" smtClean="0">
+              <a:solidFill>
+                <a:schemeClr val="tx1"/>
+              </a:solidFill>
+            </a:endParaRPr>
+          </a:p>
+          <a:p>
+            <a:pPr fontAlgn="base"/>
+            <a:r>
+              <a:rPr lang="en-US" sz="1000" b="1" dirty="0" smtClean="0">
+                <a:solidFill>
+                  <a:schemeClr val="tx1"/>
+                </a:solidFill>
+              </a:rPr>
+              <a:t>    print</a:t>
+            </a:r>
+            <a:r>
+              <a:rPr lang="en-US" sz="1000" b="1" dirty="0">
+                <a:solidFill>
+                  <a:schemeClr val="tx1"/>
+                </a:solidFill>
+              </a:rPr>
+              <a:t>("Age: ", </a:t>
+            </a:r>
+            <a:r>
+              <a:rPr lang="en-US" sz="1000" b="1" dirty="0" err="1">
+                <a:solidFill>
+                  <a:schemeClr val="tx1"/>
+                </a:solidFill>
+              </a:rPr>
+              <a:t>self.geekAge</a:t>
+            </a:r>
+            <a:r>
+              <a:rPr lang="en-US" sz="1000" b="1" dirty="0" smtClean="0">
+                <a:solidFill>
+                  <a:schemeClr val="tx1"/>
+                </a:solidFill>
+              </a:rPr>
+              <a:t>)</a:t>
+            </a:r>
+          </a:p>
+          <a:p>
+            <a:pPr fontAlgn="base"/>
+            <a:r>
+              <a:rPr lang="en-US" sz="1000" b="1" dirty="0" smtClean="0">
+                <a:solidFill>
+                  <a:schemeClr val="tx1"/>
+                </a:solidFill>
+              </a:rPr>
+              <a:t> </a:t>
+            </a:r>
+            <a:r>
+              <a:rPr lang="en-US" sz="1000" b="1" i="1" dirty="0">
+                <a:solidFill>
+                  <a:schemeClr val="tx1"/>
+                </a:solidFill>
+              </a:rPr>
+              <a:t># creating object of the class</a:t>
+            </a:r>
+            <a:r>
+              <a:rPr lang="en-US" sz="1000" b="1" dirty="0">
+                <a:solidFill>
+                  <a:schemeClr val="tx1"/>
+                </a:solidFill>
+              </a:rPr>
+              <a:t> </a:t>
+            </a:r>
+            <a:endParaRPr lang="en-US" sz="1000" b="1" dirty="0" smtClean="0">
+              <a:solidFill>
+                <a:schemeClr val="tx1"/>
+              </a:solidFill>
+            </a:endParaRPr>
+          </a:p>
+          <a:p>
+            <a:pPr fontAlgn="base"/>
+            <a:r>
+              <a:rPr lang="en-US" sz="1000" b="1" dirty="0" smtClean="0">
+                <a:solidFill>
+                  <a:schemeClr val="tx1"/>
+                </a:solidFill>
+              </a:rPr>
+              <a:t>    </a:t>
+            </a:r>
+            <a:r>
+              <a:rPr lang="en-US" sz="1000" b="1" dirty="0" err="1" smtClean="0">
+                <a:solidFill>
+                  <a:schemeClr val="tx1"/>
+                </a:solidFill>
+              </a:rPr>
+              <a:t>obj</a:t>
+            </a:r>
+            <a:r>
+              <a:rPr lang="en-US" sz="1000" b="1" dirty="0" smtClean="0">
+                <a:solidFill>
+                  <a:schemeClr val="tx1"/>
+                </a:solidFill>
+              </a:rPr>
+              <a:t> </a:t>
+            </a:r>
+            <a:r>
+              <a:rPr lang="en-US" sz="1000" b="1" dirty="0">
+                <a:solidFill>
+                  <a:schemeClr val="tx1"/>
+                </a:solidFill>
+              </a:rPr>
+              <a:t>= Geek("R2J", 20) </a:t>
+            </a:r>
+            <a:endParaRPr lang="en-US" sz="1000" b="1" dirty="0" smtClean="0">
+              <a:solidFill>
+                <a:schemeClr val="tx1"/>
+              </a:solidFill>
+            </a:endParaRPr>
+          </a:p>
+          <a:p>
+            <a:pPr fontAlgn="base"/>
+            <a:r>
+              <a:rPr lang="en-US" sz="1000" b="1" i="1" dirty="0" smtClean="0">
+                <a:solidFill>
+                  <a:schemeClr val="tx1"/>
+                </a:solidFill>
+              </a:rPr>
+              <a:t># </a:t>
+            </a:r>
+            <a:r>
+              <a:rPr lang="en-US" sz="1000" b="1" i="1" dirty="0">
+                <a:solidFill>
+                  <a:schemeClr val="tx1"/>
+                </a:solidFill>
+              </a:rPr>
+              <a:t>accessing public data member</a:t>
+            </a:r>
+            <a:r>
+              <a:rPr lang="en-US" sz="1000" b="1" dirty="0">
+                <a:solidFill>
+                  <a:schemeClr val="tx1"/>
+                </a:solidFill>
+              </a:rPr>
+              <a:t> </a:t>
+            </a:r>
+            <a:endParaRPr lang="en-US" sz="1000" b="1" dirty="0" smtClean="0">
+              <a:solidFill>
+                <a:schemeClr val="tx1"/>
+              </a:solidFill>
+            </a:endParaRPr>
+          </a:p>
+          <a:p>
+            <a:pPr fontAlgn="base"/>
+            <a:r>
+              <a:rPr lang="en-US" sz="1000" b="1" dirty="0" smtClean="0">
+                <a:solidFill>
+                  <a:schemeClr val="tx1"/>
+                </a:solidFill>
+              </a:rPr>
+              <a:t>    print</a:t>
+            </a:r>
+            <a:r>
+              <a:rPr lang="en-US" sz="1000" b="1" dirty="0">
+                <a:solidFill>
+                  <a:schemeClr val="tx1"/>
+                </a:solidFill>
+              </a:rPr>
+              <a:t>("Name: ", </a:t>
+            </a:r>
+            <a:r>
+              <a:rPr lang="en-US" sz="1000" b="1" dirty="0" err="1">
+                <a:solidFill>
+                  <a:schemeClr val="tx1"/>
+                </a:solidFill>
+              </a:rPr>
+              <a:t>obj.geekName</a:t>
+            </a:r>
+            <a:r>
+              <a:rPr lang="en-US" sz="1000" b="1" dirty="0">
+                <a:solidFill>
+                  <a:schemeClr val="tx1"/>
+                </a:solidFill>
+              </a:rPr>
+              <a:t>) </a:t>
+            </a:r>
+            <a:endParaRPr lang="en-US" sz="1000" b="1" dirty="0" smtClean="0">
+              <a:solidFill>
+                <a:schemeClr val="tx1"/>
+              </a:solidFill>
+            </a:endParaRPr>
+          </a:p>
+          <a:p>
+            <a:pPr fontAlgn="base"/>
+            <a:r>
+              <a:rPr lang="en-US" sz="1000" b="1" i="1" dirty="0" smtClean="0">
+                <a:solidFill>
+                  <a:schemeClr val="tx1"/>
+                </a:solidFill>
+              </a:rPr>
+              <a:t># </a:t>
+            </a:r>
+            <a:r>
+              <a:rPr lang="en-US" sz="1000" b="1" i="1" dirty="0">
+                <a:solidFill>
+                  <a:schemeClr val="tx1"/>
+                </a:solidFill>
+              </a:rPr>
+              <a:t>calling public member function of the class</a:t>
+            </a:r>
+            <a:r>
+              <a:rPr lang="en-US" sz="1000" b="1" dirty="0">
+                <a:solidFill>
+                  <a:schemeClr val="tx1"/>
+                </a:solidFill>
+              </a:rPr>
+              <a:t> </a:t>
+            </a:r>
+            <a:endParaRPr lang="en-US" sz="1000" b="1" dirty="0" smtClean="0">
+              <a:solidFill>
+                <a:schemeClr val="tx1"/>
+              </a:solidFill>
+            </a:endParaRPr>
+          </a:p>
+          <a:p>
+            <a:pPr fontAlgn="base"/>
+            <a:r>
+              <a:rPr lang="en-US" sz="1000" b="1" dirty="0" smtClean="0">
+                <a:solidFill>
+                  <a:schemeClr val="tx1"/>
+                </a:solidFill>
+              </a:rPr>
+              <a:t>   </a:t>
+            </a:r>
+            <a:r>
+              <a:rPr lang="en-US" sz="1000" b="1" dirty="0" err="1" smtClean="0">
+                <a:solidFill>
+                  <a:schemeClr val="tx1"/>
+                </a:solidFill>
+              </a:rPr>
+              <a:t>obj.displayAge</a:t>
+            </a:r>
+            <a:r>
+              <a:rPr lang="en-US" sz="1000" b="1" dirty="0" smtClean="0">
+                <a:solidFill>
+                  <a:schemeClr val="tx1"/>
+                </a:solidFill>
+              </a:rPr>
+              <a:t>()</a:t>
+            </a:r>
+            <a:endParaRPr lang="en-US" sz="1100" dirty="0"/>
+          </a:p>
+        </p:txBody>
+      </p:sp>
+    </p:spTree>
+    <p:extLst>
+      <p:ext uri="{BB962C8B-B14F-4D97-AF65-F5344CB8AC3E}">
+        <p14:creationId xmlns:p14="http://schemas.microsoft.com/office/powerpoint/2010/main" val="4279430879"/>
+      </p:ext>
+    </p:extLst>
+  </p:cSld>
+  <p:clrMapOvr>
+    <a:masterClrMapping/>
+  </p:clrMapOvr>
+  <p:timing>
+    <p:tnLst>
+      <p:par>
+        <p:cTn id="1" dur="indefinite" restart="never" nodeType="tmRoot"/>
+      </p:par>
+    </p:tnLst>
+  </p:timing>
+</p:sld>
+</file>
+
+<file path=ppt/slides/slide26.xml><?xml version="1.0" encoding="utf-8"?>
+<p:sld xmlns:a="http://schemas.openxmlformats.org/drawingml/2006/main" xmlns:r="http://schemas.openxmlformats.org/officeDocument/2006/relationships" xmlns:p="http://schemas.openxmlformats.org/presentationml/2006/main">
+  <p:cSld>
+    <p:spTree>
+      <p:nvGrpSpPr>
+        <p:cNvPr id="1" name="Shape 102"/>
+        <p:cNvGrpSpPr/>
+        <p:nvPr/>
+      </p:nvGrpSpPr>
+      <p:grpSpPr>
+        <a:xfrm>
+          <a:off x="0" y="0"/>
+          <a:ext cx="0" cy="0"/>
+          <a:chOff x="0" y="0"/>
+          <a:chExt cx="0" cy="0"/>
+        </a:xfrm>
+      </p:grpSpPr>
+      <p:sp>
+        <p:nvSpPr>
+          <p:cNvPr id="103" name="Google Shape;103;p16"/>
+          <p:cNvSpPr txBox="1">
+            <a:spLocks noGrp="1"/>
+          </p:cNvSpPr>
+          <p:nvPr>
+            <p:ph type="title"/>
+          </p:nvPr>
+        </p:nvSpPr>
+        <p:spPr>
+          <a:xfrm>
+            <a:off x="0" y="3650"/>
+            <a:ext cx="9144000" cy="523232"/>
+          </a:xfrm>
+          <a:prstGeom prst="rect">
+            <a:avLst/>
+          </a:prstGeom>
+        </p:spPr>
+        <p:txBody>
+          <a:bodyPr spcFirstLastPara="1" wrap="square" lIns="91425" tIns="91425" rIns="91425" bIns="91425" anchor="t" anchorCtr="0">
+            <a:noAutofit/>
+          </a:bodyPr>
+          <a:lstStyle/>
+          <a:p>
+            <a:pPr algn="ctr" fontAlgn="base"/>
+            <a:r>
+              <a:rPr lang="en-US" sz="2400" b="1" dirty="0"/>
+              <a:t>Access Modifiers in Python : Public, Private and Protected</a:t>
+            </a:r>
+          </a:p>
+        </p:txBody>
+      </p:sp>
+      <p:sp>
+        <p:nvSpPr>
+          <p:cNvPr id="104" name="Google Shape;104;p16"/>
+          <p:cNvSpPr txBox="1"/>
+          <p:nvPr/>
+        </p:nvSpPr>
+        <p:spPr>
+          <a:xfrm>
+            <a:off x="321600" y="526882"/>
+            <a:ext cx="8500800" cy="2708403"/>
+          </a:xfrm>
+          <a:prstGeom prst="rect">
+            <a:avLst/>
+          </a:prstGeom>
+          <a:noFill/>
+          <a:ln>
+            <a:noFill/>
+          </a:ln>
+        </p:spPr>
+        <p:txBody>
+          <a:bodyPr spcFirstLastPara="1" wrap="square" lIns="91425" tIns="91425" rIns="91425" bIns="91425" anchor="t" anchorCtr="0">
+            <a:spAutoFit/>
+          </a:bodyPr>
+          <a:lstStyle/>
+          <a:p>
+            <a:pPr fontAlgn="base"/>
+            <a:r>
+              <a:rPr lang="en-US" b="1" u="sng" dirty="0"/>
+              <a:t>Protected Access Modifier</a:t>
+            </a:r>
+            <a:r>
+              <a:rPr lang="en-US" b="1" u="sng" dirty="0" smtClean="0"/>
+              <a:t>:</a:t>
+            </a:r>
+          </a:p>
+          <a:p>
+            <a:pPr fontAlgn="base"/>
+            <a:endParaRPr lang="en-US" b="1" u="sng" dirty="0"/>
+          </a:p>
+          <a:p>
+            <a:pPr fontAlgn="base"/>
+            <a:r>
+              <a:rPr lang="en-US" dirty="0"/>
+              <a:t>The members of a class that are declared protected are only accessible to a class derived from it. Data members of a class are declared protected by adding a single underscore ‘_’ symbol before the data member of that class. </a:t>
+            </a:r>
+            <a:endParaRPr lang="en-US" dirty="0" smtClean="0"/>
+          </a:p>
+          <a:p>
+            <a:pPr fontAlgn="base"/>
+            <a:endParaRPr lang="en-US" dirty="0"/>
+          </a:p>
+          <a:p>
+            <a:pPr fontAlgn="base"/>
+            <a:r>
+              <a:rPr lang="en-US" b="1" u="sng" dirty="0"/>
+              <a:t>Private Access Modifier</a:t>
+            </a:r>
+            <a:r>
+              <a:rPr lang="en-US" b="1" u="sng" dirty="0" smtClean="0"/>
+              <a:t>:</a:t>
+            </a:r>
+          </a:p>
+          <a:p>
+            <a:pPr fontAlgn="base"/>
+            <a:endParaRPr lang="en-US" b="1" dirty="0"/>
+          </a:p>
+          <a:p>
+            <a:pPr fontAlgn="base"/>
+            <a:r>
+              <a:rPr lang="en-US" dirty="0"/>
+              <a:t>The members of a class that are declared private are accessible within the class only, private access modifier is the most secure access modifier. Data members of a class are declared private by adding a double underscore ‘__’ symbol before the data member of that class.</a:t>
+            </a:r>
+          </a:p>
+          <a:p>
+            <a:pPr fontAlgn="base"/>
+            <a:endParaRPr lang="en-US" sz="1000" dirty="0"/>
+          </a:p>
+        </p:txBody>
+      </p:sp>
+    </p:spTree>
+    <p:extLst>
+      <p:ext uri="{BB962C8B-B14F-4D97-AF65-F5344CB8AC3E}">
+        <p14:creationId xmlns:p14="http://schemas.microsoft.com/office/powerpoint/2010/main" val="3505413378"/>
+      </p:ext>
+    </p:extLst>
+  </p:cSld>
+  <p:clrMapOvr>
+    <a:masterClrMapping/>
+  </p:clrMapOvr>
+  <p:timing>
+    <p:tnLst>
+      <p:par>
+        <p:cTn id="1" dur="indefinite" restart="never" nodeType="tmRoot"/>
+      </p:par>
+    </p:tnLst>
+  </p:timing>
+</p:sld>
+</file>
+
+<file path=ppt/slides/slide27.xml><?xml version="1.0" encoding="utf-8"?>
+<p:sld xmlns:a="http://schemas.openxmlformats.org/drawingml/2006/main" xmlns:r="http://schemas.openxmlformats.org/officeDocument/2006/relationships" xmlns:p="http://schemas.openxmlformats.org/presentationml/2006/main">
+  <p:cSld>
+    <p:spTree>
+      <p:nvGrpSpPr>
+        <p:cNvPr id="1" name="Shape 102"/>
+        <p:cNvGrpSpPr/>
+        <p:nvPr/>
+      </p:nvGrpSpPr>
+      <p:grpSpPr>
+        <a:xfrm>
+          <a:off x="0" y="0"/>
+          <a:ext cx="0" cy="0"/>
+          <a:chOff x="0" y="0"/>
+          <a:chExt cx="0" cy="0"/>
+        </a:xfrm>
+      </p:grpSpPr>
+      <p:sp>
+        <p:nvSpPr>
+          <p:cNvPr id="103" name="Google Shape;103;p16"/>
+          <p:cNvSpPr txBox="1">
+            <a:spLocks noGrp="1"/>
+          </p:cNvSpPr>
+          <p:nvPr>
+            <p:ph type="title"/>
+          </p:nvPr>
+        </p:nvSpPr>
+        <p:spPr>
+          <a:xfrm>
+            <a:off x="0" y="3650"/>
+            <a:ext cx="9144000" cy="523232"/>
+          </a:xfrm>
+          <a:prstGeom prst="rect">
+            <a:avLst/>
+          </a:prstGeom>
+        </p:spPr>
+        <p:txBody>
+          <a:bodyPr spcFirstLastPara="1" wrap="square" lIns="91425" tIns="91425" rIns="91425" bIns="91425" anchor="t" anchorCtr="0">
+            <a:noAutofit/>
+          </a:bodyPr>
+          <a:lstStyle/>
+          <a:p>
+            <a:pPr algn="ctr"/>
+            <a:r>
+              <a:rPr lang="en-US" sz="2400" b="1" dirty="0" smtClean="0"/>
+              <a:t>PYTHON- </a:t>
+            </a:r>
+            <a:r>
+              <a:rPr lang="en-US" sz="2400" b="1" dirty="0"/>
+              <a:t>Association, Aggregation, Composition</a:t>
+            </a:r>
+          </a:p>
+        </p:txBody>
+      </p:sp>
+      <p:pic>
+        <p:nvPicPr>
+          <p:cNvPr id="2" name="Picture 1"/>
+          <p:cNvPicPr>
+            <a:picLocks noChangeAspect="1"/>
+          </p:cNvPicPr>
+          <p:nvPr/>
+        </p:nvPicPr>
+        <p:blipFill>
+          <a:blip r:embed="rId3">
+            <a:extLst>
+              <a:ext uri="{28A0092B-C50C-407E-A947-70E740481C1C}">
+                <a14:useLocalDpi xmlns:a14="http://schemas.microsoft.com/office/drawing/2010/main" val="0"/>
+              </a:ext>
+            </a:extLst>
+          </a:blip>
+          <a:stretch>
+            <a:fillRect/>
+          </a:stretch>
+        </p:blipFill>
+        <p:spPr>
+          <a:xfrm>
+            <a:off x="998376" y="662473"/>
+            <a:ext cx="7109928" cy="3554964"/>
+          </a:xfrm>
+          <a:prstGeom prst="rect">
+            <a:avLst/>
+          </a:prstGeom>
+        </p:spPr>
+      </p:pic>
+    </p:spTree>
+    <p:extLst>
+      <p:ext uri="{BB962C8B-B14F-4D97-AF65-F5344CB8AC3E}">
+        <p14:creationId xmlns:p14="http://schemas.microsoft.com/office/powerpoint/2010/main" val="87924638"/>
+      </p:ext>
+    </p:extLst>
+  </p:cSld>
+  <p:clrMapOvr>
+    <a:masterClrMapping/>
+  </p:clrMapOvr>
+  <p:timing>
+    <p:tnLst>
+      <p:par>
+        <p:cTn id="1" dur="indefinite" restart="never" nodeType="tmRoot"/>
+      </p:par>
+    </p:tnLst>
+  </p:timing>
+</p:sld>
+</file>
+
+<file path=ppt/slides/slide28.xml><?xml version="1.0" encoding="utf-8"?>
+<p:sld xmlns:a="http://schemas.openxmlformats.org/drawingml/2006/main" xmlns:r="http://schemas.openxmlformats.org/officeDocument/2006/relationships" xmlns:p="http://schemas.openxmlformats.org/presentationml/2006/main">
+  <p:cSld>
+    <p:spTree>
+      <p:nvGrpSpPr>
+        <p:cNvPr id="1" name="Shape 102"/>
+        <p:cNvGrpSpPr/>
+        <p:nvPr/>
+      </p:nvGrpSpPr>
+      <p:grpSpPr>
+        <a:xfrm>
+          <a:off x="0" y="0"/>
+          <a:ext cx="0" cy="0"/>
+          <a:chOff x="0" y="0"/>
+          <a:chExt cx="0" cy="0"/>
+        </a:xfrm>
+      </p:grpSpPr>
+      <p:sp>
+        <p:nvSpPr>
+          <p:cNvPr id="103" name="Google Shape;103;p16"/>
+          <p:cNvSpPr txBox="1">
+            <a:spLocks noGrp="1"/>
+          </p:cNvSpPr>
+          <p:nvPr>
+            <p:ph type="title"/>
+          </p:nvPr>
+        </p:nvSpPr>
+        <p:spPr>
+          <a:xfrm>
+            <a:off x="0" y="3650"/>
+            <a:ext cx="9144000" cy="523232"/>
+          </a:xfrm>
+          <a:prstGeom prst="rect">
+            <a:avLst/>
+          </a:prstGeom>
+        </p:spPr>
+        <p:txBody>
+          <a:bodyPr spcFirstLastPara="1" wrap="square" lIns="91425" tIns="91425" rIns="91425" bIns="91425" anchor="t" anchorCtr="0">
+            <a:noAutofit/>
+          </a:bodyPr>
+          <a:lstStyle/>
+          <a:p>
+            <a:pPr algn="ctr"/>
+            <a:r>
+              <a:rPr lang="en-US" sz="2400" b="1" dirty="0" smtClean="0"/>
+              <a:t>PYTHON- </a:t>
+            </a:r>
+            <a:r>
+              <a:rPr lang="en-US" sz="2400" b="1" dirty="0"/>
+              <a:t>Association, Aggregation, Composition</a:t>
+            </a:r>
+          </a:p>
+        </p:txBody>
+      </p:sp>
+      <p:sp>
+        <p:nvSpPr>
+          <p:cNvPr id="3" name="Rectangle 2"/>
+          <p:cNvSpPr/>
+          <p:nvPr/>
+        </p:nvSpPr>
+        <p:spPr>
+          <a:xfrm>
+            <a:off x="466529" y="721506"/>
+            <a:ext cx="8089641" cy="3539430"/>
+          </a:xfrm>
+          <a:prstGeom prst="rect">
+            <a:avLst/>
+          </a:prstGeom>
+        </p:spPr>
+        <p:txBody>
+          <a:bodyPr wrap="square">
+            <a:spAutoFit/>
+          </a:bodyPr>
+          <a:lstStyle/>
+          <a:p>
+            <a:pPr fontAlgn="base"/>
+            <a:r>
+              <a:rPr lang="en-US" b="1" u="sng" dirty="0" smtClean="0"/>
+              <a:t>Composition</a:t>
+            </a:r>
+            <a:endParaRPr lang="en-US" b="1" u="sng" dirty="0"/>
+          </a:p>
+          <a:p>
+            <a:pPr fontAlgn="base"/>
+            <a:r>
+              <a:rPr lang="en-US" dirty="0"/>
+              <a:t>Composition is a type of Aggregation in which two entities are extremely reliant on one another.</a:t>
+            </a:r>
+          </a:p>
+          <a:p>
+            <a:pPr marL="285750" indent="-285750" fontAlgn="base">
+              <a:buFont typeface="Arial" pitchFamily="34" charset="0"/>
+              <a:buChar char="•"/>
+            </a:pPr>
+            <a:r>
+              <a:rPr lang="en-US" dirty="0"/>
+              <a:t>It indicates a relationship component.</a:t>
+            </a:r>
+          </a:p>
+          <a:p>
+            <a:pPr marL="285750" indent="-285750" fontAlgn="base">
+              <a:buFont typeface="Arial" pitchFamily="34" charset="0"/>
+              <a:buChar char="•"/>
+            </a:pPr>
+            <a:r>
+              <a:rPr lang="en-US" dirty="0"/>
+              <a:t>Both entities are dependent on each other in composition.</a:t>
+            </a:r>
+          </a:p>
+          <a:p>
+            <a:pPr marL="285750" indent="-285750" fontAlgn="base">
+              <a:buFont typeface="Arial" pitchFamily="34" charset="0"/>
+              <a:buChar char="•"/>
+            </a:pPr>
+            <a:r>
+              <a:rPr lang="en-US" dirty="0"/>
+              <a:t>The composed object cannot exist without the other entity when there is a composition between two entities</a:t>
+            </a:r>
+            <a:r>
+              <a:rPr lang="en-US" dirty="0" smtClean="0"/>
+              <a:t>.</a:t>
+            </a:r>
+          </a:p>
+          <a:p>
+            <a:pPr marL="285750" indent="-285750" fontAlgn="base">
+              <a:buFont typeface="Arial" pitchFamily="34" charset="0"/>
+              <a:buChar char="•"/>
+            </a:pPr>
+            <a:endParaRPr lang="en-US" dirty="0"/>
+          </a:p>
+          <a:p>
+            <a:pPr fontAlgn="base"/>
+            <a:r>
+              <a:rPr lang="en-US" b="1" u="sng" dirty="0" smtClean="0"/>
+              <a:t>Aggregation</a:t>
+            </a:r>
+            <a:endParaRPr lang="en-US" b="1" u="sng" dirty="0"/>
+          </a:p>
+          <a:p>
+            <a:pPr fontAlgn="base"/>
+            <a:r>
+              <a:rPr lang="en-US" dirty="0"/>
+              <a:t>Aggregation is a concept in which an object of one class can own or access another independent object of another class. </a:t>
+            </a:r>
+          </a:p>
+          <a:p>
+            <a:pPr marL="285750" indent="-285750" fontAlgn="base">
+              <a:buFont typeface="Arial" pitchFamily="34" charset="0"/>
+              <a:buChar char="•"/>
+            </a:pPr>
+            <a:r>
+              <a:rPr lang="en-US" dirty="0"/>
+              <a:t>It represents Has-A’s relationship.</a:t>
+            </a:r>
+          </a:p>
+          <a:p>
+            <a:pPr marL="285750" indent="-285750" fontAlgn="base">
+              <a:buFont typeface="Arial" pitchFamily="34" charset="0"/>
+              <a:buChar char="•"/>
+            </a:pPr>
+            <a:r>
+              <a:rPr lang="en-US" dirty="0"/>
+              <a:t>It is a </a:t>
+            </a:r>
+            <a:r>
+              <a:rPr lang="en-US" b="1" dirty="0"/>
+              <a:t>unidirectional association</a:t>
+            </a:r>
+            <a:r>
+              <a:rPr lang="en-US" dirty="0"/>
+              <a:t> i.e. a one-way relationship. For example, a department can have students but vice versa is not possible and thus unidirectional in nature.</a:t>
+            </a:r>
+          </a:p>
+          <a:p>
+            <a:pPr marL="285750" indent="-285750" fontAlgn="base">
+              <a:buFont typeface="Arial" pitchFamily="34" charset="0"/>
+              <a:buChar char="•"/>
+            </a:pPr>
+            <a:r>
+              <a:rPr lang="en-US" dirty="0"/>
+              <a:t>In Aggregation,</a:t>
+            </a:r>
+            <a:r>
+              <a:rPr lang="en-US" b="1" dirty="0"/>
+              <a:t> both the entries can survive individually</a:t>
+            </a:r>
+            <a:r>
+              <a:rPr lang="en-US" dirty="0"/>
+              <a:t> which means ending one entity will not affect the other entity.</a:t>
+            </a:r>
+          </a:p>
+          <a:p>
+            <a:pPr fontAlgn="base"/>
+            <a:endParaRPr lang="en-US" dirty="0"/>
+          </a:p>
+        </p:txBody>
+      </p:sp>
+    </p:spTree>
+    <p:extLst>
+      <p:ext uri="{BB962C8B-B14F-4D97-AF65-F5344CB8AC3E}">
+        <p14:creationId xmlns:p14="http://schemas.microsoft.com/office/powerpoint/2010/main" val="1730663245"/>
       </p:ext>
     </p:extLst>
   </p:cSld>
@@ -15524,11 +20934,6 @@
               </a:rPr>
               <a:t>))</a:t>
             </a:r>
-            <a:endParaRPr lang="pt-BR" sz="1100" b="1" dirty="0" smtClean="0">
-              <a:solidFill>
-                <a:schemeClr val="tx1"/>
-              </a:solidFill>
-            </a:endParaRPr>
           </a:p>
           <a:p>
             <a:endParaRPr lang="pt-BR" sz="1100" b="1" dirty="0">
@@ -16805,15 +22210,7 @@
                   <a:schemeClr val="tx1"/>
                 </a:solidFill>
               </a:rPr>
-              <a:t>print(s</a:t>
-            </a:r>
-            <a:r>
-              <a:rPr lang="en-US" sz="1100" b="1" dirty="0" smtClean="0">
-                <a:solidFill>
-                  <a:schemeClr val="tx1"/>
-                </a:solidFill>
-              </a:rPr>
-              <a:t>)</a:t>
+              <a:t>print(s)</a:t>
             </a:r>
             <a:endParaRPr lang="en-US" sz="1200" b="1" dirty="0">
               <a:solidFill>
@@ -17285,7 +22682,7 @@
         <p:spPr>
           <a:xfrm>
             <a:off x="321600" y="526882"/>
-            <a:ext cx="8500800" cy="4247286"/>
+            <a:ext cx="8500800" cy="4416563"/>
           </a:xfrm>
           <a:prstGeom prst="rect">
             <a:avLst/>
@@ -17464,6 +22861,14 @@
               </a:rPr>
               <a:t>text</a:t>
             </a:r>
+          </a:p>
+          <a:p>
+            <a:pPr fontAlgn="base"/>
+            <a:endParaRPr lang="en-US" sz="1100" b="1" dirty="0" smtClean="0">
+              <a:solidFill>
+                <a:schemeClr val="tx1"/>
+              </a:solidFill>
+            </a:endParaRPr>
           </a:p>
           <a:p>
             <a:pPr fontAlgn="base"/>

--- a/Python-Programming-Week02.pptx
+++ b/Python-Programming-Week02.pptx
@@ -5,7 +5,7 @@
     <p:sldMasterId id="2147483659" r:id="rId1"/>
   </p:sldMasterIdLst>
   <p:notesMasterIdLst>
-    <p:notesMasterId r:id="rId30"/>
+    <p:notesMasterId r:id="rId38"/>
   </p:notesMasterIdLst>
   <p:sldIdLst>
     <p:sldId id="336" r:id="rId2"/>
@@ -36,37 +36,45 @@
     <p:sldId id="349" r:id="rId27"/>
     <p:sldId id="350" r:id="rId28"/>
     <p:sldId id="351" r:id="rId29"/>
+    <p:sldId id="352" r:id="rId30"/>
+    <p:sldId id="353" r:id="rId31"/>
+    <p:sldId id="354" r:id="rId32"/>
+    <p:sldId id="355" r:id="rId33"/>
+    <p:sldId id="356" r:id="rId34"/>
+    <p:sldId id="357" r:id="rId35"/>
+    <p:sldId id="358" r:id="rId36"/>
+    <p:sldId id="359" r:id="rId37"/>
   </p:sldIdLst>
   <p:sldSz cx="9144000" cy="5143500" type="screen16x9"/>
   <p:notesSz cx="6858000" cy="9144000"/>
   <p:embeddedFontLst>
     <p:embeddedFont>
-      <p:font typeface="Roboto" panose="020B0604020202020204" charset="0"/>
-      <p:regular r:id="rId31"/>
-      <p:bold r:id="rId32"/>
-      <p:italic r:id="rId33"/>
-      <p:boldItalic r:id="rId34"/>
-    </p:embeddedFont>
-    <p:embeddedFont>
       <p:font typeface="Verdana" panose="020B0604030504040204" pitchFamily="34" charset="0"/>
-      <p:regular r:id="rId35"/>
-      <p:bold r:id="rId36"/>
-      <p:italic r:id="rId37"/>
-      <p:boldItalic r:id="rId38"/>
-    </p:embeddedFont>
-    <p:embeddedFont>
-      <p:font typeface="Segoe UI" panose="020B0502040204020203" pitchFamily="34" charset="0"/>
       <p:regular r:id="rId39"/>
       <p:bold r:id="rId40"/>
       <p:italic r:id="rId41"/>
       <p:boldItalic r:id="rId42"/>
     </p:embeddedFont>
     <p:embeddedFont>
-      <p:font typeface="Consolas" panose="020B0609020204030204" pitchFamily="49" charset="0"/>
+      <p:font typeface="Segoe UI" panose="020B0502040204020203" pitchFamily="34" charset="0"/>
       <p:regular r:id="rId43"/>
       <p:bold r:id="rId44"/>
       <p:italic r:id="rId45"/>
       <p:boldItalic r:id="rId46"/>
+    </p:embeddedFont>
+    <p:embeddedFont>
+      <p:font typeface="Consolas" panose="020B0609020204030204" pitchFamily="49" charset="0"/>
+      <p:regular r:id="rId47"/>
+      <p:bold r:id="rId48"/>
+      <p:italic r:id="rId49"/>
+      <p:boldItalic r:id="rId50"/>
+    </p:embeddedFont>
+    <p:embeddedFont>
+      <p:font typeface="Roboto" panose="020B0604020202020204" charset="0"/>
+      <p:regular r:id="rId51"/>
+      <p:bold r:id="rId52"/>
+      <p:italic r:id="rId53"/>
+      <p:boldItalic r:id="rId54"/>
     </p:embeddedFont>
   </p:embeddedFontLst>
   <p:defaultTextStyle>
@@ -3002,6 +3010,115 @@
 </p:notes>
 </file>
 
+<file path=ppt/notesSlides/notesSlide29.xml><?xml version="1.0" encoding="utf-8"?>
+<p:notes xmlns:a="http://schemas.openxmlformats.org/drawingml/2006/main" xmlns:r="http://schemas.openxmlformats.org/officeDocument/2006/relationships" xmlns:p="http://schemas.openxmlformats.org/presentationml/2006/main" showMasterSp="0" showMasterPhAnim="0">
+  <p:cSld>
+    <p:spTree>
+      <p:nvGrpSpPr>
+        <p:cNvPr id="1" name="Shape 99"/>
+        <p:cNvGrpSpPr/>
+        <p:nvPr/>
+      </p:nvGrpSpPr>
+      <p:grpSpPr>
+        <a:xfrm>
+          <a:off x="0" y="0"/>
+          <a:ext cx="0" cy="0"/>
+          <a:chOff x="0" y="0"/>
+          <a:chExt cx="0" cy="0"/>
+        </a:xfrm>
+      </p:grpSpPr>
+      <p:sp>
+        <p:nvSpPr>
+          <p:cNvPr id="100" name="Google Shape;100;g2ddc889944f_0_0:notes"/>
+          <p:cNvSpPr>
+            <a:spLocks noGrp="1" noRot="1" noChangeAspect="1"/>
+          </p:cNvSpPr>
+          <p:nvPr>
+            <p:ph type="sldImg" idx="2"/>
+          </p:nvPr>
+        </p:nvSpPr>
+        <p:spPr>
+          <a:xfrm>
+            <a:off x="381000" y="685800"/>
+            <a:ext cx="6096000" cy="3429000"/>
+          </a:xfrm>
+          <a:custGeom>
+            <a:avLst/>
+            <a:gdLst/>
+            <a:ahLst/>
+            <a:cxnLst/>
+            <a:rect l="l" t="t" r="r" b="b"/>
+            <a:pathLst>
+              <a:path w="120000" h="120000" extrusionOk="0">
+                <a:moveTo>
+                  <a:pt x="0" y="0"/>
+                </a:moveTo>
+                <a:lnTo>
+                  <a:pt x="120000" y="0"/>
+                </a:lnTo>
+                <a:lnTo>
+                  <a:pt x="120000" y="120000"/>
+                </a:lnTo>
+                <a:lnTo>
+                  <a:pt x="0" y="120000"/>
+                </a:lnTo>
+                <a:close/>
+              </a:path>
+            </a:pathLst>
+          </a:custGeom>
+        </p:spPr>
+      </p:sp>
+      <p:sp>
+        <p:nvSpPr>
+          <p:cNvPr id="101" name="Google Shape;101;g2ddc889944f_0_0:notes"/>
+          <p:cNvSpPr txBox="1">
+            <a:spLocks noGrp="1"/>
+          </p:cNvSpPr>
+          <p:nvPr>
+            <p:ph type="body" idx="1"/>
+          </p:nvPr>
+        </p:nvSpPr>
+        <p:spPr>
+          <a:xfrm>
+            <a:off x="685800" y="4343400"/>
+            <a:ext cx="5486400" cy="4114800"/>
+          </a:xfrm>
+          <a:prstGeom prst="rect">
+            <a:avLst/>
+          </a:prstGeom>
+        </p:spPr>
+        <p:txBody>
+          <a:bodyPr spcFirstLastPara="1" wrap="square" lIns="91425" tIns="91425" rIns="91425" bIns="91425" anchor="t" anchorCtr="0">
+            <a:noAutofit/>
+          </a:bodyPr>
+          <a:lstStyle/>
+          <a:p>
+            <a:pPr marL="0" lvl="0" indent="0" algn="l" rtl="0">
+              <a:spcBef>
+                <a:spcPts val="0"/>
+              </a:spcBef>
+              <a:spcAft>
+                <a:spcPts val="0"/>
+              </a:spcAft>
+              <a:buNone/>
+            </a:pPr>
+            <a:endParaRPr/>
+          </a:p>
+        </p:txBody>
+      </p:sp>
+    </p:spTree>
+    <p:extLst>
+      <p:ext uri="{BB962C8B-B14F-4D97-AF65-F5344CB8AC3E}">
+        <p14:creationId xmlns:p14="http://schemas.microsoft.com/office/powerpoint/2010/main" val="2340132837"/>
+      </p:ext>
+    </p:extLst>
+  </p:cSld>
+  <p:clrMapOvr>
+    <a:masterClrMapping/>
+  </p:clrMapOvr>
+</p:notes>
+</file>
+
 <file path=ppt/notesSlides/notesSlide3.xml><?xml version="1.0" encoding="utf-8"?>
 <p:notes xmlns:a="http://schemas.openxmlformats.org/drawingml/2006/main" xmlns:r="http://schemas.openxmlformats.org/officeDocument/2006/relationships" xmlns:p="http://schemas.openxmlformats.org/presentationml/2006/main" showMasterSp="0" showMasterPhAnim="0">
   <p:cSld>
@@ -3099,6 +3216,769 @@
         </p:txBody>
       </p:sp>
     </p:spTree>
+  </p:cSld>
+  <p:clrMapOvr>
+    <a:masterClrMapping/>
+  </p:clrMapOvr>
+</p:notes>
+</file>
+
+<file path=ppt/notesSlides/notesSlide30.xml><?xml version="1.0" encoding="utf-8"?>
+<p:notes xmlns:a="http://schemas.openxmlformats.org/drawingml/2006/main" xmlns:r="http://schemas.openxmlformats.org/officeDocument/2006/relationships" xmlns:p="http://schemas.openxmlformats.org/presentationml/2006/main" showMasterSp="0" showMasterPhAnim="0">
+  <p:cSld>
+    <p:spTree>
+      <p:nvGrpSpPr>
+        <p:cNvPr id="1" name="Shape 99"/>
+        <p:cNvGrpSpPr/>
+        <p:nvPr/>
+      </p:nvGrpSpPr>
+      <p:grpSpPr>
+        <a:xfrm>
+          <a:off x="0" y="0"/>
+          <a:ext cx="0" cy="0"/>
+          <a:chOff x="0" y="0"/>
+          <a:chExt cx="0" cy="0"/>
+        </a:xfrm>
+      </p:grpSpPr>
+      <p:sp>
+        <p:nvSpPr>
+          <p:cNvPr id="100" name="Google Shape;100;g2ddc889944f_0_0:notes"/>
+          <p:cNvSpPr>
+            <a:spLocks noGrp="1" noRot="1" noChangeAspect="1"/>
+          </p:cNvSpPr>
+          <p:nvPr>
+            <p:ph type="sldImg" idx="2"/>
+          </p:nvPr>
+        </p:nvSpPr>
+        <p:spPr>
+          <a:xfrm>
+            <a:off x="381000" y="685800"/>
+            <a:ext cx="6096000" cy="3429000"/>
+          </a:xfrm>
+          <a:custGeom>
+            <a:avLst/>
+            <a:gdLst/>
+            <a:ahLst/>
+            <a:cxnLst/>
+            <a:rect l="l" t="t" r="r" b="b"/>
+            <a:pathLst>
+              <a:path w="120000" h="120000" extrusionOk="0">
+                <a:moveTo>
+                  <a:pt x="0" y="0"/>
+                </a:moveTo>
+                <a:lnTo>
+                  <a:pt x="120000" y="0"/>
+                </a:lnTo>
+                <a:lnTo>
+                  <a:pt x="120000" y="120000"/>
+                </a:lnTo>
+                <a:lnTo>
+                  <a:pt x="0" y="120000"/>
+                </a:lnTo>
+                <a:close/>
+              </a:path>
+            </a:pathLst>
+          </a:custGeom>
+        </p:spPr>
+      </p:sp>
+      <p:sp>
+        <p:nvSpPr>
+          <p:cNvPr id="101" name="Google Shape;101;g2ddc889944f_0_0:notes"/>
+          <p:cNvSpPr txBox="1">
+            <a:spLocks noGrp="1"/>
+          </p:cNvSpPr>
+          <p:nvPr>
+            <p:ph type="body" idx="1"/>
+          </p:nvPr>
+        </p:nvSpPr>
+        <p:spPr>
+          <a:xfrm>
+            <a:off x="685800" y="4343400"/>
+            <a:ext cx="5486400" cy="4114800"/>
+          </a:xfrm>
+          <a:prstGeom prst="rect">
+            <a:avLst/>
+          </a:prstGeom>
+        </p:spPr>
+        <p:txBody>
+          <a:bodyPr spcFirstLastPara="1" wrap="square" lIns="91425" tIns="91425" rIns="91425" bIns="91425" anchor="t" anchorCtr="0">
+            <a:noAutofit/>
+          </a:bodyPr>
+          <a:lstStyle/>
+          <a:p>
+            <a:pPr marL="0" lvl="0" indent="0" algn="l" rtl="0">
+              <a:spcBef>
+                <a:spcPts val="0"/>
+              </a:spcBef>
+              <a:spcAft>
+                <a:spcPts val="0"/>
+              </a:spcAft>
+              <a:buNone/>
+            </a:pPr>
+            <a:endParaRPr/>
+          </a:p>
+        </p:txBody>
+      </p:sp>
+    </p:spTree>
+    <p:extLst>
+      <p:ext uri="{BB962C8B-B14F-4D97-AF65-F5344CB8AC3E}">
+        <p14:creationId xmlns:p14="http://schemas.microsoft.com/office/powerpoint/2010/main" val="1512751966"/>
+      </p:ext>
+    </p:extLst>
+  </p:cSld>
+  <p:clrMapOvr>
+    <a:masterClrMapping/>
+  </p:clrMapOvr>
+</p:notes>
+</file>
+
+<file path=ppt/notesSlides/notesSlide31.xml><?xml version="1.0" encoding="utf-8"?>
+<p:notes xmlns:a="http://schemas.openxmlformats.org/drawingml/2006/main" xmlns:r="http://schemas.openxmlformats.org/officeDocument/2006/relationships" xmlns:p="http://schemas.openxmlformats.org/presentationml/2006/main" showMasterSp="0" showMasterPhAnim="0">
+  <p:cSld>
+    <p:spTree>
+      <p:nvGrpSpPr>
+        <p:cNvPr id="1" name="Shape 99"/>
+        <p:cNvGrpSpPr/>
+        <p:nvPr/>
+      </p:nvGrpSpPr>
+      <p:grpSpPr>
+        <a:xfrm>
+          <a:off x="0" y="0"/>
+          <a:ext cx="0" cy="0"/>
+          <a:chOff x="0" y="0"/>
+          <a:chExt cx="0" cy="0"/>
+        </a:xfrm>
+      </p:grpSpPr>
+      <p:sp>
+        <p:nvSpPr>
+          <p:cNvPr id="100" name="Google Shape;100;g2ddc889944f_0_0:notes"/>
+          <p:cNvSpPr>
+            <a:spLocks noGrp="1" noRot="1" noChangeAspect="1"/>
+          </p:cNvSpPr>
+          <p:nvPr>
+            <p:ph type="sldImg" idx="2"/>
+          </p:nvPr>
+        </p:nvSpPr>
+        <p:spPr>
+          <a:xfrm>
+            <a:off x="381000" y="685800"/>
+            <a:ext cx="6096000" cy="3429000"/>
+          </a:xfrm>
+          <a:custGeom>
+            <a:avLst/>
+            <a:gdLst/>
+            <a:ahLst/>
+            <a:cxnLst/>
+            <a:rect l="l" t="t" r="r" b="b"/>
+            <a:pathLst>
+              <a:path w="120000" h="120000" extrusionOk="0">
+                <a:moveTo>
+                  <a:pt x="0" y="0"/>
+                </a:moveTo>
+                <a:lnTo>
+                  <a:pt x="120000" y="0"/>
+                </a:lnTo>
+                <a:lnTo>
+                  <a:pt x="120000" y="120000"/>
+                </a:lnTo>
+                <a:lnTo>
+                  <a:pt x="0" y="120000"/>
+                </a:lnTo>
+                <a:close/>
+              </a:path>
+            </a:pathLst>
+          </a:custGeom>
+        </p:spPr>
+      </p:sp>
+      <p:sp>
+        <p:nvSpPr>
+          <p:cNvPr id="101" name="Google Shape;101;g2ddc889944f_0_0:notes"/>
+          <p:cNvSpPr txBox="1">
+            <a:spLocks noGrp="1"/>
+          </p:cNvSpPr>
+          <p:nvPr>
+            <p:ph type="body" idx="1"/>
+          </p:nvPr>
+        </p:nvSpPr>
+        <p:spPr>
+          <a:xfrm>
+            <a:off x="685800" y="4343400"/>
+            <a:ext cx="5486400" cy="4114800"/>
+          </a:xfrm>
+          <a:prstGeom prst="rect">
+            <a:avLst/>
+          </a:prstGeom>
+        </p:spPr>
+        <p:txBody>
+          <a:bodyPr spcFirstLastPara="1" wrap="square" lIns="91425" tIns="91425" rIns="91425" bIns="91425" anchor="t" anchorCtr="0">
+            <a:noAutofit/>
+          </a:bodyPr>
+          <a:lstStyle/>
+          <a:p>
+            <a:pPr marL="0" lvl="0" indent="0" algn="l" rtl="0">
+              <a:spcBef>
+                <a:spcPts val="0"/>
+              </a:spcBef>
+              <a:spcAft>
+                <a:spcPts val="0"/>
+              </a:spcAft>
+              <a:buNone/>
+            </a:pPr>
+            <a:endParaRPr/>
+          </a:p>
+        </p:txBody>
+      </p:sp>
+    </p:spTree>
+    <p:extLst>
+      <p:ext uri="{BB962C8B-B14F-4D97-AF65-F5344CB8AC3E}">
+        <p14:creationId xmlns:p14="http://schemas.microsoft.com/office/powerpoint/2010/main" val="2109173518"/>
+      </p:ext>
+    </p:extLst>
+  </p:cSld>
+  <p:clrMapOvr>
+    <a:masterClrMapping/>
+  </p:clrMapOvr>
+</p:notes>
+</file>
+
+<file path=ppt/notesSlides/notesSlide32.xml><?xml version="1.0" encoding="utf-8"?>
+<p:notes xmlns:a="http://schemas.openxmlformats.org/drawingml/2006/main" xmlns:r="http://schemas.openxmlformats.org/officeDocument/2006/relationships" xmlns:p="http://schemas.openxmlformats.org/presentationml/2006/main" showMasterSp="0" showMasterPhAnim="0">
+  <p:cSld>
+    <p:spTree>
+      <p:nvGrpSpPr>
+        <p:cNvPr id="1" name="Shape 99"/>
+        <p:cNvGrpSpPr/>
+        <p:nvPr/>
+      </p:nvGrpSpPr>
+      <p:grpSpPr>
+        <a:xfrm>
+          <a:off x="0" y="0"/>
+          <a:ext cx="0" cy="0"/>
+          <a:chOff x="0" y="0"/>
+          <a:chExt cx="0" cy="0"/>
+        </a:xfrm>
+      </p:grpSpPr>
+      <p:sp>
+        <p:nvSpPr>
+          <p:cNvPr id="100" name="Google Shape;100;g2ddc889944f_0_0:notes"/>
+          <p:cNvSpPr>
+            <a:spLocks noGrp="1" noRot="1" noChangeAspect="1"/>
+          </p:cNvSpPr>
+          <p:nvPr>
+            <p:ph type="sldImg" idx="2"/>
+          </p:nvPr>
+        </p:nvSpPr>
+        <p:spPr>
+          <a:xfrm>
+            <a:off x="381000" y="685800"/>
+            <a:ext cx="6096000" cy="3429000"/>
+          </a:xfrm>
+          <a:custGeom>
+            <a:avLst/>
+            <a:gdLst/>
+            <a:ahLst/>
+            <a:cxnLst/>
+            <a:rect l="l" t="t" r="r" b="b"/>
+            <a:pathLst>
+              <a:path w="120000" h="120000" extrusionOk="0">
+                <a:moveTo>
+                  <a:pt x="0" y="0"/>
+                </a:moveTo>
+                <a:lnTo>
+                  <a:pt x="120000" y="0"/>
+                </a:lnTo>
+                <a:lnTo>
+                  <a:pt x="120000" y="120000"/>
+                </a:lnTo>
+                <a:lnTo>
+                  <a:pt x="0" y="120000"/>
+                </a:lnTo>
+                <a:close/>
+              </a:path>
+            </a:pathLst>
+          </a:custGeom>
+        </p:spPr>
+      </p:sp>
+      <p:sp>
+        <p:nvSpPr>
+          <p:cNvPr id="101" name="Google Shape;101;g2ddc889944f_0_0:notes"/>
+          <p:cNvSpPr txBox="1">
+            <a:spLocks noGrp="1"/>
+          </p:cNvSpPr>
+          <p:nvPr>
+            <p:ph type="body" idx="1"/>
+          </p:nvPr>
+        </p:nvSpPr>
+        <p:spPr>
+          <a:xfrm>
+            <a:off x="685800" y="4343400"/>
+            <a:ext cx="5486400" cy="4114800"/>
+          </a:xfrm>
+          <a:prstGeom prst="rect">
+            <a:avLst/>
+          </a:prstGeom>
+        </p:spPr>
+        <p:txBody>
+          <a:bodyPr spcFirstLastPara="1" wrap="square" lIns="91425" tIns="91425" rIns="91425" bIns="91425" anchor="t" anchorCtr="0">
+            <a:noAutofit/>
+          </a:bodyPr>
+          <a:lstStyle/>
+          <a:p>
+            <a:pPr marL="0" lvl="0" indent="0" algn="l" rtl="0">
+              <a:spcBef>
+                <a:spcPts val="0"/>
+              </a:spcBef>
+              <a:spcAft>
+                <a:spcPts val="0"/>
+              </a:spcAft>
+              <a:buNone/>
+            </a:pPr>
+            <a:endParaRPr/>
+          </a:p>
+        </p:txBody>
+      </p:sp>
+    </p:spTree>
+    <p:extLst>
+      <p:ext uri="{BB962C8B-B14F-4D97-AF65-F5344CB8AC3E}">
+        <p14:creationId xmlns:p14="http://schemas.microsoft.com/office/powerpoint/2010/main" val="1144620225"/>
+      </p:ext>
+    </p:extLst>
+  </p:cSld>
+  <p:clrMapOvr>
+    <a:masterClrMapping/>
+  </p:clrMapOvr>
+</p:notes>
+</file>
+
+<file path=ppt/notesSlides/notesSlide33.xml><?xml version="1.0" encoding="utf-8"?>
+<p:notes xmlns:a="http://schemas.openxmlformats.org/drawingml/2006/main" xmlns:r="http://schemas.openxmlformats.org/officeDocument/2006/relationships" xmlns:p="http://schemas.openxmlformats.org/presentationml/2006/main" showMasterSp="0" showMasterPhAnim="0">
+  <p:cSld>
+    <p:spTree>
+      <p:nvGrpSpPr>
+        <p:cNvPr id="1" name="Shape 99"/>
+        <p:cNvGrpSpPr/>
+        <p:nvPr/>
+      </p:nvGrpSpPr>
+      <p:grpSpPr>
+        <a:xfrm>
+          <a:off x="0" y="0"/>
+          <a:ext cx="0" cy="0"/>
+          <a:chOff x="0" y="0"/>
+          <a:chExt cx="0" cy="0"/>
+        </a:xfrm>
+      </p:grpSpPr>
+      <p:sp>
+        <p:nvSpPr>
+          <p:cNvPr id="100" name="Google Shape;100;g2ddc889944f_0_0:notes"/>
+          <p:cNvSpPr>
+            <a:spLocks noGrp="1" noRot="1" noChangeAspect="1"/>
+          </p:cNvSpPr>
+          <p:nvPr>
+            <p:ph type="sldImg" idx="2"/>
+          </p:nvPr>
+        </p:nvSpPr>
+        <p:spPr>
+          <a:xfrm>
+            <a:off x="381000" y="685800"/>
+            <a:ext cx="6096000" cy="3429000"/>
+          </a:xfrm>
+          <a:custGeom>
+            <a:avLst/>
+            <a:gdLst/>
+            <a:ahLst/>
+            <a:cxnLst/>
+            <a:rect l="l" t="t" r="r" b="b"/>
+            <a:pathLst>
+              <a:path w="120000" h="120000" extrusionOk="0">
+                <a:moveTo>
+                  <a:pt x="0" y="0"/>
+                </a:moveTo>
+                <a:lnTo>
+                  <a:pt x="120000" y="0"/>
+                </a:lnTo>
+                <a:lnTo>
+                  <a:pt x="120000" y="120000"/>
+                </a:lnTo>
+                <a:lnTo>
+                  <a:pt x="0" y="120000"/>
+                </a:lnTo>
+                <a:close/>
+              </a:path>
+            </a:pathLst>
+          </a:custGeom>
+        </p:spPr>
+      </p:sp>
+      <p:sp>
+        <p:nvSpPr>
+          <p:cNvPr id="101" name="Google Shape;101;g2ddc889944f_0_0:notes"/>
+          <p:cNvSpPr txBox="1">
+            <a:spLocks noGrp="1"/>
+          </p:cNvSpPr>
+          <p:nvPr>
+            <p:ph type="body" idx="1"/>
+          </p:nvPr>
+        </p:nvSpPr>
+        <p:spPr>
+          <a:xfrm>
+            <a:off x="685800" y="4343400"/>
+            <a:ext cx="5486400" cy="4114800"/>
+          </a:xfrm>
+          <a:prstGeom prst="rect">
+            <a:avLst/>
+          </a:prstGeom>
+        </p:spPr>
+        <p:txBody>
+          <a:bodyPr spcFirstLastPara="1" wrap="square" lIns="91425" tIns="91425" rIns="91425" bIns="91425" anchor="t" anchorCtr="0">
+            <a:noAutofit/>
+          </a:bodyPr>
+          <a:lstStyle/>
+          <a:p>
+            <a:pPr marL="0" lvl="0" indent="0" algn="l" rtl="0">
+              <a:spcBef>
+                <a:spcPts val="0"/>
+              </a:spcBef>
+              <a:spcAft>
+                <a:spcPts val="0"/>
+              </a:spcAft>
+              <a:buNone/>
+            </a:pPr>
+            <a:endParaRPr/>
+          </a:p>
+        </p:txBody>
+      </p:sp>
+    </p:spTree>
+    <p:extLst>
+      <p:ext uri="{BB962C8B-B14F-4D97-AF65-F5344CB8AC3E}">
+        <p14:creationId xmlns:p14="http://schemas.microsoft.com/office/powerpoint/2010/main" val="3194717568"/>
+      </p:ext>
+    </p:extLst>
+  </p:cSld>
+  <p:clrMapOvr>
+    <a:masterClrMapping/>
+  </p:clrMapOvr>
+</p:notes>
+</file>
+
+<file path=ppt/notesSlides/notesSlide34.xml><?xml version="1.0" encoding="utf-8"?>
+<p:notes xmlns:a="http://schemas.openxmlformats.org/drawingml/2006/main" xmlns:r="http://schemas.openxmlformats.org/officeDocument/2006/relationships" xmlns:p="http://schemas.openxmlformats.org/presentationml/2006/main" showMasterSp="0" showMasterPhAnim="0">
+  <p:cSld>
+    <p:spTree>
+      <p:nvGrpSpPr>
+        <p:cNvPr id="1" name="Shape 99"/>
+        <p:cNvGrpSpPr/>
+        <p:nvPr/>
+      </p:nvGrpSpPr>
+      <p:grpSpPr>
+        <a:xfrm>
+          <a:off x="0" y="0"/>
+          <a:ext cx="0" cy="0"/>
+          <a:chOff x="0" y="0"/>
+          <a:chExt cx="0" cy="0"/>
+        </a:xfrm>
+      </p:grpSpPr>
+      <p:sp>
+        <p:nvSpPr>
+          <p:cNvPr id="100" name="Google Shape;100;g2ddc889944f_0_0:notes"/>
+          <p:cNvSpPr>
+            <a:spLocks noGrp="1" noRot="1" noChangeAspect="1"/>
+          </p:cNvSpPr>
+          <p:nvPr>
+            <p:ph type="sldImg" idx="2"/>
+          </p:nvPr>
+        </p:nvSpPr>
+        <p:spPr>
+          <a:xfrm>
+            <a:off x="381000" y="685800"/>
+            <a:ext cx="6096000" cy="3429000"/>
+          </a:xfrm>
+          <a:custGeom>
+            <a:avLst/>
+            <a:gdLst/>
+            <a:ahLst/>
+            <a:cxnLst/>
+            <a:rect l="l" t="t" r="r" b="b"/>
+            <a:pathLst>
+              <a:path w="120000" h="120000" extrusionOk="0">
+                <a:moveTo>
+                  <a:pt x="0" y="0"/>
+                </a:moveTo>
+                <a:lnTo>
+                  <a:pt x="120000" y="0"/>
+                </a:lnTo>
+                <a:lnTo>
+                  <a:pt x="120000" y="120000"/>
+                </a:lnTo>
+                <a:lnTo>
+                  <a:pt x="0" y="120000"/>
+                </a:lnTo>
+                <a:close/>
+              </a:path>
+            </a:pathLst>
+          </a:custGeom>
+        </p:spPr>
+      </p:sp>
+      <p:sp>
+        <p:nvSpPr>
+          <p:cNvPr id="101" name="Google Shape;101;g2ddc889944f_0_0:notes"/>
+          <p:cNvSpPr txBox="1">
+            <a:spLocks noGrp="1"/>
+          </p:cNvSpPr>
+          <p:nvPr>
+            <p:ph type="body" idx="1"/>
+          </p:nvPr>
+        </p:nvSpPr>
+        <p:spPr>
+          <a:xfrm>
+            <a:off x="685800" y="4343400"/>
+            <a:ext cx="5486400" cy="4114800"/>
+          </a:xfrm>
+          <a:prstGeom prst="rect">
+            <a:avLst/>
+          </a:prstGeom>
+        </p:spPr>
+        <p:txBody>
+          <a:bodyPr spcFirstLastPara="1" wrap="square" lIns="91425" tIns="91425" rIns="91425" bIns="91425" anchor="t" anchorCtr="0">
+            <a:noAutofit/>
+          </a:bodyPr>
+          <a:lstStyle/>
+          <a:p>
+            <a:pPr marL="0" lvl="0" indent="0" algn="l" rtl="0">
+              <a:spcBef>
+                <a:spcPts val="0"/>
+              </a:spcBef>
+              <a:spcAft>
+                <a:spcPts val="0"/>
+              </a:spcAft>
+              <a:buNone/>
+            </a:pPr>
+            <a:endParaRPr/>
+          </a:p>
+        </p:txBody>
+      </p:sp>
+    </p:spTree>
+    <p:extLst>
+      <p:ext uri="{BB962C8B-B14F-4D97-AF65-F5344CB8AC3E}">
+        <p14:creationId xmlns:p14="http://schemas.microsoft.com/office/powerpoint/2010/main" val="59555087"/>
+      </p:ext>
+    </p:extLst>
+  </p:cSld>
+  <p:clrMapOvr>
+    <a:masterClrMapping/>
+  </p:clrMapOvr>
+</p:notes>
+</file>
+
+<file path=ppt/notesSlides/notesSlide35.xml><?xml version="1.0" encoding="utf-8"?>
+<p:notes xmlns:a="http://schemas.openxmlformats.org/drawingml/2006/main" xmlns:r="http://schemas.openxmlformats.org/officeDocument/2006/relationships" xmlns:p="http://schemas.openxmlformats.org/presentationml/2006/main" showMasterSp="0" showMasterPhAnim="0">
+  <p:cSld>
+    <p:spTree>
+      <p:nvGrpSpPr>
+        <p:cNvPr id="1" name="Shape 99"/>
+        <p:cNvGrpSpPr/>
+        <p:nvPr/>
+      </p:nvGrpSpPr>
+      <p:grpSpPr>
+        <a:xfrm>
+          <a:off x="0" y="0"/>
+          <a:ext cx="0" cy="0"/>
+          <a:chOff x="0" y="0"/>
+          <a:chExt cx="0" cy="0"/>
+        </a:xfrm>
+      </p:grpSpPr>
+      <p:sp>
+        <p:nvSpPr>
+          <p:cNvPr id="100" name="Google Shape;100;g2ddc889944f_0_0:notes"/>
+          <p:cNvSpPr>
+            <a:spLocks noGrp="1" noRot="1" noChangeAspect="1"/>
+          </p:cNvSpPr>
+          <p:nvPr>
+            <p:ph type="sldImg" idx="2"/>
+          </p:nvPr>
+        </p:nvSpPr>
+        <p:spPr>
+          <a:xfrm>
+            <a:off x="381000" y="685800"/>
+            <a:ext cx="6096000" cy="3429000"/>
+          </a:xfrm>
+          <a:custGeom>
+            <a:avLst/>
+            <a:gdLst/>
+            <a:ahLst/>
+            <a:cxnLst/>
+            <a:rect l="l" t="t" r="r" b="b"/>
+            <a:pathLst>
+              <a:path w="120000" h="120000" extrusionOk="0">
+                <a:moveTo>
+                  <a:pt x="0" y="0"/>
+                </a:moveTo>
+                <a:lnTo>
+                  <a:pt x="120000" y="0"/>
+                </a:lnTo>
+                <a:lnTo>
+                  <a:pt x="120000" y="120000"/>
+                </a:lnTo>
+                <a:lnTo>
+                  <a:pt x="0" y="120000"/>
+                </a:lnTo>
+                <a:close/>
+              </a:path>
+            </a:pathLst>
+          </a:custGeom>
+        </p:spPr>
+      </p:sp>
+      <p:sp>
+        <p:nvSpPr>
+          <p:cNvPr id="101" name="Google Shape;101;g2ddc889944f_0_0:notes"/>
+          <p:cNvSpPr txBox="1">
+            <a:spLocks noGrp="1"/>
+          </p:cNvSpPr>
+          <p:nvPr>
+            <p:ph type="body" idx="1"/>
+          </p:nvPr>
+        </p:nvSpPr>
+        <p:spPr>
+          <a:xfrm>
+            <a:off x="685800" y="4343400"/>
+            <a:ext cx="5486400" cy="4114800"/>
+          </a:xfrm>
+          <a:prstGeom prst="rect">
+            <a:avLst/>
+          </a:prstGeom>
+        </p:spPr>
+        <p:txBody>
+          <a:bodyPr spcFirstLastPara="1" wrap="square" lIns="91425" tIns="91425" rIns="91425" bIns="91425" anchor="t" anchorCtr="0">
+            <a:noAutofit/>
+          </a:bodyPr>
+          <a:lstStyle/>
+          <a:p>
+            <a:pPr marL="0" lvl="0" indent="0" algn="l" rtl="0">
+              <a:spcBef>
+                <a:spcPts val="0"/>
+              </a:spcBef>
+              <a:spcAft>
+                <a:spcPts val="0"/>
+              </a:spcAft>
+              <a:buNone/>
+            </a:pPr>
+            <a:endParaRPr/>
+          </a:p>
+        </p:txBody>
+      </p:sp>
+    </p:spTree>
+    <p:extLst>
+      <p:ext uri="{BB962C8B-B14F-4D97-AF65-F5344CB8AC3E}">
+        <p14:creationId xmlns:p14="http://schemas.microsoft.com/office/powerpoint/2010/main" val="1227346556"/>
+      </p:ext>
+    </p:extLst>
+  </p:cSld>
+  <p:clrMapOvr>
+    <a:masterClrMapping/>
+  </p:clrMapOvr>
+</p:notes>
+</file>
+
+<file path=ppt/notesSlides/notesSlide36.xml><?xml version="1.0" encoding="utf-8"?>
+<p:notes xmlns:a="http://schemas.openxmlformats.org/drawingml/2006/main" xmlns:r="http://schemas.openxmlformats.org/officeDocument/2006/relationships" xmlns:p="http://schemas.openxmlformats.org/presentationml/2006/main" showMasterSp="0" showMasterPhAnim="0">
+  <p:cSld>
+    <p:spTree>
+      <p:nvGrpSpPr>
+        <p:cNvPr id="1" name="Shape 99"/>
+        <p:cNvGrpSpPr/>
+        <p:nvPr/>
+      </p:nvGrpSpPr>
+      <p:grpSpPr>
+        <a:xfrm>
+          <a:off x="0" y="0"/>
+          <a:ext cx="0" cy="0"/>
+          <a:chOff x="0" y="0"/>
+          <a:chExt cx="0" cy="0"/>
+        </a:xfrm>
+      </p:grpSpPr>
+      <p:sp>
+        <p:nvSpPr>
+          <p:cNvPr id="100" name="Google Shape;100;g2ddc889944f_0_0:notes"/>
+          <p:cNvSpPr>
+            <a:spLocks noGrp="1" noRot="1" noChangeAspect="1"/>
+          </p:cNvSpPr>
+          <p:nvPr>
+            <p:ph type="sldImg" idx="2"/>
+          </p:nvPr>
+        </p:nvSpPr>
+        <p:spPr>
+          <a:xfrm>
+            <a:off x="381000" y="685800"/>
+            <a:ext cx="6096000" cy="3429000"/>
+          </a:xfrm>
+          <a:custGeom>
+            <a:avLst/>
+            <a:gdLst/>
+            <a:ahLst/>
+            <a:cxnLst/>
+            <a:rect l="l" t="t" r="r" b="b"/>
+            <a:pathLst>
+              <a:path w="120000" h="120000" extrusionOk="0">
+                <a:moveTo>
+                  <a:pt x="0" y="0"/>
+                </a:moveTo>
+                <a:lnTo>
+                  <a:pt x="120000" y="0"/>
+                </a:lnTo>
+                <a:lnTo>
+                  <a:pt x="120000" y="120000"/>
+                </a:lnTo>
+                <a:lnTo>
+                  <a:pt x="0" y="120000"/>
+                </a:lnTo>
+                <a:close/>
+              </a:path>
+            </a:pathLst>
+          </a:custGeom>
+        </p:spPr>
+      </p:sp>
+      <p:sp>
+        <p:nvSpPr>
+          <p:cNvPr id="101" name="Google Shape;101;g2ddc889944f_0_0:notes"/>
+          <p:cNvSpPr txBox="1">
+            <a:spLocks noGrp="1"/>
+          </p:cNvSpPr>
+          <p:nvPr>
+            <p:ph type="body" idx="1"/>
+          </p:nvPr>
+        </p:nvSpPr>
+        <p:spPr>
+          <a:xfrm>
+            <a:off x="685800" y="4343400"/>
+            <a:ext cx="5486400" cy="4114800"/>
+          </a:xfrm>
+          <a:prstGeom prst="rect">
+            <a:avLst/>
+          </a:prstGeom>
+        </p:spPr>
+        <p:txBody>
+          <a:bodyPr spcFirstLastPara="1" wrap="square" lIns="91425" tIns="91425" rIns="91425" bIns="91425" anchor="t" anchorCtr="0">
+            <a:noAutofit/>
+          </a:bodyPr>
+          <a:lstStyle/>
+          <a:p>
+            <a:pPr marL="0" lvl="0" indent="0" algn="l" rtl="0">
+              <a:spcBef>
+                <a:spcPts val="0"/>
+              </a:spcBef>
+              <a:spcAft>
+                <a:spcPts val="0"/>
+              </a:spcAft>
+              <a:buNone/>
+            </a:pPr>
+            <a:endParaRPr/>
+          </a:p>
+        </p:txBody>
+      </p:sp>
+    </p:spTree>
+    <p:extLst>
+      <p:ext uri="{BB962C8B-B14F-4D97-AF65-F5344CB8AC3E}">
+        <p14:creationId xmlns:p14="http://schemas.microsoft.com/office/powerpoint/2010/main" val="3065384040"/>
+      </p:ext>
+    </p:extLst>
   </p:cSld>
   <p:clrMapOvr>
     <a:masterClrMapping/>
@@ -19742,6 +20622,205 @@
 </p:sld>
 </file>
 
+<file path=ppt/slides/slide29.xml><?xml version="1.0" encoding="utf-8"?>
+<p:sld xmlns:a="http://schemas.openxmlformats.org/drawingml/2006/main" xmlns:r="http://schemas.openxmlformats.org/officeDocument/2006/relationships" xmlns:p="http://schemas.openxmlformats.org/presentationml/2006/main">
+  <p:cSld>
+    <p:spTree>
+      <p:nvGrpSpPr>
+        <p:cNvPr id="1" name="Shape 102"/>
+        <p:cNvGrpSpPr/>
+        <p:nvPr/>
+      </p:nvGrpSpPr>
+      <p:grpSpPr>
+        <a:xfrm>
+          <a:off x="0" y="0"/>
+          <a:ext cx="0" cy="0"/>
+          <a:chOff x="0" y="0"/>
+          <a:chExt cx="0" cy="0"/>
+        </a:xfrm>
+      </p:grpSpPr>
+      <p:sp>
+        <p:nvSpPr>
+          <p:cNvPr id="103" name="Google Shape;103;p16"/>
+          <p:cNvSpPr txBox="1">
+            <a:spLocks noGrp="1"/>
+          </p:cNvSpPr>
+          <p:nvPr>
+            <p:ph type="title"/>
+          </p:nvPr>
+        </p:nvSpPr>
+        <p:spPr>
+          <a:xfrm>
+            <a:off x="0" y="3650"/>
+            <a:ext cx="9144000" cy="523232"/>
+          </a:xfrm>
+          <a:prstGeom prst="rect">
+            <a:avLst/>
+          </a:prstGeom>
+        </p:spPr>
+        <p:txBody>
+          <a:bodyPr spcFirstLastPara="1" wrap="square" lIns="91425" tIns="91425" rIns="91425" bIns="91425" anchor="t" anchorCtr="0">
+            <a:noAutofit/>
+          </a:bodyPr>
+          <a:lstStyle/>
+          <a:p>
+            <a:pPr algn="ctr"/>
+            <a:r>
+              <a:rPr lang="en-US" sz="2400" b="1" dirty="0" smtClean="0"/>
+              <a:t>PYTHON POLYMORPHISM</a:t>
+            </a:r>
+            <a:endParaRPr lang="en-US" sz="2400" b="1" dirty="0"/>
+          </a:p>
+        </p:txBody>
+      </p:sp>
+      <p:sp>
+        <p:nvSpPr>
+          <p:cNvPr id="3" name="Rectangle 2"/>
+          <p:cNvSpPr/>
+          <p:nvPr/>
+        </p:nvSpPr>
+        <p:spPr>
+          <a:xfrm>
+            <a:off x="466529" y="721506"/>
+            <a:ext cx="8089641" cy="3754874"/>
+          </a:xfrm>
+          <a:prstGeom prst="rect">
+            <a:avLst/>
+          </a:prstGeom>
+        </p:spPr>
+        <p:txBody>
+          <a:bodyPr wrap="square">
+            <a:spAutoFit/>
+          </a:bodyPr>
+          <a:lstStyle/>
+          <a:p>
+            <a:pPr fontAlgn="base"/>
+            <a:r>
+              <a:rPr lang="en-US" dirty="0"/>
+              <a:t>The word "polymorphism" means "many forms", and in programming it refers to methods/functions/operators with the same name that can be executed on many objects or classes</a:t>
+            </a:r>
+            <a:r>
+              <a:rPr lang="en-US" dirty="0" smtClean="0"/>
+              <a:t>.</a:t>
+            </a:r>
+          </a:p>
+          <a:p>
+            <a:pPr fontAlgn="base"/>
+            <a:endParaRPr lang="en-US" dirty="0"/>
+          </a:p>
+          <a:p>
+            <a:r>
+              <a:rPr lang="en-US" dirty="0"/>
+              <a:t>The literal meaning of polymorphism is the condition of occurrence in different forms.</a:t>
+            </a:r>
+          </a:p>
+          <a:p>
+            <a:r>
+              <a:rPr lang="en-US" dirty="0"/>
+              <a:t>Polymorphism is a very important concept in programming. It refers to the use of a single type entity (method, operator or object) to represent different types in different scenarios.</a:t>
+            </a:r>
+          </a:p>
+          <a:p>
+            <a:pPr fontAlgn="base"/>
+            <a:endParaRPr lang="en-US" dirty="0" smtClean="0"/>
+          </a:p>
+          <a:p>
+            <a:r>
+              <a:rPr lang="en-US" b="1" u="sng" dirty="0" smtClean="0"/>
+              <a:t>Polymorphism </a:t>
+            </a:r>
+            <a:r>
+              <a:rPr lang="en-US" b="1" u="sng" dirty="0"/>
+              <a:t>in addition operator</a:t>
+            </a:r>
+          </a:p>
+          <a:p>
+            <a:r>
+              <a:rPr lang="en-US" dirty="0"/>
+              <a:t>We know that the + operator is used extensively in Python programs. But, it does not have a single usage.</a:t>
+            </a:r>
+          </a:p>
+          <a:p>
+            <a:r>
+              <a:rPr lang="en-US" dirty="0"/>
+              <a:t>For integer data types, + operator is used to perform arithmetic addition operation.</a:t>
+            </a:r>
+          </a:p>
+          <a:p>
+            <a:pPr fontAlgn="base"/>
+            <a:endParaRPr lang="en-US" dirty="0" smtClean="0"/>
+          </a:p>
+          <a:p>
+            <a:pPr fontAlgn="base"/>
+            <a:r>
+              <a:rPr lang="pt-BR" b="1" dirty="0">
+                <a:solidFill>
+                  <a:schemeClr val="tx1"/>
+                </a:solidFill>
+              </a:rPr>
+              <a:t>num1 = 1 num2 = 2 print(num1+num2</a:t>
+            </a:r>
+            <a:r>
+              <a:rPr lang="pt-BR" b="1" dirty="0" smtClean="0">
+                <a:solidFill>
+                  <a:schemeClr val="tx1"/>
+                </a:solidFill>
+              </a:rPr>
+              <a:t>)</a:t>
+            </a:r>
+          </a:p>
+          <a:p>
+            <a:pPr fontAlgn="base"/>
+            <a:endParaRPr lang="pt-BR" dirty="0"/>
+          </a:p>
+          <a:p>
+            <a:pPr fontAlgn="base"/>
+            <a:r>
+              <a:rPr lang="en-US" dirty="0"/>
+              <a:t>Similarly, for string data types, + operator is used to perform concatenation</a:t>
+            </a:r>
+            <a:r>
+              <a:rPr lang="en-US" dirty="0" smtClean="0"/>
+              <a:t>.</a:t>
+            </a:r>
+          </a:p>
+          <a:p>
+            <a:pPr fontAlgn="base"/>
+            <a:endParaRPr lang="en-US" dirty="0"/>
+          </a:p>
+          <a:p>
+            <a:pPr fontAlgn="base"/>
+            <a:r>
+              <a:rPr lang="en-US" b="1" dirty="0">
+                <a:solidFill>
+                  <a:schemeClr val="tx1"/>
+                </a:solidFill>
+              </a:rPr>
+              <a:t>str1 = "Python" str2 = "Programming" print(str1+" "+str2)</a:t>
+            </a:r>
+          </a:p>
+        </p:txBody>
+      </p:sp>
+    </p:spTree>
+    <p:extLst>
+      <p:ext uri="{BB962C8B-B14F-4D97-AF65-F5344CB8AC3E}">
+        <p14:creationId xmlns:p14="http://schemas.microsoft.com/office/powerpoint/2010/main" val="2732362943"/>
+      </p:ext>
+    </p:extLst>
+  </p:cSld>
+  <p:clrMapOvr>
+    <a:masterClrMapping/>
+  </p:clrMapOvr>
+  <p:timing>
+    <p:tnLst>
+      <p:par>
+        <p:cTn id="1" dur="indefinite" restart="never" nodeType="tmRoot"/>
+      </p:par>
+    </p:tnLst>
+  </p:timing>
+</p:sld>
+</file>
+
 <file path=ppt/slides/slide3.xml><?xml version="1.0" encoding="utf-8"?>
 <p:sld xmlns:a="http://schemas.openxmlformats.org/drawingml/2006/main" xmlns:r="http://schemas.openxmlformats.org/officeDocument/2006/relationships" xmlns:p="http://schemas.openxmlformats.org/presentationml/2006/main">
   <p:cSld>
@@ -20314,6 +21393,1661 @@
     <p:extLst>
       <p:ext uri="{BB962C8B-B14F-4D97-AF65-F5344CB8AC3E}">
         <p14:creationId xmlns:p14="http://schemas.microsoft.com/office/powerpoint/2010/main" val="656189301"/>
+      </p:ext>
+    </p:extLst>
+  </p:cSld>
+  <p:clrMapOvr>
+    <a:masterClrMapping/>
+  </p:clrMapOvr>
+  <p:timing>
+    <p:tnLst>
+      <p:par>
+        <p:cTn id="1" dur="indefinite" restart="never" nodeType="tmRoot"/>
+      </p:par>
+    </p:tnLst>
+  </p:timing>
+</p:sld>
+</file>
+
+<file path=ppt/slides/slide30.xml><?xml version="1.0" encoding="utf-8"?>
+<p:sld xmlns:a="http://schemas.openxmlformats.org/drawingml/2006/main" xmlns:r="http://schemas.openxmlformats.org/officeDocument/2006/relationships" xmlns:p="http://schemas.openxmlformats.org/presentationml/2006/main">
+  <p:cSld>
+    <p:spTree>
+      <p:nvGrpSpPr>
+        <p:cNvPr id="1" name="Shape 102"/>
+        <p:cNvGrpSpPr/>
+        <p:nvPr/>
+      </p:nvGrpSpPr>
+      <p:grpSpPr>
+        <a:xfrm>
+          <a:off x="0" y="0"/>
+          <a:ext cx="0" cy="0"/>
+          <a:chOff x="0" y="0"/>
+          <a:chExt cx="0" cy="0"/>
+        </a:xfrm>
+      </p:grpSpPr>
+      <p:sp>
+        <p:nvSpPr>
+          <p:cNvPr id="103" name="Google Shape;103;p16"/>
+          <p:cNvSpPr txBox="1">
+            <a:spLocks noGrp="1"/>
+          </p:cNvSpPr>
+          <p:nvPr>
+            <p:ph type="title"/>
+          </p:nvPr>
+        </p:nvSpPr>
+        <p:spPr>
+          <a:xfrm>
+            <a:off x="0" y="3650"/>
+            <a:ext cx="9144000" cy="523232"/>
+          </a:xfrm>
+          <a:prstGeom prst="rect">
+            <a:avLst/>
+          </a:prstGeom>
+        </p:spPr>
+        <p:txBody>
+          <a:bodyPr spcFirstLastPara="1" wrap="square" lIns="91425" tIns="91425" rIns="91425" bIns="91425" anchor="t" anchorCtr="0">
+            <a:noAutofit/>
+          </a:bodyPr>
+          <a:lstStyle/>
+          <a:p>
+            <a:pPr algn="ctr"/>
+            <a:r>
+              <a:rPr lang="en-US" sz="2400" b="1" dirty="0" smtClean="0"/>
+              <a:t>PYTHON POLYMORPHISM</a:t>
+            </a:r>
+            <a:endParaRPr lang="en-US" sz="2400" b="1" dirty="0"/>
+          </a:p>
+        </p:txBody>
+      </p:sp>
+      <p:sp>
+        <p:nvSpPr>
+          <p:cNvPr id="3" name="Rectangle 2"/>
+          <p:cNvSpPr/>
+          <p:nvPr/>
+        </p:nvSpPr>
+        <p:spPr>
+          <a:xfrm>
+            <a:off x="466528" y="553555"/>
+            <a:ext cx="8089641" cy="1169551"/>
+          </a:xfrm>
+          <a:prstGeom prst="rect">
+            <a:avLst/>
+          </a:prstGeom>
+        </p:spPr>
+        <p:txBody>
+          <a:bodyPr wrap="square">
+            <a:spAutoFit/>
+          </a:bodyPr>
+          <a:lstStyle/>
+          <a:p>
+            <a:r>
+              <a:rPr lang="en-US" b="1" u="sng" dirty="0"/>
+              <a:t>Function Polymorphism in Python</a:t>
+            </a:r>
+          </a:p>
+          <a:p>
+            <a:pPr fontAlgn="base"/>
+            <a:r>
+              <a:rPr lang="en-US" dirty="0"/>
+              <a:t>There are some functions in Python which are compatible to run with multiple data types</a:t>
+            </a:r>
+            <a:r>
+              <a:rPr lang="en-US" dirty="0" smtClean="0"/>
+              <a:t>.</a:t>
+            </a:r>
+          </a:p>
+          <a:p>
+            <a:pPr fontAlgn="base"/>
+            <a:r>
+              <a:rPr lang="en-US" dirty="0"/>
+              <a:t>One such function is the </a:t>
+            </a:r>
+            <a:r>
+              <a:rPr lang="en-US" dirty="0" err="1"/>
+              <a:t>len</a:t>
+            </a:r>
+            <a:r>
+              <a:rPr lang="en-US" dirty="0"/>
+              <a:t>() function. It can run with many data types in Python</a:t>
+            </a:r>
+            <a:r>
+              <a:rPr lang="en-US" dirty="0" smtClean="0"/>
+              <a:t>.</a:t>
+            </a:r>
+          </a:p>
+          <a:p>
+            <a:pPr fontAlgn="base"/>
+            <a:endParaRPr lang="en-US" dirty="0"/>
+          </a:p>
+          <a:p>
+            <a:pPr fontAlgn="base"/>
+            <a:r>
+              <a:rPr lang="en-US" dirty="0"/>
+              <a:t>print(</a:t>
+            </a:r>
+            <a:r>
+              <a:rPr lang="en-US" dirty="0" err="1"/>
+              <a:t>len</a:t>
+            </a:r>
+            <a:r>
+              <a:rPr lang="en-US" dirty="0"/>
+              <a:t>(["Python", "Java", "C"]))</a:t>
+            </a:r>
+          </a:p>
+        </p:txBody>
+      </p:sp>
+      <p:pic>
+        <p:nvPicPr>
+          <p:cNvPr id="1026" name="Picture 2" descr="Functional Polymorphism"/>
+          <p:cNvPicPr>
+            <a:picLocks noChangeAspect="1" noChangeArrowheads="1"/>
+          </p:cNvPicPr>
+          <p:nvPr/>
+        </p:nvPicPr>
+        <p:blipFill>
+          <a:blip r:embed="rId3">
+            <a:extLst>
+              <a:ext uri="{28A0092B-C50C-407E-A947-70E740481C1C}">
+                <a14:useLocalDpi xmlns:a14="http://schemas.microsoft.com/office/drawing/2010/main" val="0"/>
+              </a:ext>
+            </a:extLst>
+          </a:blip>
+          <a:srcRect/>
+          <a:stretch>
+            <a:fillRect/>
+          </a:stretch>
+        </p:blipFill>
+        <p:spPr bwMode="auto">
+          <a:xfrm>
+            <a:off x="2085069" y="1891057"/>
+            <a:ext cx="4539665" cy="2826124"/>
+          </a:xfrm>
+          <a:prstGeom prst="rect">
+            <a:avLst/>
+          </a:prstGeom>
+          <a:noFill/>
+          <a:extLst>
+            <a:ext uri="{909E8E84-426E-40DD-AFC4-6F175D3DCCD1}">
+              <a14:hiddenFill xmlns:a14="http://schemas.microsoft.com/office/drawing/2010/main">
+                <a:solidFill>
+                  <a:srgbClr val="FFFFFF"/>
+                </a:solidFill>
+              </a14:hiddenFill>
+            </a:ext>
+          </a:extLst>
+        </p:spPr>
+      </p:pic>
+    </p:spTree>
+    <p:extLst>
+      <p:ext uri="{BB962C8B-B14F-4D97-AF65-F5344CB8AC3E}">
+        <p14:creationId xmlns:p14="http://schemas.microsoft.com/office/powerpoint/2010/main" val="737259473"/>
+      </p:ext>
+    </p:extLst>
+  </p:cSld>
+  <p:clrMapOvr>
+    <a:masterClrMapping/>
+  </p:clrMapOvr>
+  <p:timing>
+    <p:tnLst>
+      <p:par>
+        <p:cTn id="1" dur="indefinite" restart="never" nodeType="tmRoot"/>
+      </p:par>
+    </p:tnLst>
+  </p:timing>
+</p:sld>
+</file>
+
+<file path=ppt/slides/slide31.xml><?xml version="1.0" encoding="utf-8"?>
+<p:sld xmlns:a="http://schemas.openxmlformats.org/drawingml/2006/main" xmlns:r="http://schemas.openxmlformats.org/officeDocument/2006/relationships" xmlns:p="http://schemas.openxmlformats.org/presentationml/2006/main">
+  <p:cSld>
+    <p:spTree>
+      <p:nvGrpSpPr>
+        <p:cNvPr id="1" name="Shape 102"/>
+        <p:cNvGrpSpPr/>
+        <p:nvPr/>
+      </p:nvGrpSpPr>
+      <p:grpSpPr>
+        <a:xfrm>
+          <a:off x="0" y="0"/>
+          <a:ext cx="0" cy="0"/>
+          <a:chOff x="0" y="0"/>
+          <a:chExt cx="0" cy="0"/>
+        </a:xfrm>
+      </p:grpSpPr>
+      <p:sp>
+        <p:nvSpPr>
+          <p:cNvPr id="103" name="Google Shape;103;p16"/>
+          <p:cNvSpPr txBox="1">
+            <a:spLocks noGrp="1"/>
+          </p:cNvSpPr>
+          <p:nvPr>
+            <p:ph type="title"/>
+          </p:nvPr>
+        </p:nvSpPr>
+        <p:spPr>
+          <a:xfrm>
+            <a:off x="0" y="3650"/>
+            <a:ext cx="9144000" cy="523232"/>
+          </a:xfrm>
+          <a:prstGeom prst="rect">
+            <a:avLst/>
+          </a:prstGeom>
+        </p:spPr>
+        <p:txBody>
+          <a:bodyPr spcFirstLastPara="1" wrap="square" lIns="91425" tIns="91425" rIns="91425" bIns="91425" anchor="t" anchorCtr="0">
+            <a:noAutofit/>
+          </a:bodyPr>
+          <a:lstStyle/>
+          <a:p>
+            <a:pPr algn="ctr"/>
+            <a:r>
+              <a:rPr lang="en-US" sz="2400" b="1" dirty="0" smtClean="0"/>
+              <a:t>PYTHON POLYMORPHISM</a:t>
+            </a:r>
+            <a:endParaRPr lang="en-US" sz="2400" b="1" dirty="0"/>
+          </a:p>
+        </p:txBody>
+      </p:sp>
+      <p:sp>
+        <p:nvSpPr>
+          <p:cNvPr id="3" name="Rectangle 2"/>
+          <p:cNvSpPr/>
+          <p:nvPr/>
+        </p:nvSpPr>
+        <p:spPr>
+          <a:xfrm>
+            <a:off x="466528" y="553555"/>
+            <a:ext cx="8089641" cy="2246769"/>
+          </a:xfrm>
+          <a:prstGeom prst="rect">
+            <a:avLst/>
+          </a:prstGeom>
+        </p:spPr>
+        <p:txBody>
+          <a:bodyPr wrap="square">
+            <a:spAutoFit/>
+          </a:bodyPr>
+          <a:lstStyle/>
+          <a:p>
+            <a:r>
+              <a:rPr lang="en-US" b="1" dirty="0"/>
+              <a:t>Class Polymorphism in </a:t>
+            </a:r>
+            <a:r>
+              <a:rPr lang="en-US" b="1" dirty="0" smtClean="0"/>
+              <a:t>Python</a:t>
+            </a:r>
+          </a:p>
+          <a:p>
+            <a:r>
+              <a:rPr lang="en-US" dirty="0"/>
+              <a:t>We can use the concept of polymorphism while creating class methods as Python allows different classes to have methods with the same name</a:t>
+            </a:r>
+            <a:r>
+              <a:rPr lang="en-US" dirty="0" smtClean="0"/>
+              <a:t>.</a:t>
+            </a:r>
+          </a:p>
+          <a:p>
+            <a:endParaRPr lang="en-US" b="1" dirty="0"/>
+          </a:p>
+          <a:p>
+            <a:r>
+              <a:rPr lang="en-US" b="1" dirty="0"/>
+              <a:t>Polymorphism and Inheritance</a:t>
+            </a:r>
+          </a:p>
+          <a:p>
+            <a:r>
+              <a:rPr lang="en-US" dirty="0"/>
+              <a:t>Polymorphism allows us to access these overridden methods and attributes that have the same name as the parent class</a:t>
+            </a:r>
+            <a:r>
+              <a:rPr lang="en-US" dirty="0" smtClean="0"/>
+              <a:t>.</a:t>
+            </a:r>
+          </a:p>
+          <a:p>
+            <a:endParaRPr lang="en-US" b="1" dirty="0"/>
+          </a:p>
+          <a:p>
+            <a:r>
+              <a:rPr lang="en-US" b="1" dirty="0"/>
+              <a:t>Method Overriding</a:t>
+            </a:r>
+          </a:p>
+          <a:p>
+            <a:endParaRPr lang="en-US" b="1" dirty="0"/>
+          </a:p>
+        </p:txBody>
+      </p:sp>
+      <p:pic>
+        <p:nvPicPr>
+          <p:cNvPr id="2050" name="Picture 2" descr="Class Polymorphism"/>
+          <p:cNvPicPr>
+            <a:picLocks noChangeAspect="1" noChangeArrowheads="1"/>
+          </p:cNvPicPr>
+          <p:nvPr/>
+        </p:nvPicPr>
+        <p:blipFill>
+          <a:blip r:embed="rId3">
+            <a:extLst>
+              <a:ext uri="{28A0092B-C50C-407E-A947-70E740481C1C}">
+                <a14:useLocalDpi xmlns:a14="http://schemas.microsoft.com/office/drawing/2010/main" val="0"/>
+              </a:ext>
+            </a:extLst>
+          </a:blip>
+          <a:srcRect/>
+          <a:stretch>
+            <a:fillRect/>
+          </a:stretch>
+        </p:blipFill>
+        <p:spPr bwMode="auto">
+          <a:xfrm>
+            <a:off x="3022276" y="2014512"/>
+            <a:ext cx="3061283" cy="2676215"/>
+          </a:xfrm>
+          <a:prstGeom prst="rect">
+            <a:avLst/>
+          </a:prstGeom>
+          <a:noFill/>
+          <a:extLst>
+            <a:ext uri="{909E8E84-426E-40DD-AFC4-6F175D3DCCD1}">
+              <a14:hiddenFill xmlns:a14="http://schemas.microsoft.com/office/drawing/2010/main">
+                <a:solidFill>
+                  <a:srgbClr val="FFFFFF"/>
+                </a:solidFill>
+              </a14:hiddenFill>
+            </a:ext>
+          </a:extLst>
+        </p:spPr>
+      </p:pic>
+    </p:spTree>
+    <p:extLst>
+      <p:ext uri="{BB962C8B-B14F-4D97-AF65-F5344CB8AC3E}">
+        <p14:creationId xmlns:p14="http://schemas.microsoft.com/office/powerpoint/2010/main" val="1739862811"/>
+      </p:ext>
+    </p:extLst>
+  </p:cSld>
+  <p:clrMapOvr>
+    <a:masterClrMapping/>
+  </p:clrMapOvr>
+  <p:timing>
+    <p:tnLst>
+      <p:par>
+        <p:cTn id="1" dur="indefinite" restart="never" nodeType="tmRoot"/>
+      </p:par>
+    </p:tnLst>
+  </p:timing>
+</p:sld>
+</file>
+
+<file path=ppt/slides/slide32.xml><?xml version="1.0" encoding="utf-8"?>
+<p:sld xmlns:a="http://schemas.openxmlformats.org/drawingml/2006/main" xmlns:r="http://schemas.openxmlformats.org/officeDocument/2006/relationships" xmlns:p="http://schemas.openxmlformats.org/presentationml/2006/main">
+  <p:cSld>
+    <p:spTree>
+      <p:nvGrpSpPr>
+        <p:cNvPr id="1" name="Shape 102"/>
+        <p:cNvGrpSpPr/>
+        <p:nvPr/>
+      </p:nvGrpSpPr>
+      <p:grpSpPr>
+        <a:xfrm>
+          <a:off x="0" y="0"/>
+          <a:ext cx="0" cy="0"/>
+          <a:chOff x="0" y="0"/>
+          <a:chExt cx="0" cy="0"/>
+        </a:xfrm>
+      </p:grpSpPr>
+      <p:sp>
+        <p:nvSpPr>
+          <p:cNvPr id="103" name="Google Shape;103;p16"/>
+          <p:cNvSpPr txBox="1">
+            <a:spLocks noGrp="1"/>
+          </p:cNvSpPr>
+          <p:nvPr>
+            <p:ph type="title"/>
+          </p:nvPr>
+        </p:nvSpPr>
+        <p:spPr>
+          <a:xfrm>
+            <a:off x="0" y="3650"/>
+            <a:ext cx="9144000" cy="523232"/>
+          </a:xfrm>
+          <a:prstGeom prst="rect">
+            <a:avLst/>
+          </a:prstGeom>
+        </p:spPr>
+        <p:txBody>
+          <a:bodyPr spcFirstLastPara="1" wrap="square" lIns="91425" tIns="91425" rIns="91425" bIns="91425" anchor="t" anchorCtr="0">
+            <a:noAutofit/>
+          </a:bodyPr>
+          <a:lstStyle/>
+          <a:p>
+            <a:pPr algn="ctr"/>
+            <a:r>
+              <a:rPr lang="en-US" sz="2400" b="1" dirty="0" smtClean="0"/>
+              <a:t>PYTHON OPERATOR OVERLOADING</a:t>
+            </a:r>
+            <a:endParaRPr lang="en-US" sz="2400" b="1" dirty="0"/>
+          </a:p>
+        </p:txBody>
+      </p:sp>
+      <p:sp>
+        <p:nvSpPr>
+          <p:cNvPr id="3" name="Rectangle 2"/>
+          <p:cNvSpPr/>
+          <p:nvPr/>
+        </p:nvSpPr>
+        <p:spPr>
+          <a:xfrm>
+            <a:off x="466529" y="721506"/>
+            <a:ext cx="8089641" cy="3108543"/>
+          </a:xfrm>
+          <a:prstGeom prst="rect">
+            <a:avLst/>
+          </a:prstGeom>
+        </p:spPr>
+        <p:txBody>
+          <a:bodyPr wrap="square">
+            <a:spAutoFit/>
+          </a:bodyPr>
+          <a:lstStyle/>
+          <a:p>
+            <a:pPr algn="just"/>
+            <a:r>
+              <a:rPr lang="en-US" dirty="0"/>
+              <a:t>In Python, we can change the way operators work for user-defined types.</a:t>
+            </a:r>
+          </a:p>
+          <a:p>
+            <a:pPr algn="just"/>
+            <a:r>
+              <a:rPr lang="en-US" dirty="0"/>
+              <a:t>For example, the + operator will perform arithmetic addition on two numbers, merge two lists, or concatenate two strings.</a:t>
+            </a:r>
+          </a:p>
+          <a:p>
+            <a:pPr algn="just"/>
+            <a:r>
+              <a:rPr lang="en-US" dirty="0"/>
+              <a:t>This feature in Python that allows the same operator to have different meaning according to the context is called </a:t>
+            </a:r>
+            <a:r>
+              <a:rPr lang="en-US" b="1" dirty="0"/>
+              <a:t>operator overloading</a:t>
+            </a:r>
+            <a:r>
+              <a:rPr lang="en-US" dirty="0" smtClean="0"/>
+              <a:t>.</a:t>
+            </a:r>
+          </a:p>
+          <a:p>
+            <a:pPr algn="just"/>
+            <a:endParaRPr lang="en-US" dirty="0"/>
+          </a:p>
+          <a:p>
+            <a:pPr algn="just"/>
+            <a:r>
+              <a:rPr lang="en-US" b="1" dirty="0"/>
+              <a:t>Python Special Functions</a:t>
+            </a:r>
+          </a:p>
+          <a:p>
+            <a:r>
+              <a:rPr lang="en-US" dirty="0"/>
+              <a:t>Class functions that begin with double underscore __ are called special </a:t>
+            </a:r>
+            <a:r>
+              <a:rPr lang="en-US" dirty="0">
+                <a:hlinkClick r:id="rId3"/>
+              </a:rPr>
+              <a:t>functions</a:t>
+            </a:r>
+            <a:r>
+              <a:rPr lang="en-US" dirty="0"/>
+              <a:t> in Python.</a:t>
+            </a:r>
+          </a:p>
+          <a:p>
+            <a:r>
+              <a:rPr lang="en-US" dirty="0"/>
+              <a:t>The special functions are defined by the Python interpreter and used to implement certain features or behaviors.</a:t>
+            </a:r>
+          </a:p>
+          <a:p>
+            <a:r>
+              <a:rPr lang="en-US" dirty="0"/>
+              <a:t>They are called </a:t>
+            </a:r>
+            <a:r>
+              <a:rPr lang="en-US" b="1" dirty="0"/>
+              <a:t>"double underscore"</a:t>
+            </a:r>
+            <a:r>
+              <a:rPr lang="en-US" dirty="0"/>
+              <a:t> functions because they have a double underscore prefix and suffix, such as __</a:t>
+            </a:r>
+            <a:r>
+              <a:rPr lang="en-US" dirty="0" err="1"/>
+              <a:t>init</a:t>
+            </a:r>
+            <a:r>
+              <a:rPr lang="en-US" dirty="0"/>
+              <a:t>__() or __add__().</a:t>
+            </a:r>
+          </a:p>
+          <a:p>
+            <a:pPr algn="just"/>
+            <a:endParaRPr lang="en-US" dirty="0" smtClean="0"/>
+          </a:p>
+          <a:p>
+            <a:endParaRPr lang="en-US" dirty="0"/>
+          </a:p>
+        </p:txBody>
+      </p:sp>
+    </p:spTree>
+    <p:extLst>
+      <p:ext uri="{BB962C8B-B14F-4D97-AF65-F5344CB8AC3E}">
+        <p14:creationId xmlns:p14="http://schemas.microsoft.com/office/powerpoint/2010/main" val="1198836951"/>
+      </p:ext>
+    </p:extLst>
+  </p:cSld>
+  <p:clrMapOvr>
+    <a:masterClrMapping/>
+  </p:clrMapOvr>
+  <p:timing>
+    <p:tnLst>
+      <p:par>
+        <p:cTn id="1" dur="indefinite" restart="never" nodeType="tmRoot"/>
+      </p:par>
+    </p:tnLst>
+  </p:timing>
+</p:sld>
+</file>
+
+<file path=ppt/slides/slide33.xml><?xml version="1.0" encoding="utf-8"?>
+<p:sld xmlns:a="http://schemas.openxmlformats.org/drawingml/2006/main" xmlns:r="http://schemas.openxmlformats.org/officeDocument/2006/relationships" xmlns:p="http://schemas.openxmlformats.org/presentationml/2006/main">
+  <p:cSld>
+    <p:spTree>
+      <p:nvGrpSpPr>
+        <p:cNvPr id="1" name="Shape 102"/>
+        <p:cNvGrpSpPr/>
+        <p:nvPr/>
+      </p:nvGrpSpPr>
+      <p:grpSpPr>
+        <a:xfrm>
+          <a:off x="0" y="0"/>
+          <a:ext cx="0" cy="0"/>
+          <a:chOff x="0" y="0"/>
+          <a:chExt cx="0" cy="0"/>
+        </a:xfrm>
+      </p:grpSpPr>
+      <p:sp>
+        <p:nvSpPr>
+          <p:cNvPr id="103" name="Google Shape;103;p16"/>
+          <p:cNvSpPr txBox="1">
+            <a:spLocks noGrp="1"/>
+          </p:cNvSpPr>
+          <p:nvPr>
+            <p:ph type="title"/>
+          </p:nvPr>
+        </p:nvSpPr>
+        <p:spPr>
+          <a:xfrm>
+            <a:off x="0" y="3650"/>
+            <a:ext cx="9144000" cy="523232"/>
+          </a:xfrm>
+          <a:prstGeom prst="rect">
+            <a:avLst/>
+          </a:prstGeom>
+        </p:spPr>
+        <p:txBody>
+          <a:bodyPr spcFirstLastPara="1" wrap="square" lIns="91425" tIns="91425" rIns="91425" bIns="91425" anchor="t" anchorCtr="0">
+            <a:noAutofit/>
+          </a:bodyPr>
+          <a:lstStyle/>
+          <a:p>
+            <a:pPr algn="ctr"/>
+            <a:r>
+              <a:rPr lang="en-US" sz="2400" b="1" dirty="0" smtClean="0"/>
+              <a:t>PYTHON MAGIC / THUNDER FUNCTIONS</a:t>
+            </a:r>
+            <a:endParaRPr lang="en-US" sz="2400" b="1" dirty="0"/>
+          </a:p>
+        </p:txBody>
+      </p:sp>
+      <p:sp>
+        <p:nvSpPr>
+          <p:cNvPr id="3" name="Rectangle 2"/>
+          <p:cNvSpPr/>
+          <p:nvPr/>
+        </p:nvSpPr>
+        <p:spPr>
+          <a:xfrm>
+            <a:off x="466529" y="548562"/>
+            <a:ext cx="8089641" cy="4093428"/>
+          </a:xfrm>
+          <a:prstGeom prst="rect">
+            <a:avLst/>
+          </a:prstGeom>
+        </p:spPr>
+        <p:txBody>
+          <a:bodyPr wrap="square">
+            <a:spAutoFit/>
+          </a:bodyPr>
+          <a:lstStyle/>
+          <a:p>
+            <a:pPr algn="just"/>
+            <a:r>
+              <a:rPr lang="en-US" sz="1300" dirty="0"/>
+              <a:t>C</a:t>
+            </a:r>
+            <a:r>
+              <a:rPr lang="en-US" sz="1300" dirty="0" smtClean="0"/>
+              <a:t>lasses </a:t>
+            </a:r>
+            <a:r>
+              <a:rPr lang="en-US" sz="1300" dirty="0"/>
+              <a:t>using </a:t>
+            </a:r>
+            <a:r>
+              <a:rPr lang="en-US" sz="1300" b="1" dirty="0"/>
+              <a:t>special methods</a:t>
+            </a:r>
+            <a:r>
+              <a:rPr lang="en-US" sz="1300" dirty="0"/>
+              <a:t>, also known as </a:t>
+            </a:r>
+            <a:r>
+              <a:rPr lang="en-US" sz="1300" b="1" dirty="0"/>
+              <a:t>magic methods</a:t>
+            </a:r>
+            <a:r>
+              <a:rPr lang="en-US" sz="1300" dirty="0"/>
+              <a:t> or </a:t>
+            </a:r>
+            <a:r>
+              <a:rPr lang="en-US" sz="1300" b="1" dirty="0" err="1"/>
+              <a:t>dunder</a:t>
+            </a:r>
+            <a:r>
+              <a:rPr lang="en-US" sz="1300" b="1" dirty="0"/>
+              <a:t> methods</a:t>
+            </a:r>
+            <a:r>
+              <a:rPr lang="en-US" sz="1300" dirty="0"/>
+              <a:t>. A special method is a method whose name starts and ends with a double underscore. These methods have special meanings for Python</a:t>
+            </a:r>
+            <a:r>
+              <a:rPr lang="en-US" sz="1300" dirty="0" smtClean="0"/>
+              <a:t>.</a:t>
+            </a:r>
+          </a:p>
+          <a:p>
+            <a:pPr algn="just"/>
+            <a:endParaRPr lang="en-US" sz="1300" dirty="0"/>
+          </a:p>
+          <a:p>
+            <a:pPr algn="just"/>
+            <a:r>
+              <a:rPr lang="en-US" sz="1300" b="1" u="sng" dirty="0" smtClean="0"/>
+              <a:t>SYNTAX:</a:t>
+            </a:r>
+          </a:p>
+          <a:p>
+            <a:pPr algn="just"/>
+            <a:r>
+              <a:rPr lang="en-US" sz="1300" b="1" dirty="0">
+                <a:solidFill>
+                  <a:schemeClr val="tx1"/>
+                </a:solidFill>
+              </a:rPr>
+              <a:t>__method</a:t>
+            </a:r>
+            <a:r>
+              <a:rPr lang="en-US" sz="1300" b="1" dirty="0" smtClean="0">
+                <a:solidFill>
+                  <a:schemeClr val="tx1"/>
+                </a:solidFill>
+              </a:rPr>
+              <a:t>__()</a:t>
+            </a:r>
+          </a:p>
+          <a:p>
+            <a:pPr algn="just"/>
+            <a:endParaRPr lang="en-US" sz="1300" b="1" dirty="0">
+              <a:solidFill>
+                <a:schemeClr val="tx1"/>
+              </a:solidFill>
+            </a:endParaRPr>
+          </a:p>
+          <a:p>
+            <a:pPr algn="just"/>
+            <a:r>
+              <a:rPr lang="pt-BR" sz="1300" b="1" dirty="0" smtClean="0">
+                <a:solidFill>
+                  <a:schemeClr val="tx1"/>
+                </a:solidFill>
+              </a:rPr>
+              <a:t>num=10</a:t>
+            </a:r>
+          </a:p>
+          <a:p>
+            <a:pPr algn="just"/>
+            <a:r>
+              <a:rPr lang="pt-BR" sz="1300" b="1" dirty="0" smtClean="0">
+                <a:solidFill>
+                  <a:schemeClr val="tx1"/>
+                </a:solidFill>
+              </a:rPr>
+              <a:t>res </a:t>
+            </a:r>
+            <a:r>
+              <a:rPr lang="pt-BR" sz="1300" b="1" dirty="0">
+                <a:solidFill>
+                  <a:schemeClr val="tx1"/>
+                </a:solidFill>
+              </a:rPr>
+              <a:t>= num.__add__(5) </a:t>
+            </a:r>
+            <a:endParaRPr lang="pt-BR" sz="1300" b="1" dirty="0" smtClean="0">
+              <a:solidFill>
+                <a:schemeClr val="tx1"/>
+              </a:solidFill>
+            </a:endParaRPr>
+          </a:p>
+          <a:p>
+            <a:pPr algn="just"/>
+            <a:r>
+              <a:rPr lang="pt-BR" sz="1300" b="1" dirty="0" smtClean="0">
+                <a:solidFill>
+                  <a:schemeClr val="tx1"/>
+                </a:solidFill>
+              </a:rPr>
+              <a:t>print(res)</a:t>
+            </a:r>
+          </a:p>
+          <a:p>
+            <a:pPr algn="just"/>
+            <a:endParaRPr lang="pt-BR" sz="1300" b="1" dirty="0">
+              <a:solidFill>
+                <a:schemeClr val="tx1"/>
+              </a:solidFill>
+            </a:endParaRPr>
+          </a:p>
+          <a:p>
+            <a:pPr algn="just"/>
+            <a:r>
+              <a:rPr lang="en-US" sz="1300" b="1" dirty="0" err="1" smtClean="0">
+                <a:solidFill>
+                  <a:schemeClr val="tx1"/>
+                </a:solidFill>
+              </a:rPr>
+              <a:t>num</a:t>
+            </a:r>
+            <a:r>
+              <a:rPr lang="en-US" sz="1300" b="1" dirty="0" smtClean="0">
+                <a:solidFill>
+                  <a:schemeClr val="tx1"/>
+                </a:solidFill>
+              </a:rPr>
+              <a:t>=12</a:t>
+            </a:r>
+          </a:p>
+          <a:p>
+            <a:pPr algn="just"/>
+            <a:r>
+              <a:rPr lang="en-US" sz="1300" b="1" dirty="0" err="1" smtClean="0">
+                <a:solidFill>
+                  <a:schemeClr val="tx1"/>
+                </a:solidFill>
+              </a:rPr>
+              <a:t>val</a:t>
+            </a:r>
+            <a:r>
+              <a:rPr lang="en-US" sz="1300" b="1" dirty="0" smtClean="0">
+                <a:solidFill>
+                  <a:schemeClr val="tx1"/>
+                </a:solidFill>
+              </a:rPr>
+              <a:t> </a:t>
+            </a:r>
+            <a:r>
+              <a:rPr lang="en-US" sz="1300" b="1" dirty="0">
+                <a:solidFill>
+                  <a:schemeClr val="tx1"/>
+                </a:solidFill>
+              </a:rPr>
+              <a:t>= </a:t>
+            </a:r>
+            <a:r>
+              <a:rPr lang="en-US" sz="1300" b="1" dirty="0" err="1">
+                <a:solidFill>
+                  <a:schemeClr val="tx1"/>
+                </a:solidFill>
+              </a:rPr>
+              <a:t>int</a:t>
+            </a:r>
+            <a:r>
+              <a:rPr lang="en-US" sz="1300" b="1" dirty="0">
+                <a:solidFill>
+                  <a:schemeClr val="tx1"/>
+                </a:solidFill>
+              </a:rPr>
+              <a:t>.__</a:t>
+            </a:r>
+            <a:r>
+              <a:rPr lang="en-US" sz="1300" b="1" dirty="0" err="1">
+                <a:solidFill>
+                  <a:schemeClr val="tx1"/>
+                </a:solidFill>
+              </a:rPr>
+              <a:t>str</a:t>
+            </a:r>
+            <a:r>
+              <a:rPr lang="en-US" sz="1300" b="1" dirty="0">
+                <a:solidFill>
+                  <a:schemeClr val="tx1"/>
+                </a:solidFill>
+              </a:rPr>
+              <a:t>__(</a:t>
+            </a:r>
+            <a:r>
+              <a:rPr lang="en-US" sz="1300" b="1" dirty="0" err="1">
+                <a:solidFill>
+                  <a:schemeClr val="tx1"/>
+                </a:solidFill>
+              </a:rPr>
+              <a:t>num</a:t>
+            </a:r>
+            <a:r>
+              <a:rPr lang="en-US" sz="1300" b="1" dirty="0" smtClean="0">
+                <a:solidFill>
+                  <a:schemeClr val="tx1"/>
+                </a:solidFill>
+              </a:rPr>
+              <a:t>)</a:t>
+            </a:r>
+          </a:p>
+          <a:p>
+            <a:pPr algn="just"/>
+            <a:r>
+              <a:rPr lang="en-US" sz="1300" b="1" dirty="0" smtClean="0">
+                <a:solidFill>
+                  <a:schemeClr val="tx1"/>
+                </a:solidFill>
+              </a:rPr>
+              <a:t>print(type(</a:t>
+            </a:r>
+            <a:r>
+              <a:rPr lang="en-US" sz="1300" b="1" dirty="0" err="1" smtClean="0">
+                <a:solidFill>
+                  <a:schemeClr val="tx1"/>
+                </a:solidFill>
+              </a:rPr>
+              <a:t>val</a:t>
+            </a:r>
+            <a:r>
+              <a:rPr lang="en-US" sz="1300" b="1" dirty="0">
+                <a:solidFill>
+                  <a:schemeClr val="tx1"/>
+                </a:solidFill>
+              </a:rPr>
+              <a:t>))</a:t>
+            </a:r>
+            <a:endParaRPr lang="en-US" sz="1300" b="1" dirty="0" smtClean="0">
+              <a:solidFill>
+                <a:schemeClr val="tx1"/>
+              </a:solidFill>
+            </a:endParaRPr>
+          </a:p>
+          <a:p>
+            <a:pPr algn="just"/>
+            <a:endParaRPr lang="en-US" sz="1300" b="1" dirty="0">
+              <a:solidFill>
+                <a:schemeClr val="tx1"/>
+              </a:solidFill>
+            </a:endParaRPr>
+          </a:p>
+          <a:p>
+            <a:pPr algn="just"/>
+            <a:r>
+              <a:rPr lang="en-US" sz="1300" dirty="0"/>
+              <a:t>Built-in classes in Python define many magic methods. Use the </a:t>
+            </a:r>
+            <a:r>
+              <a:rPr lang="en-US" sz="1300" dirty="0" err="1"/>
+              <a:t>dir</a:t>
+            </a:r>
+            <a:r>
+              <a:rPr lang="en-US" sz="1300" dirty="0"/>
+              <a:t>() function to see the number of magic methods inherited by a class. For example, the following lists all the attributes and methods defined in the </a:t>
+            </a:r>
+            <a:r>
+              <a:rPr lang="en-US" sz="1300" dirty="0" err="1"/>
+              <a:t>int</a:t>
+            </a:r>
+            <a:r>
+              <a:rPr lang="en-US" sz="1300" dirty="0"/>
+              <a:t> class</a:t>
+            </a:r>
+            <a:r>
+              <a:rPr lang="en-US" sz="1300" dirty="0" smtClean="0"/>
+              <a:t>.</a:t>
+            </a:r>
+          </a:p>
+          <a:p>
+            <a:pPr algn="just"/>
+            <a:endParaRPr lang="en-US" sz="1300" b="1" dirty="0">
+              <a:solidFill>
+                <a:schemeClr val="tx1"/>
+              </a:solidFill>
+            </a:endParaRPr>
+          </a:p>
+          <a:p>
+            <a:pPr algn="just"/>
+            <a:r>
+              <a:rPr lang="en-US" sz="1300" b="1" dirty="0">
+                <a:solidFill>
+                  <a:schemeClr val="tx1"/>
+                </a:solidFill>
+              </a:rPr>
+              <a:t>print(</a:t>
+            </a:r>
+            <a:r>
+              <a:rPr lang="en-US" sz="1300" b="1" dirty="0" err="1">
+                <a:solidFill>
+                  <a:schemeClr val="tx1"/>
+                </a:solidFill>
+              </a:rPr>
+              <a:t>dir</a:t>
+            </a:r>
+            <a:r>
+              <a:rPr lang="en-US" sz="1300" b="1" dirty="0">
+                <a:solidFill>
+                  <a:schemeClr val="tx1"/>
+                </a:solidFill>
+              </a:rPr>
+              <a:t>(</a:t>
+            </a:r>
+            <a:r>
+              <a:rPr lang="en-US" sz="1300" b="1" dirty="0" err="1">
+                <a:solidFill>
+                  <a:schemeClr val="tx1"/>
+                </a:solidFill>
+              </a:rPr>
+              <a:t>int</a:t>
+            </a:r>
+            <a:r>
+              <a:rPr lang="en-US" sz="1300" b="1" dirty="0" smtClean="0">
+                <a:solidFill>
+                  <a:schemeClr val="tx1"/>
+                </a:solidFill>
+              </a:rPr>
+              <a:t>))</a:t>
+            </a:r>
+            <a:endParaRPr lang="en-US" sz="1300" dirty="0"/>
+          </a:p>
+        </p:txBody>
+      </p:sp>
+    </p:spTree>
+    <p:extLst>
+      <p:ext uri="{BB962C8B-B14F-4D97-AF65-F5344CB8AC3E}">
+        <p14:creationId xmlns:p14="http://schemas.microsoft.com/office/powerpoint/2010/main" val="3222079459"/>
+      </p:ext>
+    </p:extLst>
+  </p:cSld>
+  <p:clrMapOvr>
+    <a:masterClrMapping/>
+  </p:clrMapOvr>
+  <p:timing>
+    <p:tnLst>
+      <p:par>
+        <p:cTn id="1" dur="indefinite" restart="never" nodeType="tmRoot"/>
+      </p:par>
+    </p:tnLst>
+  </p:timing>
+</p:sld>
+</file>
+
+<file path=ppt/slides/slide34.xml><?xml version="1.0" encoding="utf-8"?>
+<p:sld xmlns:a="http://schemas.openxmlformats.org/drawingml/2006/main" xmlns:r="http://schemas.openxmlformats.org/officeDocument/2006/relationships" xmlns:p="http://schemas.openxmlformats.org/presentationml/2006/main">
+  <p:cSld>
+    <p:spTree>
+      <p:nvGrpSpPr>
+        <p:cNvPr id="1" name="Shape 102"/>
+        <p:cNvGrpSpPr/>
+        <p:nvPr/>
+      </p:nvGrpSpPr>
+      <p:grpSpPr>
+        <a:xfrm>
+          <a:off x="0" y="0"/>
+          <a:ext cx="0" cy="0"/>
+          <a:chOff x="0" y="0"/>
+          <a:chExt cx="0" cy="0"/>
+        </a:xfrm>
+      </p:grpSpPr>
+      <p:sp>
+        <p:nvSpPr>
+          <p:cNvPr id="103" name="Google Shape;103;p16"/>
+          <p:cNvSpPr txBox="1">
+            <a:spLocks noGrp="1"/>
+          </p:cNvSpPr>
+          <p:nvPr>
+            <p:ph type="title"/>
+          </p:nvPr>
+        </p:nvSpPr>
+        <p:spPr>
+          <a:xfrm>
+            <a:off x="0" y="3650"/>
+            <a:ext cx="9144000" cy="523232"/>
+          </a:xfrm>
+          <a:prstGeom prst="rect">
+            <a:avLst/>
+          </a:prstGeom>
+        </p:spPr>
+        <p:txBody>
+          <a:bodyPr spcFirstLastPara="1" wrap="square" lIns="91425" tIns="91425" rIns="91425" bIns="91425" anchor="t" anchorCtr="0">
+            <a:noAutofit/>
+          </a:bodyPr>
+          <a:lstStyle/>
+          <a:p>
+            <a:pPr algn="ctr"/>
+            <a:r>
+              <a:rPr lang="en-US" sz="2400" b="1" dirty="0" smtClean="0"/>
+              <a:t>PYTHON MAGIC / THUNDER FUNCTIONS</a:t>
+            </a:r>
+            <a:endParaRPr lang="en-US" sz="2400" b="1" dirty="0"/>
+          </a:p>
+        </p:txBody>
+      </p:sp>
+      <p:sp>
+        <p:nvSpPr>
+          <p:cNvPr id="3" name="Rectangle 2"/>
+          <p:cNvSpPr/>
+          <p:nvPr/>
+        </p:nvSpPr>
+        <p:spPr>
+          <a:xfrm>
+            <a:off x="466529" y="548562"/>
+            <a:ext cx="8089641" cy="3801041"/>
+          </a:xfrm>
+          <a:prstGeom prst="rect">
+            <a:avLst/>
+          </a:prstGeom>
+        </p:spPr>
+        <p:txBody>
+          <a:bodyPr wrap="square">
+            <a:spAutoFit/>
+          </a:bodyPr>
+          <a:lstStyle/>
+          <a:p>
+            <a:pPr algn="just"/>
+            <a:r>
+              <a:rPr lang="en-US" sz="1200" dirty="0"/>
+              <a:t>Dynamic polymorphism in Python, often referred to as runtime polymorphism, allows methods to be defined in a subclass that override methods defined in a base class. This enables different behaviors based on the subclass that is instantiated</a:t>
+            </a:r>
+            <a:r>
+              <a:rPr lang="en-US" sz="1200" dirty="0" smtClean="0"/>
+              <a:t>.</a:t>
+            </a:r>
+          </a:p>
+          <a:p>
+            <a:pPr algn="just"/>
+            <a:endParaRPr lang="en-US" sz="1200" dirty="0"/>
+          </a:p>
+          <a:p>
+            <a:pPr algn="just"/>
+            <a:r>
+              <a:rPr lang="en-US" sz="1200" dirty="0"/>
+              <a:t>demonstrating dynamic polymorphism using inheritance and method overriding</a:t>
+            </a:r>
+            <a:r>
+              <a:rPr lang="en-US" sz="1200" dirty="0" smtClean="0"/>
+              <a:t>:</a:t>
+            </a:r>
+          </a:p>
+          <a:p>
+            <a:pPr algn="just"/>
+            <a:endParaRPr lang="en-US" sz="1200" dirty="0"/>
+          </a:p>
+          <a:p>
+            <a:r>
+              <a:rPr lang="en-US" sz="1200" b="1" dirty="0"/>
+              <a:t>Explanation</a:t>
+            </a:r>
+          </a:p>
+          <a:p>
+            <a:r>
+              <a:rPr lang="en-US" sz="1200" b="1" dirty="0"/>
+              <a:t>Base Class (Animal)</a:t>
+            </a:r>
+            <a:r>
+              <a:rPr lang="en-US" sz="1200" dirty="0"/>
+              <a:t>: The Animal class defines an abstract method speak. This method is meant to be overridden in subclasses.</a:t>
+            </a:r>
+          </a:p>
+          <a:p>
+            <a:r>
+              <a:rPr lang="en-US" sz="1200" b="1" dirty="0"/>
+              <a:t>Subclasses (Dog, Cat, Bird)</a:t>
+            </a:r>
+            <a:r>
+              <a:rPr lang="en-US" sz="1200" dirty="0"/>
+              <a:t>: Each subclass of Animal overrides the speak method to provide its own implementation.</a:t>
+            </a:r>
+          </a:p>
+          <a:p>
+            <a:r>
+              <a:rPr lang="en-US" sz="1200" b="1" dirty="0"/>
+              <a:t>Polymorphism in Action</a:t>
+            </a:r>
+            <a:r>
+              <a:rPr lang="en-US" sz="1200" dirty="0"/>
+              <a:t>: The </a:t>
+            </a:r>
+            <a:r>
+              <a:rPr lang="en-US" sz="1200" dirty="0" err="1"/>
+              <a:t>animal_sound</a:t>
+            </a:r>
+            <a:r>
+              <a:rPr lang="en-US" sz="1200" dirty="0"/>
+              <a:t> function takes an instance of Animal (or any subclass thereof) and calls the speak method. Depending on the actual subclass of the animal object, the appropriate overridden method is executed.</a:t>
+            </a:r>
+          </a:p>
+          <a:p>
+            <a:pPr algn="just"/>
+            <a:endParaRPr lang="en-US" sz="1300" dirty="0" smtClean="0"/>
+          </a:p>
+          <a:p>
+            <a:r>
+              <a:rPr lang="en-US" sz="1200" b="1" dirty="0"/>
+              <a:t>Benefits of Dynamic Polymorphism</a:t>
+            </a:r>
+          </a:p>
+          <a:p>
+            <a:r>
+              <a:rPr lang="en-US" sz="1200" b="1" dirty="0"/>
+              <a:t>Flexibility</a:t>
+            </a:r>
+            <a:r>
+              <a:rPr lang="en-US" sz="1200" dirty="0"/>
+              <a:t>: You can write code that works with objects of different classes, allowing for more flexible and reusable code.</a:t>
+            </a:r>
+          </a:p>
+          <a:p>
+            <a:r>
+              <a:rPr lang="en-US" sz="1200" b="1" dirty="0"/>
+              <a:t>Maintainability</a:t>
+            </a:r>
+            <a:r>
+              <a:rPr lang="en-US" sz="1200" dirty="0"/>
+              <a:t>: It is easier to maintain and extend. You can add new subclasses without changing the existing code that uses the base class</a:t>
+            </a:r>
+            <a:r>
+              <a:rPr lang="en-US" sz="1200" dirty="0" smtClean="0"/>
+              <a:t>.</a:t>
+            </a:r>
+            <a:endParaRPr lang="en-US" sz="1300" dirty="0"/>
+          </a:p>
+        </p:txBody>
+      </p:sp>
+    </p:spTree>
+    <p:extLst>
+      <p:ext uri="{BB962C8B-B14F-4D97-AF65-F5344CB8AC3E}">
+        <p14:creationId xmlns:p14="http://schemas.microsoft.com/office/powerpoint/2010/main" val="1508696930"/>
+      </p:ext>
+    </p:extLst>
+  </p:cSld>
+  <p:clrMapOvr>
+    <a:masterClrMapping/>
+  </p:clrMapOvr>
+  <p:timing>
+    <p:tnLst>
+      <p:par>
+        <p:cTn id="1" dur="indefinite" restart="never" nodeType="tmRoot"/>
+      </p:par>
+    </p:tnLst>
+  </p:timing>
+</p:sld>
+</file>
+
+<file path=ppt/slides/slide35.xml><?xml version="1.0" encoding="utf-8"?>
+<p:sld xmlns:a="http://schemas.openxmlformats.org/drawingml/2006/main" xmlns:r="http://schemas.openxmlformats.org/officeDocument/2006/relationships" xmlns:p="http://schemas.openxmlformats.org/presentationml/2006/main">
+  <p:cSld>
+    <p:spTree>
+      <p:nvGrpSpPr>
+        <p:cNvPr id="1" name="Shape 102"/>
+        <p:cNvGrpSpPr/>
+        <p:nvPr/>
+      </p:nvGrpSpPr>
+      <p:grpSpPr>
+        <a:xfrm>
+          <a:off x="0" y="0"/>
+          <a:ext cx="0" cy="0"/>
+          <a:chOff x="0" y="0"/>
+          <a:chExt cx="0" cy="0"/>
+        </a:xfrm>
+      </p:grpSpPr>
+      <p:sp>
+        <p:nvSpPr>
+          <p:cNvPr id="103" name="Google Shape;103;p16"/>
+          <p:cNvSpPr txBox="1">
+            <a:spLocks noGrp="1"/>
+          </p:cNvSpPr>
+          <p:nvPr>
+            <p:ph type="title"/>
+          </p:nvPr>
+        </p:nvSpPr>
+        <p:spPr>
+          <a:xfrm>
+            <a:off x="0" y="3650"/>
+            <a:ext cx="9144000" cy="523232"/>
+          </a:xfrm>
+          <a:prstGeom prst="rect">
+            <a:avLst/>
+          </a:prstGeom>
+        </p:spPr>
+        <p:txBody>
+          <a:bodyPr spcFirstLastPara="1" wrap="square" lIns="91425" tIns="91425" rIns="91425" bIns="91425" anchor="t" anchorCtr="0">
+            <a:noAutofit/>
+          </a:bodyPr>
+          <a:lstStyle/>
+          <a:p>
+            <a:pPr algn="ctr"/>
+            <a:r>
+              <a:rPr lang="en-US" sz="2400" b="1" dirty="0" smtClean="0"/>
+              <a:t>PYTHON ABSTRACT CLASS &amp; METHODS</a:t>
+            </a:r>
+            <a:endParaRPr lang="en-US" sz="2400" b="1" dirty="0"/>
+          </a:p>
+        </p:txBody>
+      </p:sp>
+      <p:sp>
+        <p:nvSpPr>
+          <p:cNvPr id="3" name="Rectangle 2"/>
+          <p:cNvSpPr/>
+          <p:nvPr/>
+        </p:nvSpPr>
+        <p:spPr>
+          <a:xfrm>
+            <a:off x="466529" y="548562"/>
+            <a:ext cx="8089641" cy="2154436"/>
+          </a:xfrm>
+          <a:prstGeom prst="rect">
+            <a:avLst/>
+          </a:prstGeom>
+        </p:spPr>
+        <p:txBody>
+          <a:bodyPr wrap="square">
+            <a:spAutoFit/>
+          </a:bodyPr>
+          <a:lstStyle/>
+          <a:p>
+            <a:pPr algn="just"/>
+            <a:r>
+              <a:rPr lang="en-US" sz="1200" dirty="0"/>
+              <a:t>An abstract class can be considered a </a:t>
+            </a:r>
+            <a:r>
+              <a:rPr lang="en-US" sz="1200" dirty="0" smtClean="0"/>
+              <a:t>prototype / sketch </a:t>
+            </a:r>
+            <a:r>
+              <a:rPr lang="en-US" sz="1200" dirty="0"/>
+              <a:t>for other classes. It allows you to create a set of methods that must be created within any child classes built from the abstract class.</a:t>
+            </a:r>
+            <a:endParaRPr lang="en-US" sz="1300" dirty="0"/>
+          </a:p>
+          <a:p>
+            <a:pPr algn="just"/>
+            <a:endParaRPr lang="en-US" sz="1200" dirty="0" smtClean="0"/>
+          </a:p>
+          <a:p>
+            <a:pPr algn="just"/>
+            <a:r>
+              <a:rPr lang="en-US" sz="1200" dirty="0" smtClean="0"/>
+              <a:t>A </a:t>
+            </a:r>
+            <a:r>
+              <a:rPr lang="en-US" sz="1200" dirty="0"/>
+              <a:t>class that contains one or more abstract methods is called an </a:t>
+            </a:r>
+            <a:r>
+              <a:rPr lang="en-US" sz="1200" b="1" dirty="0"/>
+              <a:t>abstract class</a:t>
+            </a:r>
+            <a:r>
+              <a:rPr lang="en-US" sz="1200" dirty="0"/>
+              <a:t>. An </a:t>
+            </a:r>
+            <a:r>
+              <a:rPr lang="en-US" sz="1200" b="1" dirty="0"/>
+              <a:t>abstract method</a:t>
+            </a:r>
+            <a:r>
+              <a:rPr lang="en-US" sz="1200" dirty="0"/>
+              <a:t> is a method that has a declaration but does not have an </a:t>
+            </a:r>
+            <a:r>
+              <a:rPr lang="en-US" sz="1200" dirty="0" smtClean="0"/>
+              <a:t>implementation</a:t>
+            </a:r>
+          </a:p>
+          <a:p>
+            <a:pPr algn="just"/>
+            <a:endParaRPr lang="en-US" sz="1200" dirty="0"/>
+          </a:p>
+          <a:p>
+            <a:pPr fontAlgn="base"/>
+            <a:r>
+              <a:rPr lang="en-US" sz="1200" b="1" dirty="0"/>
+              <a:t>Working on Python Abstract classes </a:t>
+            </a:r>
+          </a:p>
+          <a:p>
+            <a:pPr fontAlgn="base"/>
+            <a:r>
+              <a:rPr lang="en-US" sz="1200" dirty="0"/>
+              <a:t>By default, </a:t>
+            </a:r>
+            <a:r>
+              <a:rPr lang="en-US" sz="1200" u="sng" dirty="0"/>
+              <a:t>Python</a:t>
+            </a:r>
+            <a:r>
+              <a:rPr lang="en-US" sz="1200" dirty="0"/>
+              <a:t> does not provide </a:t>
+            </a:r>
+            <a:r>
+              <a:rPr lang="en-US" sz="1200" b="1" dirty="0"/>
+              <a:t>abstract classes</a:t>
+            </a:r>
+            <a:r>
+              <a:rPr lang="en-US" sz="1200" dirty="0"/>
+              <a:t>. Python comes with a module that provides the base for defining A</a:t>
+            </a:r>
+            <a:r>
+              <a:rPr lang="en-US" sz="1200" b="1" dirty="0"/>
+              <a:t>bstract Base classes(ABC) </a:t>
+            </a:r>
+            <a:r>
+              <a:rPr lang="en-US" sz="1200" dirty="0"/>
+              <a:t>and that module name is </a:t>
+            </a:r>
+            <a:r>
+              <a:rPr lang="en-US" sz="1200" b="1" dirty="0"/>
+              <a:t>ABC</a:t>
+            </a:r>
+            <a:r>
+              <a:rPr lang="en-US" sz="1200" dirty="0"/>
+              <a:t>.</a:t>
+            </a:r>
+          </a:p>
+          <a:p>
+            <a:pPr algn="just"/>
+            <a:endParaRPr lang="en-US" sz="1200" dirty="0" smtClean="0"/>
+          </a:p>
+          <a:p>
+            <a:pPr algn="just"/>
+            <a:r>
+              <a:rPr lang="en-US" sz="1200" dirty="0"/>
+              <a:t>A method becomes abstract when decorated with the keyword </a:t>
+            </a:r>
+            <a:r>
+              <a:rPr lang="en-US" sz="1200" b="1" dirty="0">
+                <a:solidFill>
+                  <a:schemeClr val="tx1"/>
+                </a:solidFill>
+              </a:rPr>
+              <a:t>@</a:t>
+            </a:r>
+            <a:r>
+              <a:rPr lang="en-US" sz="1200" b="1" dirty="0" err="1">
+                <a:solidFill>
+                  <a:schemeClr val="tx1"/>
+                </a:solidFill>
+              </a:rPr>
+              <a:t>abstractmethod</a:t>
+            </a:r>
+            <a:r>
+              <a:rPr lang="en-US" sz="1200" b="1" dirty="0">
+                <a:solidFill>
+                  <a:schemeClr val="tx1"/>
+                </a:solidFill>
+              </a:rPr>
+              <a:t>.</a:t>
+            </a:r>
+          </a:p>
+        </p:txBody>
+      </p:sp>
+    </p:spTree>
+    <p:extLst>
+      <p:ext uri="{BB962C8B-B14F-4D97-AF65-F5344CB8AC3E}">
+        <p14:creationId xmlns:p14="http://schemas.microsoft.com/office/powerpoint/2010/main" val="191437367"/>
+      </p:ext>
+    </p:extLst>
+  </p:cSld>
+  <p:clrMapOvr>
+    <a:masterClrMapping/>
+  </p:clrMapOvr>
+  <p:timing>
+    <p:tnLst>
+      <p:par>
+        <p:cTn id="1" dur="indefinite" restart="never" nodeType="tmRoot"/>
+      </p:par>
+    </p:tnLst>
+  </p:timing>
+</p:sld>
+</file>
+
+<file path=ppt/slides/slide36.xml><?xml version="1.0" encoding="utf-8"?>
+<p:sld xmlns:a="http://schemas.openxmlformats.org/drawingml/2006/main" xmlns:r="http://schemas.openxmlformats.org/officeDocument/2006/relationships" xmlns:p="http://schemas.openxmlformats.org/presentationml/2006/main">
+  <p:cSld>
+    <p:spTree>
+      <p:nvGrpSpPr>
+        <p:cNvPr id="1" name="Shape 102"/>
+        <p:cNvGrpSpPr/>
+        <p:nvPr/>
+      </p:nvGrpSpPr>
+      <p:grpSpPr>
+        <a:xfrm>
+          <a:off x="0" y="0"/>
+          <a:ext cx="0" cy="0"/>
+          <a:chOff x="0" y="0"/>
+          <a:chExt cx="0" cy="0"/>
+        </a:xfrm>
+      </p:grpSpPr>
+      <p:sp>
+        <p:nvSpPr>
+          <p:cNvPr id="103" name="Google Shape;103;p16"/>
+          <p:cNvSpPr txBox="1">
+            <a:spLocks noGrp="1"/>
+          </p:cNvSpPr>
+          <p:nvPr>
+            <p:ph type="title"/>
+          </p:nvPr>
+        </p:nvSpPr>
+        <p:spPr>
+          <a:xfrm>
+            <a:off x="0" y="3650"/>
+            <a:ext cx="9144000" cy="523232"/>
+          </a:xfrm>
+          <a:prstGeom prst="rect">
+            <a:avLst/>
+          </a:prstGeom>
+        </p:spPr>
+        <p:txBody>
+          <a:bodyPr spcFirstLastPara="1" wrap="square" lIns="91425" tIns="91425" rIns="91425" bIns="91425" anchor="t" anchorCtr="0">
+            <a:noAutofit/>
+          </a:bodyPr>
+          <a:lstStyle/>
+          <a:p>
+            <a:pPr algn="ctr"/>
+            <a:r>
+              <a:rPr lang="en-US" sz="2400" b="1" dirty="0" smtClean="0"/>
+              <a:t>PYTHON KEYWORD ARGUMENTS</a:t>
+            </a:r>
+            <a:endParaRPr lang="en-US" sz="2400" b="1" dirty="0"/>
+          </a:p>
+        </p:txBody>
+      </p:sp>
+      <p:sp>
+        <p:nvSpPr>
+          <p:cNvPr id="3" name="Rectangle 2"/>
+          <p:cNvSpPr/>
+          <p:nvPr/>
+        </p:nvSpPr>
+        <p:spPr>
+          <a:xfrm>
+            <a:off x="466529" y="548562"/>
+            <a:ext cx="8089641" cy="1569660"/>
+          </a:xfrm>
+          <a:prstGeom prst="rect">
+            <a:avLst/>
+          </a:prstGeom>
+        </p:spPr>
+        <p:txBody>
+          <a:bodyPr wrap="square">
+            <a:spAutoFit/>
+          </a:bodyPr>
+          <a:lstStyle/>
+          <a:p>
+            <a:r>
+              <a:rPr lang="en-US" sz="1200" b="1" u="sng" dirty="0"/>
+              <a:t>Keyword Arguments</a:t>
+            </a:r>
+          </a:p>
+          <a:p>
+            <a:r>
+              <a:rPr lang="en-US" sz="1200" dirty="0"/>
+              <a:t>You can also send arguments with the </a:t>
+            </a:r>
+            <a:r>
+              <a:rPr lang="en-US" sz="1200" i="1" dirty="0"/>
+              <a:t>key</a:t>
+            </a:r>
+            <a:r>
+              <a:rPr lang="en-US" sz="1200" dirty="0"/>
+              <a:t> = </a:t>
+            </a:r>
+            <a:r>
+              <a:rPr lang="en-US" sz="1200" i="1" dirty="0"/>
+              <a:t>value</a:t>
+            </a:r>
+            <a:r>
+              <a:rPr lang="en-US" sz="1200" dirty="0"/>
+              <a:t> syntax.</a:t>
+            </a:r>
+          </a:p>
+          <a:p>
+            <a:r>
+              <a:rPr lang="en-US" sz="1200" dirty="0"/>
+              <a:t>This way the order of the arguments does not matter</a:t>
+            </a:r>
+            <a:r>
+              <a:rPr lang="en-US" sz="1200" dirty="0" smtClean="0"/>
+              <a:t>.</a:t>
+            </a:r>
+          </a:p>
+          <a:p>
+            <a:endParaRPr lang="en-US" sz="1200" dirty="0"/>
+          </a:p>
+          <a:p>
+            <a:r>
+              <a:rPr lang="en-US" sz="1200" b="1" dirty="0" err="1">
+                <a:solidFill>
+                  <a:schemeClr val="tx1"/>
+                </a:solidFill>
+              </a:rPr>
+              <a:t>def</a:t>
+            </a:r>
+            <a:r>
+              <a:rPr lang="en-US" sz="1200" b="1" dirty="0">
+                <a:solidFill>
+                  <a:schemeClr val="tx1"/>
+                </a:solidFill>
+              </a:rPr>
+              <a:t> </a:t>
+            </a:r>
+            <a:r>
+              <a:rPr lang="en-US" sz="1200" b="1" dirty="0" err="1">
+                <a:solidFill>
+                  <a:schemeClr val="tx1"/>
+                </a:solidFill>
+              </a:rPr>
+              <a:t>my_function</a:t>
+            </a:r>
+            <a:r>
+              <a:rPr lang="en-US" sz="1200" b="1" dirty="0">
+                <a:solidFill>
+                  <a:schemeClr val="tx1"/>
+                </a:solidFill>
+              </a:rPr>
+              <a:t>(child3, child2, child1):</a:t>
+            </a:r>
+            <a:br>
+              <a:rPr lang="en-US" sz="1200" b="1" dirty="0">
+                <a:solidFill>
+                  <a:schemeClr val="tx1"/>
+                </a:solidFill>
+              </a:rPr>
+            </a:br>
+            <a:r>
+              <a:rPr lang="en-US" sz="1200" b="1" dirty="0">
+                <a:solidFill>
+                  <a:schemeClr val="tx1"/>
+                </a:solidFill>
+              </a:rPr>
+              <a:t>  print("The youngest child is " + child3)</a:t>
+            </a:r>
+            <a:br>
+              <a:rPr lang="en-US" sz="1200" b="1" dirty="0">
+                <a:solidFill>
+                  <a:schemeClr val="tx1"/>
+                </a:solidFill>
+              </a:rPr>
+            </a:br>
+            <a:r>
+              <a:rPr lang="en-US" sz="1200" b="1" dirty="0">
+                <a:solidFill>
+                  <a:schemeClr val="tx1"/>
+                </a:solidFill>
+              </a:rPr>
+              <a:t/>
+            </a:r>
+            <a:br>
+              <a:rPr lang="en-US" sz="1200" b="1" dirty="0">
+                <a:solidFill>
+                  <a:schemeClr val="tx1"/>
+                </a:solidFill>
+              </a:rPr>
+            </a:br>
+            <a:r>
+              <a:rPr lang="en-US" sz="1200" b="1" dirty="0" err="1">
+                <a:solidFill>
+                  <a:schemeClr val="tx1"/>
+                </a:solidFill>
+              </a:rPr>
+              <a:t>my_function</a:t>
+            </a:r>
+            <a:r>
+              <a:rPr lang="en-US" sz="1200" b="1" dirty="0">
+                <a:solidFill>
+                  <a:schemeClr val="tx1"/>
+                </a:solidFill>
+              </a:rPr>
+              <a:t>(child1 = "Emil", child2 = "Tobias", child3 = "Linus")</a:t>
+            </a:r>
+          </a:p>
+        </p:txBody>
+      </p:sp>
+    </p:spTree>
+    <p:extLst>
+      <p:ext uri="{BB962C8B-B14F-4D97-AF65-F5344CB8AC3E}">
+        <p14:creationId xmlns:p14="http://schemas.microsoft.com/office/powerpoint/2010/main" val="2143490655"/>
       </p:ext>
     </p:extLst>
   </p:cSld>
